--- a/writing/figures_thesis/figures_all.pptx
+++ b/writing/figures_thesis/figures_all.pptx
@@ -5,14 +5,15 @@
     <p:sldMasterId id="2147483648" r:id="rId1"/>
   </p:sldMasterIdLst>
   <p:sldIdLst>
-    <p:sldId id="256" r:id="rId2"/>
-    <p:sldId id="257" r:id="rId3"/>
-    <p:sldId id="258" r:id="rId4"/>
-    <p:sldId id="259" r:id="rId5"/>
-    <p:sldId id="260" r:id="rId6"/>
-    <p:sldId id="261" r:id="rId7"/>
-    <p:sldId id="262" r:id="rId8"/>
-    <p:sldId id="263" r:id="rId9"/>
+    <p:sldId id="264" r:id="rId2"/>
+    <p:sldId id="256" r:id="rId3"/>
+    <p:sldId id="257" r:id="rId4"/>
+    <p:sldId id="258" r:id="rId5"/>
+    <p:sldId id="259" r:id="rId6"/>
+    <p:sldId id="260" r:id="rId7"/>
+    <p:sldId id="261" r:id="rId8"/>
+    <p:sldId id="262" r:id="rId9"/>
+    <p:sldId id="263" r:id="rId10"/>
   </p:sldIdLst>
   <p:sldSz cx="12192000" cy="6858000"/>
   <p:notesSz cx="6858000" cy="9144000"/>
@@ -111,6 +112,11 @@
       </a:defRPr>
     </a:lvl9pPr>
   </p:defaultTextStyle>
+  <p:extLst>
+    <p:ext uri="{EFAFB233-063F-42B5-8137-9DF3F51BA10A}">
+      <p15:sldGuideLst xmlns:p15="http://schemas.microsoft.com/office/powerpoint/2012/main"/>
+    </p:ext>
+  </p:extLst>
 </p:presentation>
 </file>
 
@@ -263,7 +269,7 @@
           <a:p>
             <a:fld id="{A4473EAB-BD50-4422-9832-0AC149E5474B}" type="datetimeFigureOut">
               <a:rPr lang="en-IN" smtClean="0"/>
-              <a:t>23-09-2023</a:t>
+              <a:t>27-09-2023</a:t>
             </a:fld>
             <a:endParaRPr lang="en-IN"/>
           </a:p>
@@ -463,7 +469,7 @@
           <a:p>
             <a:fld id="{A4473EAB-BD50-4422-9832-0AC149E5474B}" type="datetimeFigureOut">
               <a:rPr lang="en-IN" smtClean="0"/>
-              <a:t>23-09-2023</a:t>
+              <a:t>27-09-2023</a:t>
             </a:fld>
             <a:endParaRPr lang="en-IN"/>
           </a:p>
@@ -673,7 +679,7 @@
           <a:p>
             <a:fld id="{A4473EAB-BD50-4422-9832-0AC149E5474B}" type="datetimeFigureOut">
               <a:rPr lang="en-IN" smtClean="0"/>
-              <a:t>23-09-2023</a:t>
+              <a:t>27-09-2023</a:t>
             </a:fld>
             <a:endParaRPr lang="en-IN"/>
           </a:p>
@@ -873,7 +879,7 @@
           <a:p>
             <a:fld id="{A4473EAB-BD50-4422-9832-0AC149E5474B}" type="datetimeFigureOut">
               <a:rPr lang="en-IN" smtClean="0"/>
-              <a:t>23-09-2023</a:t>
+              <a:t>27-09-2023</a:t>
             </a:fld>
             <a:endParaRPr lang="en-IN"/>
           </a:p>
@@ -1149,7 +1155,7 @@
           <a:p>
             <a:fld id="{A4473EAB-BD50-4422-9832-0AC149E5474B}" type="datetimeFigureOut">
               <a:rPr lang="en-IN" smtClean="0"/>
-              <a:t>23-09-2023</a:t>
+              <a:t>27-09-2023</a:t>
             </a:fld>
             <a:endParaRPr lang="en-IN"/>
           </a:p>
@@ -1417,7 +1423,7 @@
           <a:p>
             <a:fld id="{A4473EAB-BD50-4422-9832-0AC149E5474B}" type="datetimeFigureOut">
               <a:rPr lang="en-IN" smtClean="0"/>
-              <a:t>23-09-2023</a:t>
+              <a:t>27-09-2023</a:t>
             </a:fld>
             <a:endParaRPr lang="en-IN"/>
           </a:p>
@@ -1832,7 +1838,7 @@
           <a:p>
             <a:fld id="{A4473EAB-BD50-4422-9832-0AC149E5474B}" type="datetimeFigureOut">
               <a:rPr lang="en-IN" smtClean="0"/>
-              <a:t>23-09-2023</a:t>
+              <a:t>27-09-2023</a:t>
             </a:fld>
             <a:endParaRPr lang="en-IN"/>
           </a:p>
@@ -1974,7 +1980,7 @@
           <a:p>
             <a:fld id="{A4473EAB-BD50-4422-9832-0AC149E5474B}" type="datetimeFigureOut">
               <a:rPr lang="en-IN" smtClean="0"/>
-              <a:t>23-09-2023</a:t>
+              <a:t>27-09-2023</a:t>
             </a:fld>
             <a:endParaRPr lang="en-IN"/>
           </a:p>
@@ -2087,7 +2093,7 @@
           <a:p>
             <a:fld id="{A4473EAB-BD50-4422-9832-0AC149E5474B}" type="datetimeFigureOut">
               <a:rPr lang="en-IN" smtClean="0"/>
-              <a:t>23-09-2023</a:t>
+              <a:t>27-09-2023</a:t>
             </a:fld>
             <a:endParaRPr lang="en-IN"/>
           </a:p>
@@ -2400,7 +2406,7 @@
           <a:p>
             <a:fld id="{A4473EAB-BD50-4422-9832-0AC149E5474B}" type="datetimeFigureOut">
               <a:rPr lang="en-IN" smtClean="0"/>
-              <a:t>23-09-2023</a:t>
+              <a:t>27-09-2023</a:t>
             </a:fld>
             <a:endParaRPr lang="en-IN"/>
           </a:p>
@@ -2689,7 +2695,7 @@
           <a:p>
             <a:fld id="{A4473EAB-BD50-4422-9832-0AC149E5474B}" type="datetimeFigureOut">
               <a:rPr lang="en-IN" smtClean="0"/>
-              <a:t>23-09-2023</a:t>
+              <a:t>27-09-2023</a:t>
             </a:fld>
             <a:endParaRPr lang="en-IN"/>
           </a:p>
@@ -2932,7 +2938,7 @@
           <a:p>
             <a:fld id="{A4473EAB-BD50-4422-9832-0AC149E5474B}" type="datetimeFigureOut">
               <a:rPr lang="en-IN" smtClean="0"/>
-              <a:t>23-09-2023</a:t>
+              <a:t>27-09-2023</a:t>
             </a:fld>
             <a:endParaRPr lang="en-IN"/>
           </a:p>
@@ -3349,216 +3355,2098 @@
           <a:chExt cx="0" cy="0"/>
         </a:xfrm>
       </p:grpSpPr>
-      <p:pic>
-        <p:nvPicPr>
-          <p:cNvPr id="7" name="Picture 6">
-            <a:extLst>
-              <a:ext uri="{FF2B5EF4-FFF2-40B4-BE49-F238E27FC236}">
-                <a16:creationId xmlns:a16="http://schemas.microsoft.com/office/drawing/2014/main" id="{A900DF26-CCC1-0C74-567D-3FC31BE8DA5A}"/>
-              </a:ext>
-            </a:extLst>
-          </p:cNvPr>
-          <p:cNvPicPr>
-            <a:picLocks noChangeAspect="1"/>
-          </p:cNvPicPr>
-          <p:nvPr/>
-        </p:nvPicPr>
-        <p:blipFill>
-          <a:blip r:embed="rId2">
-            <a:extLst>
-              <a:ext uri="{28A0092B-C50C-407E-A947-70E740481C1C}">
-                <a14:useLocalDpi xmlns:a14="http://schemas.microsoft.com/office/drawing/2010/main" val="0"/>
-              </a:ext>
-            </a:extLst>
-          </a:blip>
-          <a:stretch>
-            <a:fillRect/>
-          </a:stretch>
-        </p:blipFill>
-        <p:spPr>
-          <a:xfrm>
-            <a:off x="168880" y="2060489"/>
-            <a:ext cx="4277992" cy="2339679"/>
-          </a:xfrm>
-          <a:prstGeom prst="rect">
-            <a:avLst/>
-          </a:prstGeom>
-        </p:spPr>
-      </p:pic>
-      <p:pic>
-        <p:nvPicPr>
-          <p:cNvPr id="9" name="Picture 8">
-            <a:extLst>
-              <a:ext uri="{FF2B5EF4-FFF2-40B4-BE49-F238E27FC236}">
-                <a16:creationId xmlns:a16="http://schemas.microsoft.com/office/drawing/2014/main" id="{82E363B5-7453-B00C-0943-4925136D6F31}"/>
-              </a:ext>
-            </a:extLst>
-          </p:cNvPr>
-          <p:cNvPicPr>
-            <a:picLocks noChangeAspect="1"/>
-          </p:cNvPicPr>
-          <p:nvPr/>
-        </p:nvPicPr>
-        <p:blipFill>
-          <a:blip r:embed="rId3"/>
-          <a:stretch>
-            <a:fillRect/>
-          </a:stretch>
-        </p:blipFill>
-        <p:spPr>
-          <a:xfrm>
-            <a:off x="4446872" y="442916"/>
-            <a:ext cx="3337298" cy="3192568"/>
-          </a:xfrm>
-          <a:prstGeom prst="rect">
-            <a:avLst/>
-          </a:prstGeom>
-        </p:spPr>
-      </p:pic>
-      <p:pic>
-        <p:nvPicPr>
-          <p:cNvPr id="11" name="Picture 10">
-            <a:extLst>
-              <a:ext uri="{FF2B5EF4-FFF2-40B4-BE49-F238E27FC236}">
-                <a16:creationId xmlns:a16="http://schemas.microsoft.com/office/drawing/2014/main" id="{85816DD9-1EF5-BD4F-2D98-41CBBBDE45F8}"/>
-              </a:ext>
-            </a:extLst>
-          </p:cNvPr>
-          <p:cNvPicPr>
-            <a:picLocks noChangeAspect="1"/>
-          </p:cNvPicPr>
-          <p:nvPr/>
-        </p:nvPicPr>
-        <p:blipFill>
-          <a:blip r:embed="rId4"/>
-          <a:stretch>
-            <a:fillRect/>
-          </a:stretch>
-        </p:blipFill>
-        <p:spPr>
-          <a:xfrm>
-            <a:off x="4599272" y="3635484"/>
-            <a:ext cx="3201082" cy="3192568"/>
-          </a:xfrm>
-          <a:prstGeom prst="rect">
-            <a:avLst/>
-          </a:prstGeom>
-        </p:spPr>
-      </p:pic>
-      <p:pic>
-        <p:nvPicPr>
-          <p:cNvPr id="13" name="Picture 12">
-            <a:extLst>
-              <a:ext uri="{FF2B5EF4-FFF2-40B4-BE49-F238E27FC236}">
-                <a16:creationId xmlns:a16="http://schemas.microsoft.com/office/drawing/2014/main" id="{F1E08453-2DB1-70F0-70F3-24879D1B08B8}"/>
-              </a:ext>
-            </a:extLst>
-          </p:cNvPr>
-          <p:cNvPicPr>
-            <a:picLocks noChangeAspect="1"/>
-          </p:cNvPicPr>
-          <p:nvPr/>
-        </p:nvPicPr>
-        <p:blipFill>
-          <a:blip r:embed="rId5">
-            <a:extLst>
-              <a:ext uri="{28A0092B-C50C-407E-A947-70E740481C1C}">
-                <a14:useLocalDpi xmlns:a14="http://schemas.microsoft.com/office/drawing/2010/main" val="0"/>
-              </a:ext>
-            </a:extLst>
-          </a:blip>
-          <a:stretch>
-            <a:fillRect/>
-          </a:stretch>
-        </p:blipFill>
-        <p:spPr>
-          <a:xfrm>
-            <a:off x="8312582" y="528053"/>
-            <a:ext cx="3710538" cy="3064872"/>
-          </a:xfrm>
-          <a:prstGeom prst="rect">
-            <a:avLst/>
-          </a:prstGeom>
-        </p:spPr>
-      </p:pic>
-      <p:pic>
-        <p:nvPicPr>
-          <p:cNvPr id="15" name="Picture 14">
-            <a:extLst>
-              <a:ext uri="{FF2B5EF4-FFF2-40B4-BE49-F238E27FC236}">
-                <a16:creationId xmlns:a16="http://schemas.microsoft.com/office/drawing/2014/main" id="{7D73BB7F-CB8D-F223-F181-5931FEDB8DDC}"/>
-              </a:ext>
-            </a:extLst>
-          </p:cNvPr>
-          <p:cNvPicPr>
-            <a:picLocks noChangeAspect="1"/>
-          </p:cNvPicPr>
-          <p:nvPr/>
-        </p:nvPicPr>
-        <p:blipFill>
-          <a:blip r:embed="rId6">
-            <a:extLst>
-              <a:ext uri="{28A0092B-C50C-407E-A947-70E740481C1C}">
-                <a14:useLocalDpi xmlns:a14="http://schemas.microsoft.com/office/drawing/2010/main" val="0"/>
-              </a:ext>
-            </a:extLst>
-          </a:blip>
-          <a:stretch>
-            <a:fillRect/>
-          </a:stretch>
-        </p:blipFill>
-        <p:spPr>
-          <a:xfrm>
-            <a:off x="8312582" y="3656913"/>
-            <a:ext cx="3710538" cy="3122083"/>
-          </a:xfrm>
-          <a:prstGeom prst="rect">
-            <a:avLst/>
-          </a:prstGeom>
-        </p:spPr>
-      </p:pic>
-      <p:pic>
-        <p:nvPicPr>
-          <p:cNvPr id="17" name="Picture 16">
-            <a:extLst>
-              <a:ext uri="{FF2B5EF4-FFF2-40B4-BE49-F238E27FC236}">
-                <a16:creationId xmlns:a16="http://schemas.microsoft.com/office/drawing/2014/main" id="{E6EBF698-C36D-0966-4276-4FA31A342BE4}"/>
-              </a:ext>
-            </a:extLst>
-          </p:cNvPr>
-          <p:cNvPicPr>
-            <a:picLocks noChangeAspect="1"/>
-          </p:cNvPicPr>
-          <p:nvPr/>
-        </p:nvPicPr>
-        <p:blipFill>
-          <a:blip r:embed="rId7">
-            <a:extLst>
-              <a:ext uri="{28A0092B-C50C-407E-A947-70E740481C1C}">
-                <a14:useLocalDpi xmlns:a14="http://schemas.microsoft.com/office/drawing/2010/main" val="0"/>
-              </a:ext>
-            </a:extLst>
-          </a:blip>
-          <a:stretch>
-            <a:fillRect/>
-          </a:stretch>
-        </p:blipFill>
-        <p:spPr>
-          <a:xfrm>
-            <a:off x="10717459" y="1468166"/>
-            <a:ext cx="1087005" cy="707298"/>
-          </a:xfrm>
-          <a:prstGeom prst="rect">
-            <a:avLst/>
-          </a:prstGeom>
-        </p:spPr>
-      </p:pic>
-      <p:sp>
-        <p:nvSpPr>
-          <p:cNvPr id="18" name="TextBox 17">
-            <a:extLst>
-              <a:ext uri="{FF2B5EF4-FFF2-40B4-BE49-F238E27FC236}">
-                <a16:creationId xmlns:a16="http://schemas.microsoft.com/office/drawing/2014/main" id="{D93B0C47-4FDD-F189-AA9C-B11660A0DBCF}"/>
+      <p:sp>
+        <p:nvSpPr>
+          <p:cNvPr id="6" name="Rectangle 5">
+            <a:extLst>
+              <a:ext uri="{FF2B5EF4-FFF2-40B4-BE49-F238E27FC236}">
+                <a16:creationId xmlns:a16="http://schemas.microsoft.com/office/drawing/2014/main" id="{6AD7D2C3-78E1-1D10-32CA-1DF2E5CC953B}"/>
+              </a:ext>
+            </a:extLst>
+          </p:cNvPr>
+          <p:cNvSpPr/>
+          <p:nvPr/>
+        </p:nvSpPr>
+        <p:spPr>
+          <a:xfrm>
+            <a:off x="7433045" y="778577"/>
+            <a:ext cx="1559293" cy="654518"/>
+          </a:xfrm>
+          <a:prstGeom prst="rect">
+            <a:avLst/>
+          </a:prstGeom>
+          <a:ln w="28575"/>
+        </p:spPr>
+        <p:style>
+          <a:lnRef idx="2">
+            <a:schemeClr val="dk1"/>
+          </a:lnRef>
+          <a:fillRef idx="1">
+            <a:schemeClr val="lt1"/>
+          </a:fillRef>
+          <a:effectRef idx="0">
+            <a:schemeClr val="dk1"/>
+          </a:effectRef>
+          <a:fontRef idx="minor">
+            <a:schemeClr val="dk1"/>
+          </a:fontRef>
+        </p:style>
+        <p:txBody>
+          <a:bodyPr rtlCol="0" anchor="ctr"/>
+          <a:lstStyle/>
+          <a:p>
+            <a:pPr algn="ctr"/>
+            <a:r>
+              <a:rPr lang="en-US" dirty="0"/>
+              <a:t>engage in task</a:t>
+            </a:r>
+            <a:endParaRPr lang="en-IN" dirty="0"/>
+          </a:p>
+        </p:txBody>
+      </p:sp>
+      <p:sp>
+        <p:nvSpPr>
+          <p:cNvPr id="9" name="Rectangle 8">
+            <a:extLst>
+              <a:ext uri="{FF2B5EF4-FFF2-40B4-BE49-F238E27FC236}">
+                <a16:creationId xmlns:a16="http://schemas.microsoft.com/office/drawing/2014/main" id="{C2CB5424-AF16-0E13-6117-AFAD10D4EF65}"/>
+              </a:ext>
+            </a:extLst>
+          </p:cNvPr>
+          <p:cNvSpPr/>
+          <p:nvPr/>
+        </p:nvSpPr>
+        <p:spPr>
+          <a:xfrm>
+            <a:off x="7350427" y="2144292"/>
+            <a:ext cx="1724527" cy="654518"/>
+          </a:xfrm>
+          <a:prstGeom prst="rect">
+            <a:avLst/>
+          </a:prstGeom>
+          <a:ln w="28575"/>
+        </p:spPr>
+        <p:style>
+          <a:lnRef idx="2">
+            <a:schemeClr val="dk1"/>
+          </a:lnRef>
+          <a:fillRef idx="1">
+            <a:schemeClr val="lt1"/>
+          </a:fillRef>
+          <a:effectRef idx="0">
+            <a:schemeClr val="dk1"/>
+          </a:effectRef>
+          <a:fontRef idx="minor">
+            <a:schemeClr val="dk1"/>
+          </a:fontRef>
+        </p:style>
+        <p:txBody>
+          <a:bodyPr rtlCol="0" anchor="ctr"/>
+          <a:lstStyle/>
+          <a:p>
+            <a:pPr algn="ctr"/>
+            <a:r>
+              <a:rPr lang="en-US" dirty="0"/>
+              <a:t>don’t commit to a time of action</a:t>
+            </a:r>
+            <a:endParaRPr lang="en-IN" dirty="0"/>
+          </a:p>
+        </p:txBody>
+      </p:sp>
+      <p:cxnSp>
+        <p:nvCxnSpPr>
+          <p:cNvPr id="14" name="Straight Arrow Connector 13">
+            <a:extLst>
+              <a:ext uri="{FF2B5EF4-FFF2-40B4-BE49-F238E27FC236}">
+                <a16:creationId xmlns:a16="http://schemas.microsoft.com/office/drawing/2014/main" id="{6B2530AE-4FC2-4540-7786-90BC73115845}"/>
+              </a:ext>
+            </a:extLst>
+          </p:cNvPr>
+          <p:cNvCxnSpPr>
+            <a:cxnSpLocks/>
+            <a:stCxn id="6" idx="2"/>
+            <a:endCxn id="30" idx="0"/>
+          </p:cNvCxnSpPr>
+          <p:nvPr/>
+        </p:nvCxnSpPr>
+        <p:spPr>
+          <a:xfrm flipH="1">
+            <a:off x="5566910" y="1433095"/>
+            <a:ext cx="2645782" cy="702289"/>
+          </a:xfrm>
+          <a:prstGeom prst="straightConnector1">
+            <a:avLst/>
+          </a:prstGeom>
+          <a:ln w="12700">
+            <a:headEnd type="none" w="lg" len="lg"/>
+            <a:tailEnd type="triangle" w="lg" len="lg"/>
+          </a:ln>
+        </p:spPr>
+        <p:style>
+          <a:lnRef idx="1">
+            <a:schemeClr val="dk1"/>
+          </a:lnRef>
+          <a:fillRef idx="0">
+            <a:schemeClr val="dk1"/>
+          </a:fillRef>
+          <a:effectRef idx="0">
+            <a:schemeClr val="dk1"/>
+          </a:effectRef>
+          <a:fontRef idx="minor">
+            <a:schemeClr val="tx1"/>
+          </a:fontRef>
+        </p:style>
+      </p:cxnSp>
+      <p:cxnSp>
+        <p:nvCxnSpPr>
+          <p:cNvPr id="19" name="Straight Arrow Connector 18">
+            <a:extLst>
+              <a:ext uri="{FF2B5EF4-FFF2-40B4-BE49-F238E27FC236}">
+                <a16:creationId xmlns:a16="http://schemas.microsoft.com/office/drawing/2014/main" id="{C44DBCAC-7264-A6BF-441A-F61693BC9696}"/>
+              </a:ext>
+            </a:extLst>
+          </p:cNvPr>
+          <p:cNvCxnSpPr>
+            <a:cxnSpLocks/>
+            <a:stCxn id="6" idx="2"/>
+            <a:endCxn id="36" idx="0"/>
+          </p:cNvCxnSpPr>
+          <p:nvPr/>
+        </p:nvCxnSpPr>
+        <p:spPr>
+          <a:xfrm>
+            <a:off x="8212692" y="1433095"/>
+            <a:ext cx="2608430" cy="698088"/>
+          </a:xfrm>
+          <a:prstGeom prst="straightConnector1">
+            <a:avLst/>
+          </a:prstGeom>
+          <a:ln w="12700">
+            <a:solidFill>
+              <a:schemeClr val="tx1"/>
+            </a:solidFill>
+            <a:tailEnd type="triangle" w="lg" len="lg"/>
+          </a:ln>
+        </p:spPr>
+        <p:style>
+          <a:lnRef idx="1">
+            <a:schemeClr val="accent1"/>
+          </a:lnRef>
+          <a:fillRef idx="0">
+            <a:schemeClr val="accent1"/>
+          </a:fillRef>
+          <a:effectRef idx="0">
+            <a:schemeClr val="accent1"/>
+          </a:effectRef>
+          <a:fontRef idx="minor">
+            <a:schemeClr val="tx1"/>
+          </a:fontRef>
+        </p:style>
+      </p:cxnSp>
+      <p:cxnSp>
+        <p:nvCxnSpPr>
+          <p:cNvPr id="21" name="Straight Arrow Connector 20">
+            <a:extLst>
+              <a:ext uri="{FF2B5EF4-FFF2-40B4-BE49-F238E27FC236}">
+                <a16:creationId xmlns:a16="http://schemas.microsoft.com/office/drawing/2014/main" id="{9F71EB2A-5009-F67B-449D-75FA3C307289}"/>
+              </a:ext>
+            </a:extLst>
+          </p:cNvPr>
+          <p:cNvCxnSpPr>
+            <a:cxnSpLocks/>
+            <a:stCxn id="6" idx="2"/>
+            <a:endCxn id="9" idx="0"/>
+          </p:cNvCxnSpPr>
+          <p:nvPr/>
+        </p:nvCxnSpPr>
+        <p:spPr>
+          <a:xfrm flipH="1">
+            <a:off x="8212691" y="1433095"/>
+            <a:ext cx="1" cy="711197"/>
+          </a:xfrm>
+          <a:prstGeom prst="straightConnector1">
+            <a:avLst/>
+          </a:prstGeom>
+          <a:ln w="12700">
+            <a:headEnd type="none" w="lg" len="lg"/>
+            <a:tailEnd type="triangle" w="lg" len="lg"/>
+          </a:ln>
+        </p:spPr>
+        <p:style>
+          <a:lnRef idx="1">
+            <a:schemeClr val="dk1"/>
+          </a:lnRef>
+          <a:fillRef idx="0">
+            <a:schemeClr val="dk1"/>
+          </a:fillRef>
+          <a:effectRef idx="0">
+            <a:schemeClr val="dk1"/>
+          </a:effectRef>
+          <a:fontRef idx="minor">
+            <a:schemeClr val="tx1"/>
+          </a:fontRef>
+        </p:style>
+      </p:cxnSp>
+      <p:sp>
+        <p:nvSpPr>
+          <p:cNvPr id="130" name="Arc 129">
+            <a:extLst>
+              <a:ext uri="{FF2B5EF4-FFF2-40B4-BE49-F238E27FC236}">
+                <a16:creationId xmlns:a16="http://schemas.microsoft.com/office/drawing/2014/main" id="{33F78E2F-5293-4BAF-3126-5AF03603A547}"/>
+              </a:ext>
+            </a:extLst>
+          </p:cNvPr>
+          <p:cNvSpPr/>
+          <p:nvPr/>
+        </p:nvSpPr>
+        <p:spPr>
+          <a:xfrm flipH="1">
+            <a:off x="4324392" y="678316"/>
+            <a:ext cx="4519243" cy="5456484"/>
+          </a:xfrm>
+          <a:prstGeom prst="arc">
+            <a:avLst>
+              <a:gd name="adj1" fmla="val 15089974"/>
+              <a:gd name="adj2" fmla="val 16135"/>
+            </a:avLst>
+          </a:prstGeom>
+          <a:ln>
+            <a:solidFill>
+              <a:schemeClr val="tx1"/>
+            </a:solidFill>
+            <a:prstDash val="solid"/>
+            <a:headEnd type="triangle" w="lg" len="lg"/>
+            <a:tailEnd type="none" w="lg" len="lg"/>
+          </a:ln>
+        </p:spPr>
+        <p:style>
+          <a:lnRef idx="1">
+            <a:schemeClr val="accent1"/>
+          </a:lnRef>
+          <a:fillRef idx="0">
+            <a:schemeClr val="accent1"/>
+          </a:fillRef>
+          <a:effectRef idx="0">
+            <a:schemeClr val="accent1"/>
+          </a:effectRef>
+          <a:fontRef idx="minor">
+            <a:schemeClr val="tx1"/>
+          </a:fontRef>
+        </p:style>
+        <p:txBody>
+          <a:bodyPr rtlCol="0" anchor="ctr"/>
+          <a:lstStyle/>
+          <a:p>
+            <a:pPr algn="ctr"/>
+            <a:endParaRPr lang="en-IN"/>
+          </a:p>
+        </p:txBody>
+      </p:sp>
+      <p:sp>
+        <p:nvSpPr>
+          <p:cNvPr id="146" name="Rectangle 145">
+            <a:extLst>
+              <a:ext uri="{FF2B5EF4-FFF2-40B4-BE49-F238E27FC236}">
+                <a16:creationId xmlns:a16="http://schemas.microsoft.com/office/drawing/2014/main" id="{FCAD99D1-BB2C-8966-249F-BEEC3DA53C56}"/>
+              </a:ext>
+            </a:extLst>
+          </p:cNvPr>
+          <p:cNvSpPr/>
+          <p:nvPr/>
+        </p:nvSpPr>
+        <p:spPr>
+          <a:xfrm>
+            <a:off x="1282824" y="778577"/>
+            <a:ext cx="1559293" cy="654518"/>
+          </a:xfrm>
+          <a:prstGeom prst="rect">
+            <a:avLst/>
+          </a:prstGeom>
+          <a:ln w="28575"/>
+        </p:spPr>
+        <p:style>
+          <a:lnRef idx="2">
+            <a:schemeClr val="dk1"/>
+          </a:lnRef>
+          <a:fillRef idx="1">
+            <a:schemeClr val="lt1"/>
+          </a:fillRef>
+          <a:effectRef idx="0">
+            <a:schemeClr val="dk1"/>
+          </a:effectRef>
+          <a:fontRef idx="minor">
+            <a:schemeClr val="dk1"/>
+          </a:fontRef>
+        </p:style>
+        <p:txBody>
+          <a:bodyPr rtlCol="0" anchor="ctr"/>
+          <a:lstStyle/>
+          <a:p>
+            <a:pPr algn="ctr"/>
+            <a:r>
+              <a:rPr lang="en-US" dirty="0"/>
+              <a:t>abandon task</a:t>
+            </a:r>
+            <a:endParaRPr lang="en-IN" dirty="0"/>
+          </a:p>
+        </p:txBody>
+      </p:sp>
+      <p:sp>
+        <p:nvSpPr>
+          <p:cNvPr id="147" name="Rectangle 146">
+            <a:extLst>
+              <a:ext uri="{FF2B5EF4-FFF2-40B4-BE49-F238E27FC236}">
+                <a16:creationId xmlns:a16="http://schemas.microsoft.com/office/drawing/2014/main" id="{EFB07E75-4DA2-4731-1A21-FA7C60BFEDC0}"/>
+              </a:ext>
+            </a:extLst>
+          </p:cNvPr>
+          <p:cNvSpPr/>
+          <p:nvPr/>
+        </p:nvSpPr>
+        <p:spPr>
+          <a:xfrm>
+            <a:off x="489800" y="2144292"/>
+            <a:ext cx="1291490" cy="654518"/>
+          </a:xfrm>
+          <a:prstGeom prst="rect">
+            <a:avLst/>
+          </a:prstGeom>
+          <a:ln w="28575"/>
+        </p:spPr>
+        <p:style>
+          <a:lnRef idx="2">
+            <a:schemeClr val="dk1"/>
+          </a:lnRef>
+          <a:fillRef idx="1">
+            <a:schemeClr val="lt1"/>
+          </a:fillRef>
+          <a:effectRef idx="0">
+            <a:schemeClr val="dk1"/>
+          </a:effectRef>
+          <a:fontRef idx="minor">
+            <a:schemeClr val="dk1"/>
+          </a:fontRef>
+        </p:style>
+        <p:txBody>
+          <a:bodyPr rtlCol="0" anchor="ctr"/>
+          <a:lstStyle/>
+          <a:p>
+            <a:pPr algn="ctr"/>
+            <a:r>
+              <a:rPr lang="en-IN" dirty="0"/>
+              <a:t>stick to decision</a:t>
+            </a:r>
+          </a:p>
+        </p:txBody>
+      </p:sp>
+      <p:sp>
+        <p:nvSpPr>
+          <p:cNvPr id="148" name="Rectangle 147">
+            <a:extLst>
+              <a:ext uri="{FF2B5EF4-FFF2-40B4-BE49-F238E27FC236}">
+                <a16:creationId xmlns:a16="http://schemas.microsoft.com/office/drawing/2014/main" id="{2B33732E-C3D9-D612-4A97-6C9123BF05C6}"/>
+              </a:ext>
+            </a:extLst>
+          </p:cNvPr>
+          <p:cNvSpPr/>
+          <p:nvPr/>
+        </p:nvSpPr>
+        <p:spPr>
+          <a:xfrm>
+            <a:off x="2375097" y="2144292"/>
+            <a:ext cx="1305293" cy="654518"/>
+          </a:xfrm>
+          <a:prstGeom prst="rect">
+            <a:avLst/>
+          </a:prstGeom>
+          <a:ln w="28575"/>
+        </p:spPr>
+        <p:style>
+          <a:lnRef idx="2">
+            <a:schemeClr val="dk1"/>
+          </a:lnRef>
+          <a:fillRef idx="1">
+            <a:schemeClr val="lt1"/>
+          </a:fillRef>
+          <a:effectRef idx="0">
+            <a:schemeClr val="dk1"/>
+          </a:effectRef>
+          <a:fontRef idx="minor">
+            <a:schemeClr val="dk1"/>
+          </a:fontRef>
+        </p:style>
+        <p:txBody>
+          <a:bodyPr rtlCol="0" anchor="ctr"/>
+          <a:lstStyle/>
+          <a:p>
+            <a:pPr algn="ctr"/>
+            <a:r>
+              <a:rPr lang="en-US" dirty="0"/>
+              <a:t>defect</a:t>
+            </a:r>
+            <a:endParaRPr lang="en-IN" dirty="0"/>
+          </a:p>
+        </p:txBody>
+      </p:sp>
+      <p:cxnSp>
+        <p:nvCxnSpPr>
+          <p:cNvPr id="149" name="Straight Arrow Connector 148">
+            <a:extLst>
+              <a:ext uri="{FF2B5EF4-FFF2-40B4-BE49-F238E27FC236}">
+                <a16:creationId xmlns:a16="http://schemas.microsoft.com/office/drawing/2014/main" id="{CCB41E35-8036-3429-0D11-3B1354AB82B7}"/>
+              </a:ext>
+            </a:extLst>
+          </p:cNvPr>
+          <p:cNvCxnSpPr>
+            <a:cxnSpLocks/>
+            <a:stCxn id="146" idx="2"/>
+            <a:endCxn id="148" idx="0"/>
+          </p:cNvCxnSpPr>
+          <p:nvPr/>
+        </p:nvCxnSpPr>
+        <p:spPr>
+          <a:xfrm>
+            <a:off x="2062471" y="1433095"/>
+            <a:ext cx="965273" cy="711197"/>
+          </a:xfrm>
+          <a:prstGeom prst="straightConnector1">
+            <a:avLst/>
+          </a:prstGeom>
+          <a:ln w="12700">
+            <a:solidFill>
+              <a:schemeClr val="tx1"/>
+            </a:solidFill>
+            <a:tailEnd type="triangle" w="lg" len="lg"/>
+          </a:ln>
+        </p:spPr>
+        <p:style>
+          <a:lnRef idx="1">
+            <a:schemeClr val="accent1"/>
+          </a:lnRef>
+          <a:fillRef idx="0">
+            <a:schemeClr val="accent1"/>
+          </a:fillRef>
+          <a:effectRef idx="0">
+            <a:schemeClr val="accent1"/>
+          </a:effectRef>
+          <a:fontRef idx="minor">
+            <a:schemeClr val="tx1"/>
+          </a:fontRef>
+        </p:style>
+      </p:cxnSp>
+      <p:cxnSp>
+        <p:nvCxnSpPr>
+          <p:cNvPr id="152" name="Straight Arrow Connector 151">
+            <a:extLst>
+              <a:ext uri="{FF2B5EF4-FFF2-40B4-BE49-F238E27FC236}">
+                <a16:creationId xmlns:a16="http://schemas.microsoft.com/office/drawing/2014/main" id="{7C4A7770-B322-AECD-391D-43FAB2A7BBEF}"/>
+              </a:ext>
+            </a:extLst>
+          </p:cNvPr>
+          <p:cNvCxnSpPr>
+            <a:cxnSpLocks/>
+            <a:stCxn id="146" idx="2"/>
+            <a:endCxn id="147" idx="0"/>
+          </p:cNvCxnSpPr>
+          <p:nvPr/>
+        </p:nvCxnSpPr>
+        <p:spPr>
+          <a:xfrm flipH="1">
+            <a:off x="1135545" y="1433095"/>
+            <a:ext cx="926926" cy="711197"/>
+          </a:xfrm>
+          <a:prstGeom prst="straightConnector1">
+            <a:avLst/>
+          </a:prstGeom>
+          <a:ln w="12700">
+            <a:solidFill>
+              <a:schemeClr val="tx1"/>
+            </a:solidFill>
+            <a:tailEnd type="triangle" w="lg" len="lg"/>
+          </a:ln>
+        </p:spPr>
+        <p:style>
+          <a:lnRef idx="1">
+            <a:schemeClr val="accent1"/>
+          </a:lnRef>
+          <a:fillRef idx="0">
+            <a:schemeClr val="accent1"/>
+          </a:fillRef>
+          <a:effectRef idx="0">
+            <a:schemeClr val="accent1"/>
+          </a:effectRef>
+          <a:fontRef idx="minor">
+            <a:schemeClr val="tx1"/>
+          </a:fontRef>
+        </p:style>
+      </p:cxnSp>
+      <p:sp>
+        <p:nvSpPr>
+          <p:cNvPr id="155" name="Arc 154">
+            <a:extLst>
+              <a:ext uri="{FF2B5EF4-FFF2-40B4-BE49-F238E27FC236}">
+                <a16:creationId xmlns:a16="http://schemas.microsoft.com/office/drawing/2014/main" id="{32E3C015-1408-B734-0CEF-D4DF093438DD}"/>
+              </a:ext>
+            </a:extLst>
+          </p:cNvPr>
+          <p:cNvSpPr/>
+          <p:nvPr/>
+        </p:nvSpPr>
+        <p:spPr>
+          <a:xfrm>
+            <a:off x="2085848" y="820949"/>
+            <a:ext cx="2222032" cy="5078802"/>
+          </a:xfrm>
+          <a:prstGeom prst="arc">
+            <a:avLst>
+              <a:gd name="adj1" fmla="val 15679164"/>
+              <a:gd name="adj2" fmla="val 179171"/>
+            </a:avLst>
+          </a:prstGeom>
+          <a:ln>
+            <a:solidFill>
+              <a:schemeClr val="tx1"/>
+            </a:solidFill>
+            <a:prstDash val="solid"/>
+            <a:headEnd type="triangle" w="lg" len="lg"/>
+            <a:tailEnd type="none" w="lg" len="lg"/>
+          </a:ln>
+        </p:spPr>
+        <p:style>
+          <a:lnRef idx="1">
+            <a:schemeClr val="accent1"/>
+          </a:lnRef>
+          <a:fillRef idx="0">
+            <a:schemeClr val="accent1"/>
+          </a:fillRef>
+          <a:effectRef idx="0">
+            <a:schemeClr val="accent1"/>
+          </a:effectRef>
+          <a:fontRef idx="minor">
+            <a:schemeClr val="tx1"/>
+          </a:fontRef>
+        </p:style>
+        <p:txBody>
+          <a:bodyPr rtlCol="0" anchor="ctr"/>
+          <a:lstStyle/>
+          <a:p>
+            <a:pPr algn="ctr"/>
+            <a:endParaRPr lang="en-IN"/>
+          </a:p>
+        </p:txBody>
+      </p:sp>
+      <p:sp>
+        <p:nvSpPr>
+          <p:cNvPr id="179" name="Rectangle 178">
+            <a:extLst>
+              <a:ext uri="{FF2B5EF4-FFF2-40B4-BE49-F238E27FC236}">
+                <a16:creationId xmlns:a16="http://schemas.microsoft.com/office/drawing/2014/main" id="{727228F8-34F4-07EE-4C27-E66D88E22B04}"/>
+              </a:ext>
+            </a:extLst>
+          </p:cNvPr>
+          <p:cNvSpPr/>
+          <p:nvPr/>
+        </p:nvSpPr>
+        <p:spPr>
+          <a:xfrm>
+            <a:off x="7211996" y="3504692"/>
+            <a:ext cx="1137319" cy="665747"/>
+          </a:xfrm>
+          <a:prstGeom prst="rect">
+            <a:avLst/>
+          </a:prstGeom>
+          <a:ln w="28575"/>
+        </p:spPr>
+        <p:style>
+          <a:lnRef idx="2">
+            <a:schemeClr val="dk1"/>
+          </a:lnRef>
+          <a:fillRef idx="1">
+            <a:schemeClr val="lt1"/>
+          </a:fillRef>
+          <a:effectRef idx="0">
+            <a:schemeClr val="dk1"/>
+          </a:effectRef>
+          <a:fontRef idx="minor">
+            <a:schemeClr val="dk1"/>
+          </a:fontRef>
+        </p:style>
+        <p:txBody>
+          <a:bodyPr rtlCol="0" anchor="ctr"/>
+          <a:lstStyle/>
+          <a:p>
+            <a:pPr algn="ctr"/>
+            <a:r>
+              <a:rPr lang="en-US" dirty="0"/>
+              <a:t>never commit</a:t>
+            </a:r>
+            <a:endParaRPr lang="en-IN" dirty="0"/>
+          </a:p>
+        </p:txBody>
+      </p:sp>
+      <p:sp>
+        <p:nvSpPr>
+          <p:cNvPr id="180" name="Rectangle 179">
+            <a:extLst>
+              <a:ext uri="{FF2B5EF4-FFF2-40B4-BE49-F238E27FC236}">
+                <a16:creationId xmlns:a16="http://schemas.microsoft.com/office/drawing/2014/main" id="{53088583-0C98-DDB5-6B34-98DEC76A75DA}"/>
+              </a:ext>
+            </a:extLst>
+          </p:cNvPr>
+          <p:cNvSpPr/>
+          <p:nvPr/>
+        </p:nvSpPr>
+        <p:spPr>
+          <a:xfrm>
+            <a:off x="8644731" y="3529289"/>
+            <a:ext cx="1137319" cy="665747"/>
+          </a:xfrm>
+          <a:prstGeom prst="rect">
+            <a:avLst/>
+          </a:prstGeom>
+          <a:ln w="28575"/>
+        </p:spPr>
+        <p:style>
+          <a:lnRef idx="2">
+            <a:schemeClr val="dk1"/>
+          </a:lnRef>
+          <a:fillRef idx="1">
+            <a:schemeClr val="lt1"/>
+          </a:fillRef>
+          <a:effectRef idx="0">
+            <a:schemeClr val="dk1"/>
+          </a:effectRef>
+          <a:fontRef idx="minor">
+            <a:schemeClr val="dk1"/>
+          </a:fontRef>
+        </p:style>
+        <p:txBody>
+          <a:bodyPr rtlCol="0" anchor="ctr"/>
+          <a:lstStyle/>
+          <a:p>
+            <a:pPr algn="ctr"/>
+            <a:r>
+              <a:rPr lang="en-US" dirty="0"/>
+              <a:t>commit later</a:t>
+            </a:r>
+            <a:endParaRPr lang="en-IN" dirty="0"/>
+          </a:p>
+        </p:txBody>
+      </p:sp>
+      <p:cxnSp>
+        <p:nvCxnSpPr>
+          <p:cNvPr id="181" name="Straight Arrow Connector 180">
+            <a:extLst>
+              <a:ext uri="{FF2B5EF4-FFF2-40B4-BE49-F238E27FC236}">
+                <a16:creationId xmlns:a16="http://schemas.microsoft.com/office/drawing/2014/main" id="{525D7E09-2E64-007E-3944-2CA7BA1E60C4}"/>
+              </a:ext>
+            </a:extLst>
+          </p:cNvPr>
+          <p:cNvCxnSpPr>
+            <a:cxnSpLocks/>
+            <a:stCxn id="9" idx="2"/>
+            <a:endCxn id="179" idx="0"/>
+          </p:cNvCxnSpPr>
+          <p:nvPr/>
+        </p:nvCxnSpPr>
+        <p:spPr>
+          <a:xfrm flipH="1">
+            <a:off x="7780656" y="2798810"/>
+            <a:ext cx="432035" cy="705882"/>
+          </a:xfrm>
+          <a:prstGeom prst="straightConnector1">
+            <a:avLst/>
+          </a:prstGeom>
+          <a:ln w="12700">
+            <a:headEnd type="none" w="lg" len="lg"/>
+            <a:tailEnd type="triangle" w="lg" len="lg"/>
+          </a:ln>
+        </p:spPr>
+        <p:style>
+          <a:lnRef idx="1">
+            <a:schemeClr val="dk1"/>
+          </a:lnRef>
+          <a:fillRef idx="0">
+            <a:schemeClr val="dk1"/>
+          </a:fillRef>
+          <a:effectRef idx="0">
+            <a:schemeClr val="dk1"/>
+          </a:effectRef>
+          <a:fontRef idx="minor">
+            <a:schemeClr val="tx1"/>
+          </a:fontRef>
+        </p:style>
+      </p:cxnSp>
+      <p:cxnSp>
+        <p:nvCxnSpPr>
+          <p:cNvPr id="182" name="Straight Arrow Connector 181">
+            <a:extLst>
+              <a:ext uri="{FF2B5EF4-FFF2-40B4-BE49-F238E27FC236}">
+                <a16:creationId xmlns:a16="http://schemas.microsoft.com/office/drawing/2014/main" id="{8D6A35C2-EE0E-87D8-661E-BABF1A1DE2FD}"/>
+              </a:ext>
+            </a:extLst>
+          </p:cNvPr>
+          <p:cNvCxnSpPr>
+            <a:cxnSpLocks/>
+            <a:stCxn id="9" idx="2"/>
+            <a:endCxn id="180" idx="0"/>
+          </p:cNvCxnSpPr>
+          <p:nvPr/>
+        </p:nvCxnSpPr>
+        <p:spPr>
+          <a:xfrm>
+            <a:off x="8212691" y="2798810"/>
+            <a:ext cx="1000700" cy="730479"/>
+          </a:xfrm>
+          <a:prstGeom prst="straightConnector1">
+            <a:avLst/>
+          </a:prstGeom>
+          <a:ln w="12700">
+            <a:headEnd type="none" w="lg" len="lg"/>
+            <a:tailEnd type="triangle" w="lg" len="lg"/>
+          </a:ln>
+        </p:spPr>
+        <p:style>
+          <a:lnRef idx="1">
+            <a:schemeClr val="dk1"/>
+          </a:lnRef>
+          <a:fillRef idx="0">
+            <a:schemeClr val="dk1"/>
+          </a:fillRef>
+          <a:effectRef idx="0">
+            <a:schemeClr val="dk1"/>
+          </a:effectRef>
+          <a:fontRef idx="minor">
+            <a:schemeClr val="tx1"/>
+          </a:fontRef>
+        </p:style>
+      </p:cxnSp>
+      <p:sp>
+        <p:nvSpPr>
+          <p:cNvPr id="187" name="Arc 186">
+            <a:extLst>
+              <a:ext uri="{FF2B5EF4-FFF2-40B4-BE49-F238E27FC236}">
+                <a16:creationId xmlns:a16="http://schemas.microsoft.com/office/drawing/2014/main" id="{40352D87-4B8C-246A-27C3-88745CF92B5F}"/>
+              </a:ext>
+            </a:extLst>
+          </p:cNvPr>
+          <p:cNvSpPr/>
+          <p:nvPr/>
+        </p:nvSpPr>
+        <p:spPr>
+          <a:xfrm flipH="1">
+            <a:off x="3646535" y="561662"/>
+            <a:ext cx="4845624" cy="4263186"/>
+          </a:xfrm>
+          <a:prstGeom prst="arc">
+            <a:avLst>
+              <a:gd name="adj1" fmla="val 14880195"/>
+              <a:gd name="adj2" fmla="val 21042826"/>
+            </a:avLst>
+          </a:prstGeom>
+          <a:ln>
+            <a:solidFill>
+              <a:schemeClr val="tx1"/>
+            </a:solidFill>
+            <a:prstDash val="solid"/>
+            <a:headEnd type="none" w="lg" len="lg"/>
+            <a:tailEnd type="none" w="lg" len="lg"/>
+          </a:ln>
+        </p:spPr>
+        <p:style>
+          <a:lnRef idx="1">
+            <a:schemeClr val="accent1"/>
+          </a:lnRef>
+          <a:fillRef idx="0">
+            <a:schemeClr val="accent1"/>
+          </a:fillRef>
+          <a:effectRef idx="0">
+            <a:schemeClr val="accent1"/>
+          </a:effectRef>
+          <a:fontRef idx="minor">
+            <a:schemeClr val="tx1"/>
+          </a:fontRef>
+        </p:style>
+        <p:txBody>
+          <a:bodyPr rtlCol="0" anchor="ctr"/>
+          <a:lstStyle/>
+          <a:p>
+            <a:pPr algn="ctr"/>
+            <a:endParaRPr lang="en-IN"/>
+          </a:p>
+        </p:txBody>
+      </p:sp>
+      <p:cxnSp>
+        <p:nvCxnSpPr>
+          <p:cNvPr id="194" name="Straight Connector 193">
+            <a:extLst>
+              <a:ext uri="{FF2B5EF4-FFF2-40B4-BE49-F238E27FC236}">
+                <a16:creationId xmlns:a16="http://schemas.microsoft.com/office/drawing/2014/main" id="{B4E57616-2501-57F0-D122-33AB72B6F6FF}"/>
+              </a:ext>
+            </a:extLst>
+          </p:cNvPr>
+          <p:cNvCxnSpPr>
+            <a:cxnSpLocks/>
+          </p:cNvCxnSpPr>
+          <p:nvPr/>
+        </p:nvCxnSpPr>
+        <p:spPr>
+          <a:xfrm flipV="1">
+            <a:off x="508631" y="5594234"/>
+            <a:ext cx="2014910" cy="1"/>
+          </a:xfrm>
+          <a:prstGeom prst="line">
+            <a:avLst/>
+          </a:prstGeom>
+          <a:ln w="28575">
+            <a:solidFill>
+              <a:schemeClr val="tx1"/>
+            </a:solidFill>
+          </a:ln>
+        </p:spPr>
+        <p:style>
+          <a:lnRef idx="1">
+            <a:schemeClr val="dk1"/>
+          </a:lnRef>
+          <a:fillRef idx="0">
+            <a:schemeClr val="dk1"/>
+          </a:fillRef>
+          <a:effectRef idx="0">
+            <a:schemeClr val="dk1"/>
+          </a:effectRef>
+          <a:fontRef idx="minor">
+            <a:schemeClr val="tx1"/>
+          </a:fontRef>
+        </p:style>
+      </p:cxnSp>
+      <p:sp>
+        <p:nvSpPr>
+          <p:cNvPr id="195" name="Arc 194">
+            <a:extLst>
+              <a:ext uri="{FF2B5EF4-FFF2-40B4-BE49-F238E27FC236}">
+                <a16:creationId xmlns:a16="http://schemas.microsoft.com/office/drawing/2014/main" id="{E139AD29-E3A8-319A-4916-E83CC9E99851}"/>
+              </a:ext>
+            </a:extLst>
+          </p:cNvPr>
+          <p:cNvSpPr/>
+          <p:nvPr/>
+        </p:nvSpPr>
+        <p:spPr>
+          <a:xfrm rot="16200000">
+            <a:off x="765334" y="4856353"/>
+            <a:ext cx="960652" cy="1415134"/>
+          </a:xfrm>
+          <a:prstGeom prst="arc">
+            <a:avLst>
+              <a:gd name="adj1" fmla="val 16199990"/>
+              <a:gd name="adj2" fmla="val 5396454"/>
+            </a:avLst>
+          </a:prstGeom>
+          <a:ln>
+            <a:headEnd type="none"/>
+            <a:tailEnd type="arrow" w="lg" len="lg"/>
+          </a:ln>
+        </p:spPr>
+        <p:style>
+          <a:lnRef idx="1">
+            <a:schemeClr val="dk1"/>
+          </a:lnRef>
+          <a:fillRef idx="0">
+            <a:schemeClr val="dk1"/>
+          </a:fillRef>
+          <a:effectRef idx="0">
+            <a:schemeClr val="dk1"/>
+          </a:effectRef>
+          <a:fontRef idx="minor">
+            <a:schemeClr val="tx1"/>
+          </a:fontRef>
+        </p:style>
+        <p:txBody>
+          <a:bodyPr rtlCol="0" anchor="ctr"/>
+          <a:lstStyle/>
+          <a:p>
+            <a:pPr algn="ctr"/>
+            <a:endParaRPr lang="en-IN"/>
+          </a:p>
+        </p:txBody>
+      </p:sp>
+      <p:sp>
+        <p:nvSpPr>
+          <p:cNvPr id="196" name="Rectangle 195">
+            <a:extLst>
+              <a:ext uri="{FF2B5EF4-FFF2-40B4-BE49-F238E27FC236}">
+                <a16:creationId xmlns:a16="http://schemas.microsoft.com/office/drawing/2014/main" id="{DD325D52-A786-A798-0093-A88D7FAB7A68}"/>
+              </a:ext>
+            </a:extLst>
+          </p:cNvPr>
+          <p:cNvSpPr/>
+          <p:nvPr/>
+        </p:nvSpPr>
+        <p:spPr>
+          <a:xfrm>
+            <a:off x="1928019" y="5564073"/>
+            <a:ext cx="442829" cy="64213"/>
+          </a:xfrm>
+          <a:prstGeom prst="rect">
+            <a:avLst/>
+          </a:prstGeom>
+          <a:solidFill>
+            <a:srgbClr val="00B0F0"/>
+          </a:solidFill>
+          <a:ln w="19050">
+            <a:solidFill>
+              <a:schemeClr val="tx1"/>
+            </a:solidFill>
+          </a:ln>
+        </p:spPr>
+        <p:style>
+          <a:lnRef idx="2">
+            <a:schemeClr val="accent1">
+              <a:shade val="15000"/>
+            </a:schemeClr>
+          </a:lnRef>
+          <a:fillRef idx="1">
+            <a:schemeClr val="accent1"/>
+          </a:fillRef>
+          <a:effectRef idx="0">
+            <a:schemeClr val="accent1"/>
+          </a:effectRef>
+          <a:fontRef idx="minor">
+            <a:schemeClr val="lt1"/>
+          </a:fontRef>
+        </p:style>
+        <p:txBody>
+          <a:bodyPr rtlCol="0" anchor="ctr"/>
+          <a:lstStyle/>
+          <a:p>
+            <a:pPr algn="ctr"/>
+            <a:endParaRPr lang="en-IN"/>
+          </a:p>
+        </p:txBody>
+      </p:sp>
+      <p:cxnSp>
+        <p:nvCxnSpPr>
+          <p:cNvPr id="197" name="Straight Connector 196">
+            <a:extLst>
+              <a:ext uri="{FF2B5EF4-FFF2-40B4-BE49-F238E27FC236}">
+                <a16:creationId xmlns:a16="http://schemas.microsoft.com/office/drawing/2014/main" id="{70A3AF68-3EEF-27B2-FB98-C1797A9ADD37}"/>
+              </a:ext>
+            </a:extLst>
+          </p:cNvPr>
+          <p:cNvCxnSpPr>
+            <a:cxnSpLocks/>
+          </p:cNvCxnSpPr>
+          <p:nvPr/>
+        </p:nvCxnSpPr>
+        <p:spPr>
+          <a:xfrm>
+            <a:off x="2198756" y="5140625"/>
+            <a:ext cx="0" cy="433671"/>
+          </a:xfrm>
+          <a:prstGeom prst="line">
+            <a:avLst/>
+          </a:prstGeom>
+          <a:ln w="28575">
+            <a:solidFill>
+              <a:srgbClr val="FF0000"/>
+            </a:solidFill>
+            <a:prstDash val="sysDot"/>
+          </a:ln>
+        </p:spPr>
+        <p:style>
+          <a:lnRef idx="1">
+            <a:schemeClr val="accent1"/>
+          </a:lnRef>
+          <a:fillRef idx="0">
+            <a:schemeClr val="accent1"/>
+          </a:fillRef>
+          <a:effectRef idx="0">
+            <a:schemeClr val="accent1"/>
+          </a:effectRef>
+          <a:fontRef idx="minor">
+            <a:schemeClr val="tx1"/>
+          </a:fontRef>
+        </p:style>
+      </p:cxnSp>
+      <p:cxnSp>
+        <p:nvCxnSpPr>
+          <p:cNvPr id="198" name="Straight Connector 197">
+            <a:extLst>
+              <a:ext uri="{FF2B5EF4-FFF2-40B4-BE49-F238E27FC236}">
+                <a16:creationId xmlns:a16="http://schemas.microsoft.com/office/drawing/2014/main" id="{E8383652-7C3F-024F-5168-91A007C88AF5}"/>
+              </a:ext>
+            </a:extLst>
+          </p:cNvPr>
+          <p:cNvCxnSpPr>
+            <a:cxnSpLocks/>
+          </p:cNvCxnSpPr>
+          <p:nvPr/>
+        </p:nvCxnSpPr>
+        <p:spPr>
+          <a:xfrm flipV="1">
+            <a:off x="3164965" y="5582102"/>
+            <a:ext cx="3208551" cy="11466"/>
+          </a:xfrm>
+          <a:prstGeom prst="line">
+            <a:avLst/>
+          </a:prstGeom>
+          <a:ln w="28575">
+            <a:solidFill>
+              <a:schemeClr val="tx1"/>
+            </a:solidFill>
+          </a:ln>
+        </p:spPr>
+        <p:style>
+          <a:lnRef idx="1">
+            <a:schemeClr val="dk1"/>
+          </a:lnRef>
+          <a:fillRef idx="0">
+            <a:schemeClr val="dk1"/>
+          </a:fillRef>
+          <a:effectRef idx="0">
+            <a:schemeClr val="dk1"/>
+          </a:effectRef>
+          <a:fontRef idx="minor">
+            <a:schemeClr val="tx1"/>
+          </a:fontRef>
+        </p:style>
+      </p:cxnSp>
+      <p:sp>
+        <p:nvSpPr>
+          <p:cNvPr id="199" name="Arc 198">
+            <a:extLst>
+              <a:ext uri="{FF2B5EF4-FFF2-40B4-BE49-F238E27FC236}">
+                <a16:creationId xmlns:a16="http://schemas.microsoft.com/office/drawing/2014/main" id="{547EFDD0-E8CB-5AA3-872D-07696E174A52}"/>
+              </a:ext>
+            </a:extLst>
+          </p:cNvPr>
+          <p:cNvSpPr/>
+          <p:nvPr/>
+        </p:nvSpPr>
+        <p:spPr>
+          <a:xfrm rot="16200000">
+            <a:off x="3412014" y="4874536"/>
+            <a:ext cx="960652" cy="1415134"/>
+          </a:xfrm>
+          <a:prstGeom prst="arc">
+            <a:avLst>
+              <a:gd name="adj1" fmla="val 16199990"/>
+              <a:gd name="adj2" fmla="val 5396454"/>
+            </a:avLst>
+          </a:prstGeom>
+          <a:ln>
+            <a:prstDash val="dash"/>
+            <a:headEnd type="none"/>
+            <a:tailEnd type="arrow" w="lg" len="lg"/>
+          </a:ln>
+        </p:spPr>
+        <p:style>
+          <a:lnRef idx="1">
+            <a:schemeClr val="dk1"/>
+          </a:lnRef>
+          <a:fillRef idx="0">
+            <a:schemeClr val="dk1"/>
+          </a:fillRef>
+          <a:effectRef idx="0">
+            <a:schemeClr val="dk1"/>
+          </a:effectRef>
+          <a:fontRef idx="minor">
+            <a:schemeClr val="tx1"/>
+          </a:fontRef>
+        </p:style>
+        <p:txBody>
+          <a:bodyPr rtlCol="0" anchor="ctr"/>
+          <a:lstStyle/>
+          <a:p>
+            <a:pPr algn="ctr"/>
+            <a:endParaRPr lang="en-IN"/>
+          </a:p>
+        </p:txBody>
+      </p:sp>
+      <p:sp>
+        <p:nvSpPr>
+          <p:cNvPr id="201" name="Arc 200">
+            <a:extLst>
+              <a:ext uri="{FF2B5EF4-FFF2-40B4-BE49-F238E27FC236}">
+                <a16:creationId xmlns:a16="http://schemas.microsoft.com/office/drawing/2014/main" id="{2A954EA0-614A-123A-3BEC-3CFAD3C5176B}"/>
+              </a:ext>
+            </a:extLst>
+          </p:cNvPr>
+          <p:cNvSpPr/>
+          <p:nvPr/>
+        </p:nvSpPr>
+        <p:spPr>
+          <a:xfrm rot="16200000">
+            <a:off x="4612072" y="5279750"/>
+            <a:ext cx="724711" cy="758974"/>
+          </a:xfrm>
+          <a:prstGeom prst="arc">
+            <a:avLst>
+              <a:gd name="adj1" fmla="val 16741957"/>
+              <a:gd name="adj2" fmla="val 4671898"/>
+            </a:avLst>
+          </a:prstGeom>
+          <a:ln>
+            <a:prstDash val="dash"/>
+            <a:headEnd type="none"/>
+            <a:tailEnd type="arrow" w="lg" len="lg"/>
+          </a:ln>
+        </p:spPr>
+        <p:style>
+          <a:lnRef idx="1">
+            <a:schemeClr val="dk1"/>
+          </a:lnRef>
+          <a:fillRef idx="0">
+            <a:schemeClr val="dk1"/>
+          </a:fillRef>
+          <a:effectRef idx="0">
+            <a:schemeClr val="dk1"/>
+          </a:effectRef>
+          <a:fontRef idx="minor">
+            <a:schemeClr val="tx1"/>
+          </a:fontRef>
+        </p:style>
+        <p:txBody>
+          <a:bodyPr rtlCol="0" anchor="ctr"/>
+          <a:lstStyle/>
+          <a:p>
+            <a:pPr algn="ctr"/>
+            <a:endParaRPr lang="en-IN" dirty="0"/>
+          </a:p>
+        </p:txBody>
+      </p:sp>
+      <p:sp>
+        <p:nvSpPr>
+          <p:cNvPr id="202" name="Arc 201">
+            <a:extLst>
+              <a:ext uri="{FF2B5EF4-FFF2-40B4-BE49-F238E27FC236}">
+                <a16:creationId xmlns:a16="http://schemas.microsoft.com/office/drawing/2014/main" id="{A51A3A9B-C624-D446-CBA6-464BEB1C415A}"/>
+              </a:ext>
+            </a:extLst>
+          </p:cNvPr>
+          <p:cNvSpPr/>
+          <p:nvPr/>
+        </p:nvSpPr>
+        <p:spPr>
+          <a:xfrm rot="16200000">
+            <a:off x="5357145" y="5345683"/>
+            <a:ext cx="507459" cy="531451"/>
+          </a:xfrm>
+          <a:prstGeom prst="arc">
+            <a:avLst>
+              <a:gd name="adj1" fmla="val 16656083"/>
+              <a:gd name="adj2" fmla="val 5124485"/>
+            </a:avLst>
+          </a:prstGeom>
+          <a:ln>
+            <a:solidFill>
+              <a:schemeClr val="tx1"/>
+            </a:solidFill>
+            <a:prstDash val="solid"/>
+            <a:headEnd type="none"/>
+            <a:tailEnd type="arrow" w="lg" len="lg"/>
+          </a:ln>
+        </p:spPr>
+        <p:style>
+          <a:lnRef idx="1">
+            <a:schemeClr val="dk1"/>
+          </a:lnRef>
+          <a:fillRef idx="0">
+            <a:schemeClr val="dk1"/>
+          </a:fillRef>
+          <a:effectRef idx="0">
+            <a:schemeClr val="dk1"/>
+          </a:effectRef>
+          <a:fontRef idx="minor">
+            <a:schemeClr val="tx1"/>
+          </a:fontRef>
+        </p:style>
+        <p:txBody>
+          <a:bodyPr rtlCol="0" anchor="ctr"/>
+          <a:lstStyle/>
+          <a:p>
+            <a:pPr algn="ctr"/>
+            <a:endParaRPr lang="en-IN" dirty="0"/>
+          </a:p>
+        </p:txBody>
+      </p:sp>
+      <p:cxnSp>
+        <p:nvCxnSpPr>
+          <p:cNvPr id="204" name="Straight Connector 203">
+            <a:extLst>
+              <a:ext uri="{FF2B5EF4-FFF2-40B4-BE49-F238E27FC236}">
+                <a16:creationId xmlns:a16="http://schemas.microsoft.com/office/drawing/2014/main" id="{D1F28111-9F59-C5CE-6F21-882F88CC4EF2}"/>
+              </a:ext>
+            </a:extLst>
+          </p:cNvPr>
+          <p:cNvCxnSpPr>
+            <a:cxnSpLocks/>
+          </p:cNvCxnSpPr>
+          <p:nvPr/>
+        </p:nvCxnSpPr>
+        <p:spPr>
+          <a:xfrm flipV="1">
+            <a:off x="7099273" y="5592478"/>
+            <a:ext cx="2014910" cy="1"/>
+          </a:xfrm>
+          <a:prstGeom prst="line">
+            <a:avLst/>
+          </a:prstGeom>
+          <a:ln w="28575">
+            <a:solidFill>
+              <a:schemeClr val="tx1"/>
+            </a:solidFill>
+          </a:ln>
+        </p:spPr>
+        <p:style>
+          <a:lnRef idx="1">
+            <a:schemeClr val="dk1"/>
+          </a:lnRef>
+          <a:fillRef idx="0">
+            <a:schemeClr val="dk1"/>
+          </a:fillRef>
+          <a:effectRef idx="0">
+            <a:schemeClr val="dk1"/>
+          </a:effectRef>
+          <a:fontRef idx="minor">
+            <a:schemeClr val="tx1"/>
+          </a:fontRef>
+        </p:style>
+      </p:cxnSp>
+      <p:sp>
+        <p:nvSpPr>
+          <p:cNvPr id="208" name="Arc 207">
+            <a:extLst>
+              <a:ext uri="{FF2B5EF4-FFF2-40B4-BE49-F238E27FC236}">
+                <a16:creationId xmlns:a16="http://schemas.microsoft.com/office/drawing/2014/main" id="{9375DEF2-FAEA-A76F-29EB-3843E846590A}"/>
+              </a:ext>
+            </a:extLst>
+          </p:cNvPr>
+          <p:cNvSpPr/>
+          <p:nvPr/>
+        </p:nvSpPr>
+        <p:spPr>
+          <a:xfrm rot="16200000">
+            <a:off x="7684486" y="5097071"/>
+            <a:ext cx="922175" cy="926867"/>
+          </a:xfrm>
+          <a:prstGeom prst="arc">
+            <a:avLst>
+              <a:gd name="adj1" fmla="val 21362467"/>
+              <a:gd name="adj2" fmla="val 5449108"/>
+            </a:avLst>
+          </a:prstGeom>
+          <a:ln>
+            <a:headEnd type="none"/>
+            <a:tailEnd type="arrow" w="lg" len="lg"/>
+          </a:ln>
+        </p:spPr>
+        <p:style>
+          <a:lnRef idx="1">
+            <a:schemeClr val="dk1"/>
+          </a:lnRef>
+          <a:fillRef idx="0">
+            <a:schemeClr val="dk1"/>
+          </a:fillRef>
+          <a:effectRef idx="0">
+            <a:schemeClr val="dk1"/>
+          </a:effectRef>
+          <a:fontRef idx="minor">
+            <a:schemeClr val="tx1"/>
+          </a:fontRef>
+        </p:style>
+        <p:txBody>
+          <a:bodyPr rtlCol="0" anchor="ctr"/>
+          <a:lstStyle/>
+          <a:p>
+            <a:pPr algn="ctr"/>
+            <a:endParaRPr lang="en-IN"/>
+          </a:p>
+        </p:txBody>
+      </p:sp>
+      <p:sp>
+        <p:nvSpPr>
+          <p:cNvPr id="211" name="Oval 210">
+            <a:extLst>
+              <a:ext uri="{FF2B5EF4-FFF2-40B4-BE49-F238E27FC236}">
+                <a16:creationId xmlns:a16="http://schemas.microsoft.com/office/drawing/2014/main" id="{FDA8F97A-FC7D-F836-420C-CD670403261E}"/>
+              </a:ext>
+            </a:extLst>
+          </p:cNvPr>
+          <p:cNvSpPr/>
+          <p:nvPr/>
+        </p:nvSpPr>
+        <p:spPr>
+          <a:xfrm>
+            <a:off x="8465521" y="3361520"/>
+            <a:ext cx="332744" cy="339022"/>
+          </a:xfrm>
+          <a:prstGeom prst="ellipse">
+            <a:avLst/>
+          </a:prstGeom>
+          <a:ln>
+            <a:solidFill>
+              <a:srgbClr val="FF0000"/>
+            </a:solidFill>
+          </a:ln>
+        </p:spPr>
+        <p:style>
+          <a:lnRef idx="2">
+            <a:schemeClr val="accent6"/>
+          </a:lnRef>
+          <a:fillRef idx="1">
+            <a:schemeClr val="lt1"/>
+          </a:fillRef>
+          <a:effectRef idx="0">
+            <a:schemeClr val="accent6"/>
+          </a:effectRef>
+          <a:fontRef idx="minor">
+            <a:schemeClr val="dk1"/>
+          </a:fontRef>
+        </p:style>
+        <p:txBody>
+          <a:bodyPr rtlCol="0" anchor="ctr"/>
+          <a:lstStyle/>
+          <a:p>
+            <a:pPr algn="ctr"/>
+            <a:r>
+              <a:rPr lang="en-US" dirty="0">
+                <a:solidFill>
+                  <a:srgbClr val="FF0000"/>
+                </a:solidFill>
+              </a:rPr>
+              <a:t>3</a:t>
+            </a:r>
+            <a:endParaRPr lang="en-IN" dirty="0">
+              <a:solidFill>
+                <a:srgbClr val="FF0000"/>
+              </a:solidFill>
+            </a:endParaRPr>
+          </a:p>
+        </p:txBody>
+      </p:sp>
+      <p:sp>
+        <p:nvSpPr>
+          <p:cNvPr id="212" name="Oval 211">
+            <a:extLst>
+              <a:ext uri="{FF2B5EF4-FFF2-40B4-BE49-F238E27FC236}">
+                <a16:creationId xmlns:a16="http://schemas.microsoft.com/office/drawing/2014/main" id="{533AB3BD-05BB-7E22-E37D-97E48B6A7B81}"/>
+              </a:ext>
+            </a:extLst>
+          </p:cNvPr>
+          <p:cNvSpPr/>
+          <p:nvPr/>
+        </p:nvSpPr>
+        <p:spPr>
+          <a:xfrm>
+            <a:off x="2177465" y="2031171"/>
+            <a:ext cx="332744" cy="339022"/>
+          </a:xfrm>
+          <a:prstGeom prst="ellipse">
+            <a:avLst/>
+          </a:prstGeom>
+          <a:ln>
+            <a:solidFill>
+              <a:srgbClr val="FF0000"/>
+            </a:solidFill>
+          </a:ln>
+        </p:spPr>
+        <p:style>
+          <a:lnRef idx="2">
+            <a:schemeClr val="accent6"/>
+          </a:lnRef>
+          <a:fillRef idx="1">
+            <a:schemeClr val="lt1"/>
+          </a:fillRef>
+          <a:effectRef idx="0">
+            <a:schemeClr val="accent6"/>
+          </a:effectRef>
+          <a:fontRef idx="minor">
+            <a:schemeClr val="dk1"/>
+          </a:fontRef>
+        </p:style>
+        <p:txBody>
+          <a:bodyPr rtlCol="0" anchor="ctr"/>
+          <a:lstStyle/>
+          <a:p>
+            <a:pPr algn="ctr"/>
+            <a:r>
+              <a:rPr lang="en-US" dirty="0">
+                <a:solidFill>
+                  <a:srgbClr val="FF0000"/>
+                </a:solidFill>
+              </a:rPr>
+              <a:t>4</a:t>
+            </a:r>
+            <a:endParaRPr lang="en-IN" dirty="0">
+              <a:solidFill>
+                <a:srgbClr val="FF0000"/>
+              </a:solidFill>
+            </a:endParaRPr>
+          </a:p>
+        </p:txBody>
+      </p:sp>
+      <p:sp>
+        <p:nvSpPr>
+          <p:cNvPr id="30" name="Rectangle 29">
+            <a:extLst>
+              <a:ext uri="{FF2B5EF4-FFF2-40B4-BE49-F238E27FC236}">
+                <a16:creationId xmlns:a16="http://schemas.microsoft.com/office/drawing/2014/main" id="{29AE84A9-9008-F95D-EF6E-42AA5DAF9DC4}"/>
+              </a:ext>
+            </a:extLst>
+          </p:cNvPr>
+          <p:cNvSpPr/>
+          <p:nvPr/>
+        </p:nvSpPr>
+        <p:spPr>
+          <a:xfrm>
+            <a:off x="4738335" y="2135384"/>
+            <a:ext cx="1657150" cy="654518"/>
+          </a:xfrm>
+          <a:prstGeom prst="rect">
+            <a:avLst/>
+          </a:prstGeom>
+          <a:ln w="28575"/>
+        </p:spPr>
+        <p:style>
+          <a:lnRef idx="2">
+            <a:schemeClr val="dk1"/>
+          </a:lnRef>
+          <a:fillRef idx="1">
+            <a:schemeClr val="lt1"/>
+          </a:fillRef>
+          <a:effectRef idx="0">
+            <a:schemeClr val="dk1"/>
+          </a:effectRef>
+          <a:fontRef idx="minor">
+            <a:schemeClr val="dk1"/>
+          </a:fontRef>
+        </p:style>
+        <p:txBody>
+          <a:bodyPr rtlCol="0" anchor="ctr"/>
+          <a:lstStyle/>
+          <a:p>
+            <a:pPr algn="ctr"/>
+            <a:r>
+              <a:rPr lang="en-US" dirty="0"/>
+              <a:t>delay to a later point</a:t>
+            </a:r>
+            <a:endParaRPr lang="en-IN" dirty="0"/>
+          </a:p>
+        </p:txBody>
+      </p:sp>
+      <p:sp>
+        <p:nvSpPr>
+          <p:cNvPr id="31" name="Rectangle 30">
+            <a:extLst>
+              <a:ext uri="{FF2B5EF4-FFF2-40B4-BE49-F238E27FC236}">
+                <a16:creationId xmlns:a16="http://schemas.microsoft.com/office/drawing/2014/main" id="{0B51CEDF-D4CC-F877-A583-C698EDBD25EB}"/>
+              </a:ext>
+            </a:extLst>
+          </p:cNvPr>
+          <p:cNvSpPr/>
+          <p:nvPr/>
+        </p:nvSpPr>
+        <p:spPr>
+          <a:xfrm>
+            <a:off x="4171042" y="3492126"/>
+            <a:ext cx="1137319" cy="665747"/>
+          </a:xfrm>
+          <a:prstGeom prst="rect">
+            <a:avLst/>
+          </a:prstGeom>
+          <a:ln w="28575"/>
+        </p:spPr>
+        <p:style>
+          <a:lnRef idx="2">
+            <a:schemeClr val="dk1"/>
+          </a:lnRef>
+          <a:fillRef idx="1">
+            <a:schemeClr val="lt1"/>
+          </a:fillRef>
+          <a:effectRef idx="0">
+            <a:schemeClr val="dk1"/>
+          </a:effectRef>
+          <a:fontRef idx="minor">
+            <a:schemeClr val="dk1"/>
+          </a:fontRef>
+        </p:style>
+        <p:txBody>
+          <a:bodyPr rtlCol="0" anchor="ctr"/>
+          <a:lstStyle/>
+          <a:p>
+            <a:pPr algn="ctr"/>
+            <a:r>
+              <a:rPr lang="en-US" dirty="0"/>
+              <a:t>defect</a:t>
+            </a:r>
+            <a:endParaRPr lang="en-IN" dirty="0"/>
+          </a:p>
+        </p:txBody>
+      </p:sp>
+      <p:sp>
+        <p:nvSpPr>
+          <p:cNvPr id="32" name="Rectangle 31">
+            <a:extLst>
+              <a:ext uri="{FF2B5EF4-FFF2-40B4-BE49-F238E27FC236}">
+                <a16:creationId xmlns:a16="http://schemas.microsoft.com/office/drawing/2014/main" id="{84087E89-C010-BB8A-D532-2CCB53526884}"/>
+              </a:ext>
+            </a:extLst>
+          </p:cNvPr>
+          <p:cNvSpPr/>
+          <p:nvPr/>
+        </p:nvSpPr>
+        <p:spPr>
+          <a:xfrm>
+            <a:off x="5542215" y="3502286"/>
+            <a:ext cx="1137319" cy="665747"/>
+          </a:xfrm>
+          <a:prstGeom prst="rect">
+            <a:avLst/>
+          </a:prstGeom>
+          <a:ln w="28575"/>
+        </p:spPr>
+        <p:style>
+          <a:lnRef idx="2">
+            <a:schemeClr val="dk1"/>
+          </a:lnRef>
+          <a:fillRef idx="1">
+            <a:schemeClr val="lt1"/>
+          </a:fillRef>
+          <a:effectRef idx="0">
+            <a:schemeClr val="dk1"/>
+          </a:effectRef>
+          <a:fontRef idx="minor">
+            <a:schemeClr val="dk1"/>
+          </a:fontRef>
+        </p:style>
+        <p:txBody>
+          <a:bodyPr rtlCol="0" anchor="ctr"/>
+          <a:lstStyle/>
+          <a:p>
+            <a:pPr algn="ctr"/>
+            <a:r>
+              <a:rPr lang="en-US" dirty="0"/>
+              <a:t>stick to it</a:t>
+            </a:r>
+            <a:endParaRPr lang="en-IN" dirty="0"/>
+          </a:p>
+        </p:txBody>
+      </p:sp>
+      <p:cxnSp>
+        <p:nvCxnSpPr>
+          <p:cNvPr id="33" name="Straight Arrow Connector 32">
+            <a:extLst>
+              <a:ext uri="{FF2B5EF4-FFF2-40B4-BE49-F238E27FC236}">
+                <a16:creationId xmlns:a16="http://schemas.microsoft.com/office/drawing/2014/main" id="{1928F5AE-1806-F3BA-B217-467A2BBA5FF0}"/>
+              </a:ext>
+            </a:extLst>
+          </p:cNvPr>
+          <p:cNvCxnSpPr>
+            <a:cxnSpLocks/>
+            <a:stCxn id="30" idx="2"/>
+            <a:endCxn id="31" idx="0"/>
+          </p:cNvCxnSpPr>
+          <p:nvPr/>
+        </p:nvCxnSpPr>
+        <p:spPr>
+          <a:xfrm flipH="1">
+            <a:off x="4739702" y="2789902"/>
+            <a:ext cx="827208" cy="702224"/>
+          </a:xfrm>
+          <a:prstGeom prst="straightConnector1">
+            <a:avLst/>
+          </a:prstGeom>
+          <a:ln w="12700">
+            <a:headEnd type="none" w="lg" len="lg"/>
+            <a:tailEnd type="triangle" w="lg" len="lg"/>
+          </a:ln>
+        </p:spPr>
+        <p:style>
+          <a:lnRef idx="1">
+            <a:schemeClr val="dk1"/>
+          </a:lnRef>
+          <a:fillRef idx="0">
+            <a:schemeClr val="dk1"/>
+          </a:fillRef>
+          <a:effectRef idx="0">
+            <a:schemeClr val="dk1"/>
+          </a:effectRef>
+          <a:fontRef idx="minor">
+            <a:schemeClr val="tx1"/>
+          </a:fontRef>
+        </p:style>
+      </p:cxnSp>
+      <p:cxnSp>
+        <p:nvCxnSpPr>
+          <p:cNvPr id="34" name="Straight Arrow Connector 33">
+            <a:extLst>
+              <a:ext uri="{FF2B5EF4-FFF2-40B4-BE49-F238E27FC236}">
+                <a16:creationId xmlns:a16="http://schemas.microsoft.com/office/drawing/2014/main" id="{E012F6B5-768C-7A3B-6E89-0DDCA3D2E72E}"/>
+              </a:ext>
+            </a:extLst>
+          </p:cNvPr>
+          <p:cNvCxnSpPr>
+            <a:cxnSpLocks/>
+            <a:stCxn id="30" idx="2"/>
+            <a:endCxn id="32" idx="0"/>
+          </p:cNvCxnSpPr>
+          <p:nvPr/>
+        </p:nvCxnSpPr>
+        <p:spPr>
+          <a:xfrm>
+            <a:off x="5566910" y="2789902"/>
+            <a:ext cx="543965" cy="712384"/>
+          </a:xfrm>
+          <a:prstGeom prst="straightConnector1">
+            <a:avLst/>
+          </a:prstGeom>
+          <a:ln w="12700">
+            <a:headEnd type="none" w="lg" len="lg"/>
+            <a:tailEnd type="triangle" w="lg" len="lg"/>
+          </a:ln>
+        </p:spPr>
+        <p:style>
+          <a:lnRef idx="1">
+            <a:schemeClr val="dk1"/>
+          </a:lnRef>
+          <a:fillRef idx="0">
+            <a:schemeClr val="dk1"/>
+          </a:fillRef>
+          <a:effectRef idx="0">
+            <a:schemeClr val="dk1"/>
+          </a:effectRef>
+          <a:fontRef idx="minor">
+            <a:schemeClr val="tx1"/>
+          </a:fontRef>
+        </p:style>
+      </p:cxnSp>
+      <p:sp>
+        <p:nvSpPr>
+          <p:cNvPr id="36" name="Rectangle 35">
+            <a:extLst>
+              <a:ext uri="{FF2B5EF4-FFF2-40B4-BE49-F238E27FC236}">
+                <a16:creationId xmlns:a16="http://schemas.microsoft.com/office/drawing/2014/main" id="{2797F011-AEF9-32E4-3C1B-DD0C8E805FD3}"/>
+              </a:ext>
+            </a:extLst>
+          </p:cNvPr>
+          <p:cNvSpPr/>
+          <p:nvPr/>
+        </p:nvSpPr>
+        <p:spPr>
+          <a:xfrm>
+            <a:off x="9992547" y="2131183"/>
+            <a:ext cx="1657150" cy="654518"/>
+          </a:xfrm>
+          <a:prstGeom prst="rect">
+            <a:avLst/>
+          </a:prstGeom>
+          <a:ln w="28575"/>
+        </p:spPr>
+        <p:style>
+          <a:lnRef idx="2">
+            <a:schemeClr val="dk1"/>
+          </a:lnRef>
+          <a:fillRef idx="1">
+            <a:schemeClr val="lt1"/>
+          </a:fillRef>
+          <a:effectRef idx="0">
+            <a:schemeClr val="dk1"/>
+          </a:effectRef>
+          <a:fontRef idx="minor">
+            <a:schemeClr val="dk1"/>
+          </a:fontRef>
+        </p:style>
+        <p:txBody>
+          <a:bodyPr rtlCol="0" anchor="ctr"/>
+          <a:lstStyle/>
+          <a:p>
+            <a:pPr algn="ctr"/>
+            <a:r>
+              <a:rPr lang="en-US" dirty="0"/>
+              <a:t>do immediately</a:t>
+            </a:r>
+            <a:endParaRPr lang="en-IN" dirty="0"/>
+          </a:p>
+        </p:txBody>
+      </p:sp>
+      <p:sp>
+        <p:nvSpPr>
+          <p:cNvPr id="259" name="Oval 258">
+            <a:extLst>
+              <a:ext uri="{FF2B5EF4-FFF2-40B4-BE49-F238E27FC236}">
+                <a16:creationId xmlns:a16="http://schemas.microsoft.com/office/drawing/2014/main" id="{8641A1B0-A05D-17E8-33DB-94F0FF413EC7}"/>
+              </a:ext>
+            </a:extLst>
+          </p:cNvPr>
+          <p:cNvSpPr/>
+          <p:nvPr/>
+        </p:nvSpPr>
+        <p:spPr>
+          <a:xfrm>
+            <a:off x="5398039" y="3322680"/>
+            <a:ext cx="332744" cy="339022"/>
+          </a:xfrm>
+          <a:prstGeom prst="ellipse">
+            <a:avLst/>
+          </a:prstGeom>
+          <a:ln>
+            <a:solidFill>
+              <a:srgbClr val="FF0000"/>
+            </a:solidFill>
+          </a:ln>
+        </p:spPr>
+        <p:style>
+          <a:lnRef idx="2">
+            <a:schemeClr val="accent6"/>
+          </a:lnRef>
+          <a:fillRef idx="1">
+            <a:schemeClr val="lt1"/>
+          </a:fillRef>
+          <a:effectRef idx="0">
+            <a:schemeClr val="accent6"/>
+          </a:effectRef>
+          <a:fontRef idx="minor">
+            <a:schemeClr val="dk1"/>
+          </a:fontRef>
+        </p:style>
+        <p:txBody>
+          <a:bodyPr rtlCol="0" anchor="ctr"/>
+          <a:lstStyle/>
+          <a:p>
+            <a:pPr algn="ctr"/>
+            <a:r>
+              <a:rPr lang="en-US" dirty="0">
+                <a:solidFill>
+                  <a:srgbClr val="FF0000"/>
+                </a:solidFill>
+              </a:rPr>
+              <a:t>1</a:t>
+            </a:r>
+            <a:endParaRPr lang="en-IN" dirty="0">
+              <a:solidFill>
+                <a:srgbClr val="FF0000"/>
+              </a:solidFill>
+            </a:endParaRPr>
+          </a:p>
+        </p:txBody>
+      </p:sp>
+      <p:sp>
+        <p:nvSpPr>
+          <p:cNvPr id="260" name="Oval 259">
+            <a:extLst>
+              <a:ext uri="{FF2B5EF4-FFF2-40B4-BE49-F238E27FC236}">
+                <a16:creationId xmlns:a16="http://schemas.microsoft.com/office/drawing/2014/main" id="{08F53C32-3D1C-009F-E135-35650A622A8C}"/>
+              </a:ext>
+            </a:extLst>
+          </p:cNvPr>
+          <p:cNvSpPr/>
+          <p:nvPr/>
+        </p:nvSpPr>
+        <p:spPr>
+          <a:xfrm>
+            <a:off x="3986023" y="3322680"/>
+            <a:ext cx="332744" cy="339022"/>
+          </a:xfrm>
+          <a:prstGeom prst="ellipse">
+            <a:avLst/>
+          </a:prstGeom>
+          <a:ln>
+            <a:solidFill>
+              <a:srgbClr val="FF0000"/>
+            </a:solidFill>
+          </a:ln>
+        </p:spPr>
+        <p:style>
+          <a:lnRef idx="2">
+            <a:schemeClr val="accent6"/>
+          </a:lnRef>
+          <a:fillRef idx="1">
+            <a:schemeClr val="lt1"/>
+          </a:fillRef>
+          <a:effectRef idx="0">
+            <a:schemeClr val="accent6"/>
+          </a:effectRef>
+          <a:fontRef idx="minor">
+            <a:schemeClr val="dk1"/>
+          </a:fontRef>
+        </p:style>
+        <p:txBody>
+          <a:bodyPr rtlCol="0" anchor="ctr"/>
+          <a:lstStyle/>
+          <a:p>
+            <a:pPr algn="ctr"/>
+            <a:r>
+              <a:rPr lang="en-US" dirty="0">
+                <a:solidFill>
+                  <a:srgbClr val="FF0000"/>
+                </a:solidFill>
+              </a:rPr>
+              <a:t>2</a:t>
+            </a:r>
+            <a:endParaRPr lang="en-IN" dirty="0">
+              <a:solidFill>
+                <a:srgbClr val="FF0000"/>
+              </a:solidFill>
+            </a:endParaRPr>
+          </a:p>
+        </p:txBody>
+      </p:sp>
+      <p:cxnSp>
+        <p:nvCxnSpPr>
+          <p:cNvPr id="275" name="Straight Connector 274">
+            <a:extLst>
+              <a:ext uri="{FF2B5EF4-FFF2-40B4-BE49-F238E27FC236}">
+                <a16:creationId xmlns:a16="http://schemas.microsoft.com/office/drawing/2014/main" id="{FF110998-AC96-65E8-5270-E892F65A83E1}"/>
+              </a:ext>
+            </a:extLst>
+          </p:cNvPr>
+          <p:cNvCxnSpPr>
+            <a:cxnSpLocks/>
+          </p:cNvCxnSpPr>
+          <p:nvPr/>
+        </p:nvCxnSpPr>
+        <p:spPr>
+          <a:xfrm>
+            <a:off x="8810665" y="5135949"/>
+            <a:ext cx="0" cy="433671"/>
+          </a:xfrm>
+          <a:prstGeom prst="line">
+            <a:avLst/>
+          </a:prstGeom>
+          <a:ln w="28575">
+            <a:solidFill>
+              <a:srgbClr val="FF0000"/>
+            </a:solidFill>
+            <a:prstDash val="sysDot"/>
+          </a:ln>
+        </p:spPr>
+        <p:style>
+          <a:lnRef idx="1">
+            <a:schemeClr val="accent1"/>
+          </a:lnRef>
+          <a:fillRef idx="0">
+            <a:schemeClr val="accent1"/>
+          </a:fillRef>
+          <a:effectRef idx="0">
+            <a:schemeClr val="accent1"/>
+          </a:effectRef>
+          <a:fontRef idx="minor">
+            <a:schemeClr val="tx1"/>
+          </a:fontRef>
+        </p:style>
+      </p:cxnSp>
+      <p:sp>
+        <p:nvSpPr>
+          <p:cNvPr id="276" name="Rectangle 275">
+            <a:extLst>
+              <a:ext uri="{FF2B5EF4-FFF2-40B4-BE49-F238E27FC236}">
+                <a16:creationId xmlns:a16="http://schemas.microsoft.com/office/drawing/2014/main" id="{F1716E00-6A2D-293D-6164-6E70BB591F0D}"/>
+              </a:ext>
+            </a:extLst>
+          </p:cNvPr>
+          <p:cNvSpPr/>
+          <p:nvPr/>
+        </p:nvSpPr>
+        <p:spPr>
+          <a:xfrm>
+            <a:off x="5867394" y="5554880"/>
+            <a:ext cx="442829" cy="64213"/>
+          </a:xfrm>
+          <a:prstGeom prst="rect">
+            <a:avLst/>
+          </a:prstGeom>
+          <a:solidFill>
+            <a:srgbClr val="00B0F0"/>
+          </a:solidFill>
+          <a:ln w="19050">
+            <a:solidFill>
+              <a:schemeClr val="tx1"/>
+            </a:solidFill>
+          </a:ln>
+        </p:spPr>
+        <p:style>
+          <a:lnRef idx="2">
+            <a:schemeClr val="accent1">
+              <a:shade val="15000"/>
+            </a:schemeClr>
+          </a:lnRef>
+          <a:fillRef idx="1">
+            <a:schemeClr val="accent1"/>
+          </a:fillRef>
+          <a:effectRef idx="0">
+            <a:schemeClr val="accent1"/>
+          </a:effectRef>
+          <a:fontRef idx="minor">
+            <a:schemeClr val="lt1"/>
+          </a:fontRef>
+        </p:style>
+        <p:txBody>
+          <a:bodyPr rtlCol="0" anchor="ctr"/>
+          <a:lstStyle/>
+          <a:p>
+            <a:pPr algn="ctr"/>
+            <a:endParaRPr lang="en-IN"/>
+          </a:p>
+        </p:txBody>
+      </p:sp>
+      <p:sp>
+        <p:nvSpPr>
+          <p:cNvPr id="277" name="Rectangle 276">
+            <a:extLst>
+              <a:ext uri="{FF2B5EF4-FFF2-40B4-BE49-F238E27FC236}">
+                <a16:creationId xmlns:a16="http://schemas.microsoft.com/office/drawing/2014/main" id="{A339D9B9-3E80-E0BC-9EED-F776FA7F3B14}"/>
+              </a:ext>
+            </a:extLst>
+          </p:cNvPr>
+          <p:cNvSpPr/>
+          <p:nvPr/>
+        </p:nvSpPr>
+        <p:spPr>
+          <a:xfrm>
+            <a:off x="8576819" y="5578113"/>
+            <a:ext cx="442829" cy="64213"/>
+          </a:xfrm>
+          <a:prstGeom prst="rect">
+            <a:avLst/>
+          </a:prstGeom>
+          <a:solidFill>
+            <a:srgbClr val="00B0F0"/>
+          </a:solidFill>
+          <a:ln w="19050">
+            <a:solidFill>
+              <a:schemeClr val="tx1"/>
+            </a:solidFill>
+          </a:ln>
+        </p:spPr>
+        <p:style>
+          <a:lnRef idx="2">
+            <a:schemeClr val="accent1">
+              <a:shade val="15000"/>
+            </a:schemeClr>
+          </a:lnRef>
+          <a:fillRef idx="1">
+            <a:schemeClr val="accent1"/>
+          </a:fillRef>
+          <a:effectRef idx="0">
+            <a:schemeClr val="accent1"/>
+          </a:effectRef>
+          <a:fontRef idx="minor">
+            <a:schemeClr val="lt1"/>
+          </a:fontRef>
+        </p:style>
+        <p:txBody>
+          <a:bodyPr rtlCol="0" anchor="ctr"/>
+          <a:lstStyle/>
+          <a:p>
+            <a:pPr algn="ctr"/>
+            <a:endParaRPr lang="en-IN"/>
+          </a:p>
+        </p:txBody>
+      </p:sp>
+      <p:cxnSp>
+        <p:nvCxnSpPr>
+          <p:cNvPr id="278" name="Straight Connector 277">
+            <a:extLst>
+              <a:ext uri="{FF2B5EF4-FFF2-40B4-BE49-F238E27FC236}">
+                <a16:creationId xmlns:a16="http://schemas.microsoft.com/office/drawing/2014/main" id="{07AB80C4-3D6C-8FC8-356F-ED1EA053F5DF}"/>
+              </a:ext>
+            </a:extLst>
+          </p:cNvPr>
+          <p:cNvCxnSpPr>
+            <a:cxnSpLocks/>
+          </p:cNvCxnSpPr>
+          <p:nvPr/>
+        </p:nvCxnSpPr>
+        <p:spPr>
+          <a:xfrm flipV="1">
+            <a:off x="9782050" y="5582102"/>
+            <a:ext cx="2014910" cy="1"/>
+          </a:xfrm>
+          <a:prstGeom prst="line">
+            <a:avLst/>
+          </a:prstGeom>
+          <a:ln w="28575">
+            <a:solidFill>
+              <a:schemeClr val="tx1"/>
+            </a:solidFill>
+          </a:ln>
+        </p:spPr>
+        <p:style>
+          <a:lnRef idx="1">
+            <a:schemeClr val="dk1"/>
+          </a:lnRef>
+          <a:fillRef idx="0">
+            <a:schemeClr val="dk1"/>
+          </a:fillRef>
+          <a:effectRef idx="0">
+            <a:schemeClr val="dk1"/>
+          </a:effectRef>
+          <a:fontRef idx="minor">
+            <a:schemeClr val="tx1"/>
+          </a:fontRef>
+        </p:style>
+      </p:cxnSp>
+      <p:sp>
+        <p:nvSpPr>
+          <p:cNvPr id="282" name="Rectangle 281">
+            <a:extLst>
+              <a:ext uri="{FF2B5EF4-FFF2-40B4-BE49-F238E27FC236}">
+                <a16:creationId xmlns:a16="http://schemas.microsoft.com/office/drawing/2014/main" id="{D29A0BA5-1AA9-4307-4CD9-87A30D6843D8}"/>
+              </a:ext>
+            </a:extLst>
+          </p:cNvPr>
+          <p:cNvSpPr/>
+          <p:nvPr/>
+        </p:nvSpPr>
+        <p:spPr>
+          <a:xfrm>
+            <a:off x="11256900" y="5563920"/>
+            <a:ext cx="442829" cy="64213"/>
+          </a:xfrm>
+          <a:prstGeom prst="rect">
+            <a:avLst/>
+          </a:prstGeom>
+          <a:solidFill>
+            <a:srgbClr val="00B0F0"/>
+          </a:solidFill>
+          <a:ln w="19050">
+            <a:solidFill>
+              <a:schemeClr val="tx1"/>
+            </a:solidFill>
+          </a:ln>
+        </p:spPr>
+        <p:style>
+          <a:lnRef idx="2">
+            <a:schemeClr val="accent1">
+              <a:shade val="15000"/>
+            </a:schemeClr>
+          </a:lnRef>
+          <a:fillRef idx="1">
+            <a:schemeClr val="accent1"/>
+          </a:fillRef>
+          <a:effectRef idx="0">
+            <a:schemeClr val="accent1"/>
+          </a:effectRef>
+          <a:fontRef idx="minor">
+            <a:schemeClr val="lt1"/>
+          </a:fontRef>
+        </p:style>
+        <p:txBody>
+          <a:bodyPr rtlCol="0" anchor="ctr"/>
+          <a:lstStyle/>
+          <a:p>
+            <a:pPr algn="ctr"/>
+            <a:endParaRPr lang="en-IN"/>
+          </a:p>
+        </p:txBody>
+      </p:sp>
+      <p:sp>
+        <p:nvSpPr>
+          <p:cNvPr id="288" name="TextBox 287">
+            <a:extLst>
+              <a:ext uri="{FF2B5EF4-FFF2-40B4-BE49-F238E27FC236}">
+                <a16:creationId xmlns:a16="http://schemas.microsoft.com/office/drawing/2014/main" id="{8FF03EAB-8EE7-65C1-A129-35B1AB147953}"/>
               </a:ext>
             </a:extLst>
           </p:cNvPr>
@@ -3567,8 +5455,8 @@
         </p:nvSpPr>
         <p:spPr>
           <a:xfrm>
-            <a:off x="181518" y="1452979"/>
-            <a:ext cx="567890" cy="492443"/>
+            <a:off x="7028759" y="4798557"/>
+            <a:ext cx="418194" cy="523220"/>
           </a:xfrm>
           <a:prstGeom prst="rect">
             <a:avLst/>
@@ -3581,19 +5469,27 @@
           </a:bodyPr>
           <a:lstStyle/>
           <a:p>
-            <a:r>
-              <a:rPr lang="en-IN" sz="2600" b="1" dirty="0"/>
-              <a:t>A</a:t>
-            </a:r>
-          </a:p>
-        </p:txBody>
-      </p:sp>
-      <p:sp>
-        <p:nvSpPr>
-          <p:cNvPr id="19" name="TextBox 18">
-            <a:extLst>
-              <a:ext uri="{FF2B5EF4-FFF2-40B4-BE49-F238E27FC236}">
-                <a16:creationId xmlns:a16="http://schemas.microsoft.com/office/drawing/2014/main" id="{DB31A267-229D-091B-2B51-F25149A4D4CB}"/>
+            <a:pPr algn="ctr"/>
+            <a:r>
+              <a:rPr lang="en-IN" sz="2800" dirty="0">
+                <a:solidFill>
+                  <a:schemeClr val="tx1">
+                    <a:lumMod val="50000"/>
+                    <a:lumOff val="50000"/>
+                  </a:schemeClr>
+                </a:solidFill>
+              </a:rPr>
+              <a:t>?</a:t>
+            </a:r>
+          </a:p>
+        </p:txBody>
+      </p:sp>
+      <p:sp>
+        <p:nvSpPr>
+          <p:cNvPr id="289" name="TextBox 288">
+            <a:extLst>
+              <a:ext uri="{FF2B5EF4-FFF2-40B4-BE49-F238E27FC236}">
+                <a16:creationId xmlns:a16="http://schemas.microsoft.com/office/drawing/2014/main" id="{5E2655E6-BB6C-DD95-ACF9-53F0F2A13C4A}"/>
               </a:ext>
             </a:extLst>
           </p:cNvPr>
@@ -3602,8 +5498,8 @@
         </p:nvSpPr>
         <p:spPr>
           <a:xfrm>
-            <a:off x="4430688" y="255654"/>
-            <a:ext cx="567890" cy="492443"/>
+            <a:off x="7270576" y="4795793"/>
+            <a:ext cx="353904" cy="523220"/>
           </a:xfrm>
           <a:prstGeom prst="rect">
             <a:avLst/>
@@ -3616,19 +5512,27 @@
           </a:bodyPr>
           <a:lstStyle/>
           <a:p>
-            <a:r>
-              <a:rPr lang="en-IN" sz="2600" b="1" dirty="0"/>
-              <a:t>B</a:t>
-            </a:r>
-          </a:p>
-        </p:txBody>
-      </p:sp>
-      <p:sp>
-        <p:nvSpPr>
-          <p:cNvPr id="20" name="TextBox 19">
-            <a:extLst>
-              <a:ext uri="{FF2B5EF4-FFF2-40B4-BE49-F238E27FC236}">
-                <a16:creationId xmlns:a16="http://schemas.microsoft.com/office/drawing/2014/main" id="{9E128429-68B9-FA09-E336-B2219BDA708D}"/>
+            <a:pPr algn="ctr"/>
+            <a:r>
+              <a:rPr lang="en-IN" sz="2800" dirty="0">
+                <a:solidFill>
+                  <a:schemeClr val="tx1">
+                    <a:lumMod val="50000"/>
+                    <a:lumOff val="50000"/>
+                  </a:schemeClr>
+                </a:solidFill>
+              </a:rPr>
+              <a:t>?</a:t>
+            </a:r>
+          </a:p>
+        </p:txBody>
+      </p:sp>
+      <p:sp>
+        <p:nvSpPr>
+          <p:cNvPr id="290" name="TextBox 289">
+            <a:extLst>
+              <a:ext uri="{FF2B5EF4-FFF2-40B4-BE49-F238E27FC236}">
+                <a16:creationId xmlns:a16="http://schemas.microsoft.com/office/drawing/2014/main" id="{8A385EC0-EABA-0CDC-6F67-0DC32646A4B5}"/>
               </a:ext>
             </a:extLst>
           </p:cNvPr>
@@ -3637,8 +5541,8 @@
         </p:nvSpPr>
         <p:spPr>
           <a:xfrm>
-            <a:off x="8163390" y="284529"/>
-            <a:ext cx="567890" cy="492443"/>
+            <a:off x="7421474" y="4789565"/>
+            <a:ext cx="504821" cy="523220"/>
           </a:xfrm>
           <a:prstGeom prst="rect">
             <a:avLst/>
@@ -3651,19 +5555,27 @@
           </a:bodyPr>
           <a:lstStyle/>
           <a:p>
-            <a:r>
-              <a:rPr lang="en-IN" sz="2600" b="1" dirty="0"/>
-              <a:t>C</a:t>
-            </a:r>
-          </a:p>
-        </p:txBody>
-      </p:sp>
-      <p:sp>
-        <p:nvSpPr>
-          <p:cNvPr id="21" name="TextBox 20">
-            <a:extLst>
-              <a:ext uri="{FF2B5EF4-FFF2-40B4-BE49-F238E27FC236}">
-                <a16:creationId xmlns:a16="http://schemas.microsoft.com/office/drawing/2014/main" id="{A7B0393B-CF58-812E-C376-90520257EF51}"/>
+            <a:pPr algn="ctr"/>
+            <a:r>
+              <a:rPr lang="en-IN" sz="2800" dirty="0">
+                <a:solidFill>
+                  <a:schemeClr val="tx1">
+                    <a:lumMod val="50000"/>
+                    <a:lumOff val="50000"/>
+                  </a:schemeClr>
+                </a:solidFill>
+              </a:rPr>
+              <a:t>?</a:t>
+            </a:r>
+          </a:p>
+        </p:txBody>
+      </p:sp>
+      <p:sp>
+        <p:nvSpPr>
+          <p:cNvPr id="291" name="TextBox 290">
+            <a:extLst>
+              <a:ext uri="{FF2B5EF4-FFF2-40B4-BE49-F238E27FC236}">
+                <a16:creationId xmlns:a16="http://schemas.microsoft.com/office/drawing/2014/main" id="{4D62C953-5B35-BF5F-38AB-50767D9BDDD1}"/>
               </a:ext>
             </a:extLst>
           </p:cNvPr>
@@ -3672,8 +5584,8 @@
         </p:nvSpPr>
         <p:spPr>
           <a:xfrm>
-            <a:off x="4596064" y="3525382"/>
-            <a:ext cx="567890" cy="492443"/>
+            <a:off x="7697582" y="4789565"/>
+            <a:ext cx="418194" cy="523220"/>
           </a:xfrm>
           <a:prstGeom prst="rect">
             <a:avLst/>
@@ -3686,19 +5598,78 @@
           </a:bodyPr>
           <a:lstStyle/>
           <a:p>
-            <a:r>
-              <a:rPr lang="en-IN" sz="2600" b="1" dirty="0"/>
-              <a:t>D</a:t>
-            </a:r>
-          </a:p>
-        </p:txBody>
-      </p:sp>
-      <p:sp>
-        <p:nvSpPr>
-          <p:cNvPr id="22" name="TextBox 21">
-            <a:extLst>
-              <a:ext uri="{FF2B5EF4-FFF2-40B4-BE49-F238E27FC236}">
-                <a16:creationId xmlns:a16="http://schemas.microsoft.com/office/drawing/2014/main" id="{DA73AA98-8F04-6D6B-2901-EE4DC54F65E3}"/>
+            <a:pPr algn="ctr"/>
+            <a:r>
+              <a:rPr lang="en-IN" sz="2800" dirty="0">
+                <a:solidFill>
+                  <a:schemeClr val="tx1">
+                    <a:lumMod val="50000"/>
+                    <a:lumOff val="50000"/>
+                  </a:schemeClr>
+                </a:solidFill>
+              </a:rPr>
+              <a:t>?</a:t>
+            </a:r>
+          </a:p>
+        </p:txBody>
+      </p:sp>
+      <p:sp>
+        <p:nvSpPr>
+          <p:cNvPr id="292" name="Arc 291">
+            <a:extLst>
+              <a:ext uri="{FF2B5EF4-FFF2-40B4-BE49-F238E27FC236}">
+                <a16:creationId xmlns:a16="http://schemas.microsoft.com/office/drawing/2014/main" id="{6ECF85CC-B549-3CB9-3334-062AEABDDA6B}"/>
+              </a:ext>
+            </a:extLst>
+          </p:cNvPr>
+          <p:cNvSpPr/>
+          <p:nvPr/>
+        </p:nvSpPr>
+        <p:spPr>
+          <a:xfrm rot="16200000">
+            <a:off x="10332379" y="5110862"/>
+            <a:ext cx="922175" cy="926867"/>
+          </a:xfrm>
+          <a:prstGeom prst="arc">
+            <a:avLst>
+              <a:gd name="adj1" fmla="val 21362467"/>
+              <a:gd name="adj2" fmla="val 5449108"/>
+            </a:avLst>
+          </a:prstGeom>
+          <a:ln>
+            <a:headEnd type="none"/>
+            <a:tailEnd type="arrow" w="lg" len="lg"/>
+          </a:ln>
+        </p:spPr>
+        <p:style>
+          <a:lnRef idx="1">
+            <a:schemeClr val="dk1"/>
+          </a:lnRef>
+          <a:fillRef idx="0">
+            <a:schemeClr val="dk1"/>
+          </a:fillRef>
+          <a:effectRef idx="0">
+            <a:schemeClr val="dk1"/>
+          </a:effectRef>
+          <a:fontRef idx="minor">
+            <a:schemeClr val="tx1"/>
+          </a:fontRef>
+        </p:style>
+        <p:txBody>
+          <a:bodyPr rtlCol="0" anchor="ctr"/>
+          <a:lstStyle/>
+          <a:p>
+            <a:pPr algn="ctr"/>
+            <a:endParaRPr lang="en-IN"/>
+          </a:p>
+        </p:txBody>
+      </p:sp>
+      <p:sp>
+        <p:nvSpPr>
+          <p:cNvPr id="293" name="TextBox 292">
+            <a:extLst>
+              <a:ext uri="{FF2B5EF4-FFF2-40B4-BE49-F238E27FC236}">
+                <a16:creationId xmlns:a16="http://schemas.microsoft.com/office/drawing/2014/main" id="{9D016BF3-809E-BEB3-2967-688C60F2EB31}"/>
               </a:ext>
             </a:extLst>
           </p:cNvPr>
@@ -3707,8 +5678,8 @@
         </p:nvSpPr>
         <p:spPr>
           <a:xfrm>
-            <a:off x="8168586" y="3525382"/>
-            <a:ext cx="567890" cy="492443"/>
+            <a:off x="9676652" y="4812348"/>
+            <a:ext cx="418194" cy="523220"/>
           </a:xfrm>
           <a:prstGeom prst="rect">
             <a:avLst/>
@@ -3721,17 +5692,641 @@
           </a:bodyPr>
           <a:lstStyle/>
           <a:p>
-            <a:r>
-              <a:rPr lang="en-IN" sz="2600" b="1" dirty="0"/>
-              <a:t>E</a:t>
-            </a:r>
+            <a:pPr algn="ctr"/>
+            <a:r>
+              <a:rPr lang="en-IN" sz="2800" dirty="0">
+                <a:solidFill>
+                  <a:schemeClr val="tx1">
+                    <a:lumMod val="50000"/>
+                    <a:lumOff val="50000"/>
+                  </a:schemeClr>
+                </a:solidFill>
+              </a:rPr>
+              <a:t>X</a:t>
+            </a:r>
+          </a:p>
+        </p:txBody>
+      </p:sp>
+      <p:sp>
+        <p:nvSpPr>
+          <p:cNvPr id="294" name="TextBox 293">
+            <a:extLst>
+              <a:ext uri="{FF2B5EF4-FFF2-40B4-BE49-F238E27FC236}">
+                <a16:creationId xmlns:a16="http://schemas.microsoft.com/office/drawing/2014/main" id="{0F960B95-334B-70FC-966E-E76FE3E1B5F4}"/>
+              </a:ext>
+            </a:extLst>
+          </p:cNvPr>
+          <p:cNvSpPr txBox="1"/>
+          <p:nvPr/>
+        </p:nvSpPr>
+        <p:spPr>
+          <a:xfrm>
+            <a:off x="10147232" y="4812348"/>
+            <a:ext cx="418194" cy="523220"/>
+          </a:xfrm>
+          <a:prstGeom prst="rect">
+            <a:avLst/>
+          </a:prstGeom>
+          <a:noFill/>
+        </p:spPr>
+        <p:txBody>
+          <a:bodyPr wrap="square" rtlCol="0">
+            <a:spAutoFit/>
+          </a:bodyPr>
+          <a:lstStyle/>
+          <a:p>
+            <a:pPr algn="ctr"/>
+            <a:r>
+              <a:rPr lang="en-IN" sz="2800" dirty="0">
+                <a:solidFill>
+                  <a:schemeClr val="tx1">
+                    <a:lumMod val="50000"/>
+                    <a:lumOff val="50000"/>
+                  </a:schemeClr>
+                </a:solidFill>
+              </a:rPr>
+              <a:t>X</a:t>
+            </a:r>
+          </a:p>
+        </p:txBody>
+      </p:sp>
+      <p:sp>
+        <p:nvSpPr>
+          <p:cNvPr id="295" name="TextBox 294">
+            <a:extLst>
+              <a:ext uri="{FF2B5EF4-FFF2-40B4-BE49-F238E27FC236}">
+                <a16:creationId xmlns:a16="http://schemas.microsoft.com/office/drawing/2014/main" id="{B52C897F-50D5-0EE5-C1BA-3B0620C5C96D}"/>
+              </a:ext>
+            </a:extLst>
+          </p:cNvPr>
+          <p:cNvSpPr txBox="1"/>
+          <p:nvPr/>
+        </p:nvSpPr>
+        <p:spPr>
+          <a:xfrm>
+            <a:off x="10388978" y="4809584"/>
+            <a:ext cx="418194" cy="523220"/>
+          </a:xfrm>
+          <a:prstGeom prst="rect">
+            <a:avLst/>
+          </a:prstGeom>
+          <a:noFill/>
+        </p:spPr>
+        <p:txBody>
+          <a:bodyPr wrap="square" rtlCol="0">
+            <a:spAutoFit/>
+          </a:bodyPr>
+          <a:lstStyle/>
+          <a:p>
+            <a:pPr algn="ctr"/>
+            <a:r>
+              <a:rPr lang="en-IN" sz="2800" dirty="0">
+                <a:solidFill>
+                  <a:schemeClr val="tx1">
+                    <a:lumMod val="50000"/>
+                    <a:lumOff val="50000"/>
+                  </a:schemeClr>
+                </a:solidFill>
+              </a:rPr>
+              <a:t>X</a:t>
+            </a:r>
+          </a:p>
+        </p:txBody>
+      </p:sp>
+      <p:sp>
+        <p:nvSpPr>
+          <p:cNvPr id="296" name="TextBox 295">
+            <a:extLst>
+              <a:ext uri="{FF2B5EF4-FFF2-40B4-BE49-F238E27FC236}">
+                <a16:creationId xmlns:a16="http://schemas.microsoft.com/office/drawing/2014/main" id="{B5916F48-9FCB-2A82-5CF3-1CD3C21A55AF}"/>
+              </a:ext>
+            </a:extLst>
+          </p:cNvPr>
+          <p:cNvSpPr txBox="1"/>
+          <p:nvPr/>
+        </p:nvSpPr>
+        <p:spPr>
+          <a:xfrm>
+            <a:off x="9951998" y="4803594"/>
+            <a:ext cx="353904" cy="523220"/>
+          </a:xfrm>
+          <a:prstGeom prst="rect">
+            <a:avLst/>
+          </a:prstGeom>
+          <a:noFill/>
+        </p:spPr>
+        <p:txBody>
+          <a:bodyPr wrap="square" rtlCol="0">
+            <a:spAutoFit/>
+          </a:bodyPr>
+          <a:lstStyle/>
+          <a:p>
+            <a:pPr algn="ctr"/>
+            <a:r>
+              <a:rPr lang="en-IN" sz="2800" dirty="0">
+                <a:solidFill>
+                  <a:schemeClr val="tx1">
+                    <a:lumMod val="50000"/>
+                    <a:lumOff val="50000"/>
+                  </a:schemeClr>
+                </a:solidFill>
+              </a:rPr>
+              <a:t>X</a:t>
+            </a:r>
+          </a:p>
+        </p:txBody>
+      </p:sp>
+      <p:cxnSp>
+        <p:nvCxnSpPr>
+          <p:cNvPr id="303" name="Straight Connector 302">
+            <a:extLst>
+              <a:ext uri="{FF2B5EF4-FFF2-40B4-BE49-F238E27FC236}">
+                <a16:creationId xmlns:a16="http://schemas.microsoft.com/office/drawing/2014/main" id="{E053A050-7BBE-3FE5-7CCD-A750E37A838F}"/>
+              </a:ext>
+            </a:extLst>
+          </p:cNvPr>
+          <p:cNvCxnSpPr/>
+          <p:nvPr/>
+        </p:nvCxnSpPr>
+        <p:spPr>
+          <a:xfrm>
+            <a:off x="9021021" y="6201649"/>
+            <a:ext cx="523982" cy="0"/>
+          </a:xfrm>
+          <a:prstGeom prst="line">
+            <a:avLst/>
+          </a:prstGeom>
+          <a:ln w="28575">
+            <a:solidFill>
+              <a:srgbClr val="FF0000"/>
+            </a:solidFill>
+            <a:prstDash val="sysDot"/>
+          </a:ln>
+        </p:spPr>
+        <p:style>
+          <a:lnRef idx="1">
+            <a:schemeClr val="accent1"/>
+          </a:lnRef>
+          <a:fillRef idx="0">
+            <a:schemeClr val="accent1"/>
+          </a:fillRef>
+          <a:effectRef idx="0">
+            <a:schemeClr val="accent1"/>
+          </a:effectRef>
+          <a:fontRef idx="minor">
+            <a:schemeClr val="tx1"/>
+          </a:fontRef>
+        </p:style>
+      </p:cxnSp>
+      <p:sp>
+        <p:nvSpPr>
+          <p:cNvPr id="305" name="TextBox 304">
+            <a:extLst>
+              <a:ext uri="{FF2B5EF4-FFF2-40B4-BE49-F238E27FC236}">
+                <a16:creationId xmlns:a16="http://schemas.microsoft.com/office/drawing/2014/main" id="{65853C8E-75F2-3DC7-0FF9-1833D378A269}"/>
+              </a:ext>
+            </a:extLst>
+          </p:cNvPr>
+          <p:cNvSpPr txBox="1"/>
+          <p:nvPr/>
+        </p:nvSpPr>
+        <p:spPr>
+          <a:xfrm>
+            <a:off x="9695690" y="6016983"/>
+            <a:ext cx="1245236" cy="369332"/>
+          </a:xfrm>
+          <a:prstGeom prst="rect">
+            <a:avLst/>
+          </a:prstGeom>
+          <a:noFill/>
+        </p:spPr>
+        <p:txBody>
+          <a:bodyPr wrap="square" rtlCol="0">
+            <a:spAutoFit/>
+          </a:bodyPr>
+          <a:lstStyle/>
+          <a:p>
+            <a:r>
+              <a:rPr lang="en-IN" dirty="0"/>
+              <a:t>deadline</a:t>
+            </a:r>
+          </a:p>
+        </p:txBody>
+      </p:sp>
+      <p:sp>
+        <p:nvSpPr>
+          <p:cNvPr id="306" name="TextBox 305">
+            <a:extLst>
+              <a:ext uri="{FF2B5EF4-FFF2-40B4-BE49-F238E27FC236}">
+                <a16:creationId xmlns:a16="http://schemas.microsoft.com/office/drawing/2014/main" id="{1385553D-D78F-5DB4-2457-C92AFB46B594}"/>
+              </a:ext>
+            </a:extLst>
+          </p:cNvPr>
+          <p:cNvSpPr txBox="1"/>
+          <p:nvPr/>
+        </p:nvSpPr>
+        <p:spPr>
+          <a:xfrm>
+            <a:off x="9885335" y="6312525"/>
+            <a:ext cx="1407560" cy="369332"/>
+          </a:xfrm>
+          <a:prstGeom prst="rect">
+            <a:avLst/>
+          </a:prstGeom>
+          <a:noFill/>
+        </p:spPr>
+        <p:txBody>
+          <a:bodyPr wrap="square" rtlCol="0">
+            <a:spAutoFit/>
+          </a:bodyPr>
+          <a:lstStyle/>
+          <a:p>
+            <a:r>
+              <a:rPr lang="en-IN" dirty="0"/>
+              <a:t>task</a:t>
+            </a:r>
+          </a:p>
+        </p:txBody>
+      </p:sp>
+      <p:sp>
+        <p:nvSpPr>
+          <p:cNvPr id="307" name="TextBox 306">
+            <a:extLst>
+              <a:ext uri="{FF2B5EF4-FFF2-40B4-BE49-F238E27FC236}">
+                <a16:creationId xmlns:a16="http://schemas.microsoft.com/office/drawing/2014/main" id="{A9AB698B-A43D-D8B2-F1E5-3A5430B8CAF0}"/>
+              </a:ext>
+            </a:extLst>
+          </p:cNvPr>
+          <p:cNvSpPr txBox="1"/>
+          <p:nvPr/>
+        </p:nvSpPr>
+        <p:spPr>
+          <a:xfrm>
+            <a:off x="1850172" y="5850717"/>
+            <a:ext cx="647958" cy="369332"/>
+          </a:xfrm>
+          <a:prstGeom prst="rect">
+            <a:avLst/>
+          </a:prstGeom>
+          <a:noFill/>
+        </p:spPr>
+        <p:txBody>
+          <a:bodyPr wrap="square" rtlCol="0">
+            <a:spAutoFit/>
+          </a:bodyPr>
+          <a:lstStyle/>
+          <a:p>
+            <a:r>
+              <a:rPr lang="en-IN" dirty="0"/>
+              <a:t>time</a:t>
+            </a:r>
+          </a:p>
+        </p:txBody>
+      </p:sp>
+      <p:cxnSp>
+        <p:nvCxnSpPr>
+          <p:cNvPr id="308" name="Straight Arrow Connector 307">
+            <a:extLst>
+              <a:ext uri="{FF2B5EF4-FFF2-40B4-BE49-F238E27FC236}">
+                <a16:creationId xmlns:a16="http://schemas.microsoft.com/office/drawing/2014/main" id="{78C15FB9-90C2-C224-88D1-492E1A5F142E}"/>
+              </a:ext>
+            </a:extLst>
+          </p:cNvPr>
+          <p:cNvCxnSpPr>
+            <a:cxnSpLocks/>
+            <a:stCxn id="307" idx="3"/>
+          </p:cNvCxnSpPr>
+          <p:nvPr/>
+        </p:nvCxnSpPr>
+        <p:spPr>
+          <a:xfrm>
+            <a:off x="2498130" y="6035383"/>
+            <a:ext cx="441113" cy="0"/>
+          </a:xfrm>
+          <a:prstGeom prst="straightConnector1">
+            <a:avLst/>
+          </a:prstGeom>
+          <a:ln w="6350">
+            <a:tailEnd type="stealth" w="lg" len="med"/>
+          </a:ln>
+        </p:spPr>
+        <p:style>
+          <a:lnRef idx="1">
+            <a:schemeClr val="dk1"/>
+          </a:lnRef>
+          <a:fillRef idx="0">
+            <a:schemeClr val="dk1"/>
+          </a:fillRef>
+          <a:effectRef idx="0">
+            <a:schemeClr val="dk1"/>
+          </a:effectRef>
+          <a:fontRef idx="minor">
+            <a:schemeClr val="tx1"/>
+          </a:fontRef>
+        </p:style>
+      </p:cxnSp>
+      <p:sp>
+        <p:nvSpPr>
+          <p:cNvPr id="309" name="Rectangle 308">
+            <a:extLst>
+              <a:ext uri="{FF2B5EF4-FFF2-40B4-BE49-F238E27FC236}">
+                <a16:creationId xmlns:a16="http://schemas.microsoft.com/office/drawing/2014/main" id="{BF3F5ABF-EE23-1CF0-B4BA-DEFEFEF13184}"/>
+              </a:ext>
+            </a:extLst>
+          </p:cNvPr>
+          <p:cNvSpPr/>
+          <p:nvPr/>
+        </p:nvSpPr>
+        <p:spPr>
+          <a:xfrm>
+            <a:off x="9056586" y="6459669"/>
+            <a:ext cx="442829" cy="64213"/>
+          </a:xfrm>
+          <a:prstGeom prst="rect">
+            <a:avLst/>
+          </a:prstGeom>
+          <a:solidFill>
+            <a:srgbClr val="00B0F0"/>
+          </a:solidFill>
+          <a:ln w="19050">
+            <a:solidFill>
+              <a:schemeClr val="tx1"/>
+            </a:solidFill>
+          </a:ln>
+        </p:spPr>
+        <p:style>
+          <a:lnRef idx="2">
+            <a:schemeClr val="accent1">
+              <a:shade val="15000"/>
+            </a:schemeClr>
+          </a:lnRef>
+          <a:fillRef idx="1">
+            <a:schemeClr val="accent1"/>
+          </a:fillRef>
+          <a:effectRef idx="0">
+            <a:schemeClr val="accent1"/>
+          </a:effectRef>
+          <a:fontRef idx="minor">
+            <a:schemeClr val="lt1"/>
+          </a:fontRef>
+        </p:style>
+        <p:txBody>
+          <a:bodyPr rtlCol="0" anchor="ctr"/>
+          <a:lstStyle/>
+          <a:p>
+            <a:pPr algn="ctr"/>
+            <a:endParaRPr lang="en-IN"/>
+          </a:p>
+        </p:txBody>
+      </p:sp>
+      <p:sp>
+        <p:nvSpPr>
+          <p:cNvPr id="310" name="Oval 309">
+            <a:extLst>
+              <a:ext uri="{FF2B5EF4-FFF2-40B4-BE49-F238E27FC236}">
+                <a16:creationId xmlns:a16="http://schemas.microsoft.com/office/drawing/2014/main" id="{6654D0A2-D1D5-A7AB-CFB7-FDDBB2F523C2}"/>
+              </a:ext>
+            </a:extLst>
+          </p:cNvPr>
+          <p:cNvSpPr/>
+          <p:nvPr/>
+        </p:nvSpPr>
+        <p:spPr>
+          <a:xfrm>
+            <a:off x="390119" y="4640073"/>
+            <a:ext cx="332744" cy="339022"/>
+          </a:xfrm>
+          <a:prstGeom prst="ellipse">
+            <a:avLst/>
+          </a:prstGeom>
+          <a:ln>
+            <a:solidFill>
+              <a:srgbClr val="FF0000"/>
+            </a:solidFill>
+          </a:ln>
+        </p:spPr>
+        <p:style>
+          <a:lnRef idx="2">
+            <a:schemeClr val="accent6"/>
+          </a:lnRef>
+          <a:fillRef idx="1">
+            <a:schemeClr val="lt1"/>
+          </a:fillRef>
+          <a:effectRef idx="0">
+            <a:schemeClr val="accent6"/>
+          </a:effectRef>
+          <a:fontRef idx="minor">
+            <a:schemeClr val="dk1"/>
+          </a:fontRef>
+        </p:style>
+        <p:txBody>
+          <a:bodyPr rtlCol="0" anchor="ctr"/>
+          <a:lstStyle/>
+          <a:p>
+            <a:pPr algn="ctr"/>
+            <a:r>
+              <a:rPr lang="en-US" dirty="0">
+                <a:solidFill>
+                  <a:srgbClr val="FF0000"/>
+                </a:solidFill>
+              </a:rPr>
+              <a:t>1</a:t>
+            </a:r>
+            <a:endParaRPr lang="en-IN" dirty="0">
+              <a:solidFill>
+                <a:srgbClr val="FF0000"/>
+              </a:solidFill>
+            </a:endParaRPr>
+          </a:p>
+        </p:txBody>
+      </p:sp>
+      <p:sp>
+        <p:nvSpPr>
+          <p:cNvPr id="312" name="Oval 311">
+            <a:extLst>
+              <a:ext uri="{FF2B5EF4-FFF2-40B4-BE49-F238E27FC236}">
+                <a16:creationId xmlns:a16="http://schemas.microsoft.com/office/drawing/2014/main" id="{32E2F430-E20E-7488-1004-73994D4A7D24}"/>
+              </a:ext>
+            </a:extLst>
+          </p:cNvPr>
+          <p:cNvSpPr/>
+          <p:nvPr/>
+        </p:nvSpPr>
+        <p:spPr>
+          <a:xfrm>
+            <a:off x="3048290" y="4640073"/>
+            <a:ext cx="332744" cy="339022"/>
+          </a:xfrm>
+          <a:prstGeom prst="ellipse">
+            <a:avLst/>
+          </a:prstGeom>
+          <a:ln>
+            <a:solidFill>
+              <a:srgbClr val="FF0000"/>
+            </a:solidFill>
+          </a:ln>
+        </p:spPr>
+        <p:style>
+          <a:lnRef idx="2">
+            <a:schemeClr val="accent6"/>
+          </a:lnRef>
+          <a:fillRef idx="1">
+            <a:schemeClr val="lt1"/>
+          </a:fillRef>
+          <a:effectRef idx="0">
+            <a:schemeClr val="accent6"/>
+          </a:effectRef>
+          <a:fontRef idx="minor">
+            <a:schemeClr val="dk1"/>
+          </a:fontRef>
+        </p:style>
+        <p:txBody>
+          <a:bodyPr rtlCol="0" anchor="ctr"/>
+          <a:lstStyle/>
+          <a:p>
+            <a:pPr algn="ctr"/>
+            <a:r>
+              <a:rPr lang="en-US" dirty="0">
+                <a:solidFill>
+                  <a:srgbClr val="FF0000"/>
+                </a:solidFill>
+              </a:rPr>
+              <a:t>2</a:t>
+            </a:r>
+            <a:endParaRPr lang="en-IN" dirty="0">
+              <a:solidFill>
+                <a:srgbClr val="FF0000"/>
+              </a:solidFill>
+            </a:endParaRPr>
+          </a:p>
+        </p:txBody>
+      </p:sp>
+      <p:sp>
+        <p:nvSpPr>
+          <p:cNvPr id="313" name="Oval 312">
+            <a:extLst>
+              <a:ext uri="{FF2B5EF4-FFF2-40B4-BE49-F238E27FC236}">
+                <a16:creationId xmlns:a16="http://schemas.microsoft.com/office/drawing/2014/main" id="{8063A2F6-F300-FBA7-058E-04CBCE94CE3D}"/>
+              </a:ext>
+            </a:extLst>
+          </p:cNvPr>
+          <p:cNvSpPr/>
+          <p:nvPr/>
+        </p:nvSpPr>
+        <p:spPr>
+          <a:xfrm>
+            <a:off x="6741710" y="4640073"/>
+            <a:ext cx="332744" cy="339022"/>
+          </a:xfrm>
+          <a:prstGeom prst="ellipse">
+            <a:avLst/>
+          </a:prstGeom>
+          <a:ln>
+            <a:solidFill>
+              <a:srgbClr val="FF0000"/>
+            </a:solidFill>
+          </a:ln>
+        </p:spPr>
+        <p:style>
+          <a:lnRef idx="2">
+            <a:schemeClr val="accent6"/>
+          </a:lnRef>
+          <a:fillRef idx="1">
+            <a:schemeClr val="lt1"/>
+          </a:fillRef>
+          <a:effectRef idx="0">
+            <a:schemeClr val="accent6"/>
+          </a:effectRef>
+          <a:fontRef idx="minor">
+            <a:schemeClr val="dk1"/>
+          </a:fontRef>
+        </p:style>
+        <p:txBody>
+          <a:bodyPr rtlCol="0" anchor="ctr"/>
+          <a:lstStyle/>
+          <a:p>
+            <a:pPr algn="ctr"/>
+            <a:r>
+              <a:rPr lang="en-US" dirty="0">
+                <a:solidFill>
+                  <a:srgbClr val="FF0000"/>
+                </a:solidFill>
+              </a:rPr>
+              <a:t>3</a:t>
+            </a:r>
+            <a:endParaRPr lang="en-IN" dirty="0">
+              <a:solidFill>
+                <a:srgbClr val="FF0000"/>
+              </a:solidFill>
+            </a:endParaRPr>
+          </a:p>
+        </p:txBody>
+      </p:sp>
+      <p:sp>
+        <p:nvSpPr>
+          <p:cNvPr id="314" name="Oval 313">
+            <a:extLst>
+              <a:ext uri="{FF2B5EF4-FFF2-40B4-BE49-F238E27FC236}">
+                <a16:creationId xmlns:a16="http://schemas.microsoft.com/office/drawing/2014/main" id="{3766A794-CECA-BEA3-0DBC-1E83101525C1}"/>
+              </a:ext>
+            </a:extLst>
+          </p:cNvPr>
+          <p:cNvSpPr/>
+          <p:nvPr/>
+        </p:nvSpPr>
+        <p:spPr>
+          <a:xfrm>
+            <a:off x="9405181" y="4640073"/>
+            <a:ext cx="332744" cy="339022"/>
+          </a:xfrm>
+          <a:prstGeom prst="ellipse">
+            <a:avLst/>
+          </a:prstGeom>
+          <a:ln>
+            <a:solidFill>
+              <a:srgbClr val="FF0000"/>
+            </a:solidFill>
+          </a:ln>
+        </p:spPr>
+        <p:style>
+          <a:lnRef idx="2">
+            <a:schemeClr val="accent6"/>
+          </a:lnRef>
+          <a:fillRef idx="1">
+            <a:schemeClr val="lt1"/>
+          </a:fillRef>
+          <a:effectRef idx="0">
+            <a:schemeClr val="accent6"/>
+          </a:effectRef>
+          <a:fontRef idx="minor">
+            <a:schemeClr val="dk1"/>
+          </a:fontRef>
+        </p:style>
+        <p:txBody>
+          <a:bodyPr rtlCol="0" anchor="ctr"/>
+          <a:lstStyle/>
+          <a:p>
+            <a:pPr algn="ctr"/>
+            <a:r>
+              <a:rPr lang="en-US" dirty="0">
+                <a:solidFill>
+                  <a:srgbClr val="FF0000"/>
+                </a:solidFill>
+              </a:rPr>
+              <a:t>4</a:t>
+            </a:r>
+            <a:endParaRPr lang="en-IN" dirty="0">
+              <a:solidFill>
+                <a:srgbClr val="FF0000"/>
+              </a:solidFill>
+            </a:endParaRPr>
           </a:p>
         </p:txBody>
       </p:sp>
     </p:spTree>
     <p:extLst>
       <p:ext uri="{BB962C8B-B14F-4D97-AF65-F5344CB8AC3E}">
-        <p14:creationId xmlns:p14="http://schemas.microsoft.com/office/powerpoint/2010/main" val="193745118"/>
+        <p14:creationId xmlns:p14="http://schemas.microsoft.com/office/powerpoint/2010/main" val="275545310"/>
       </p:ext>
     </p:extLst>
   </p:cSld>
@@ -3760,10 +6355,10 @@
       </p:grpSpPr>
       <p:pic>
         <p:nvPicPr>
-          <p:cNvPr id="5" name="Picture 4">
-            <a:extLst>
-              <a:ext uri="{FF2B5EF4-FFF2-40B4-BE49-F238E27FC236}">
-                <a16:creationId xmlns:a16="http://schemas.microsoft.com/office/drawing/2014/main" id="{A4724826-A41C-5860-D731-EAD4CA21833C}"/>
+          <p:cNvPr id="7" name="Picture 6">
+            <a:extLst>
+              <a:ext uri="{FF2B5EF4-FFF2-40B4-BE49-F238E27FC236}">
+                <a16:creationId xmlns:a16="http://schemas.microsoft.com/office/drawing/2014/main" id="{A900DF26-CCC1-0C74-567D-3FC31BE8DA5A}"/>
               </a:ext>
             </a:extLst>
           </p:cNvPr>
@@ -3773,15 +6368,21 @@
           <p:nvPr/>
         </p:nvPicPr>
         <p:blipFill>
-          <a:blip r:embed="rId2"/>
+          <a:blip r:embed="rId2">
+            <a:extLst>
+              <a:ext uri="{28A0092B-C50C-407E-A947-70E740481C1C}">
+                <a14:useLocalDpi xmlns:a14="http://schemas.microsoft.com/office/drawing/2010/main" val="0"/>
+              </a:ext>
+            </a:extLst>
+          </a:blip>
           <a:stretch>
             <a:fillRect/>
           </a:stretch>
         </p:blipFill>
         <p:spPr>
           <a:xfrm>
-            <a:off x="875448" y="154997"/>
-            <a:ext cx="4856809" cy="3097331"/>
+            <a:off x="168880" y="2060489"/>
+            <a:ext cx="4277992" cy="2339679"/>
           </a:xfrm>
           <a:prstGeom prst="rect">
             <a:avLst/>
@@ -3790,10 +6391,10 @@
       </p:pic>
       <p:pic>
         <p:nvPicPr>
-          <p:cNvPr id="7" name="Picture 6">
-            <a:extLst>
-              <a:ext uri="{FF2B5EF4-FFF2-40B4-BE49-F238E27FC236}">
-                <a16:creationId xmlns:a16="http://schemas.microsoft.com/office/drawing/2014/main" id="{79499538-B5F3-C1AD-C73D-E8639288F0A1}"/>
+          <p:cNvPr id="9" name="Picture 8">
+            <a:extLst>
+              <a:ext uri="{FF2B5EF4-FFF2-40B4-BE49-F238E27FC236}">
+                <a16:creationId xmlns:a16="http://schemas.microsoft.com/office/drawing/2014/main" id="{82E363B5-7453-B00C-0943-4925136D6F31}"/>
               </a:ext>
             </a:extLst>
           </p:cNvPr>
@@ -3810,8 +6411,8 @@
         </p:blipFill>
         <p:spPr>
           <a:xfrm>
-            <a:off x="6049394" y="211755"/>
-            <a:ext cx="5059513" cy="3040573"/>
+            <a:off x="4446872" y="442916"/>
+            <a:ext cx="3337298" cy="3192568"/>
           </a:xfrm>
           <a:prstGeom prst="rect">
             <a:avLst/>
@@ -3820,10 +6421,10 @@
       </p:pic>
       <p:pic>
         <p:nvPicPr>
-          <p:cNvPr id="9" name="Picture 8">
-            <a:extLst>
-              <a:ext uri="{FF2B5EF4-FFF2-40B4-BE49-F238E27FC236}">
-                <a16:creationId xmlns:a16="http://schemas.microsoft.com/office/drawing/2014/main" id="{79A5F526-A5CA-FB59-ED94-3AE5643A1C9D}"/>
+          <p:cNvPr id="11" name="Picture 10">
+            <a:extLst>
+              <a:ext uri="{FF2B5EF4-FFF2-40B4-BE49-F238E27FC236}">
+                <a16:creationId xmlns:a16="http://schemas.microsoft.com/office/drawing/2014/main" id="{85816DD9-1EF5-BD4F-2D98-41CBBBDE45F8}"/>
               </a:ext>
             </a:extLst>
           </p:cNvPr>
@@ -3840,38 +6441,8 @@
         </p:blipFill>
         <p:spPr>
           <a:xfrm>
-            <a:off x="725446" y="3534066"/>
-            <a:ext cx="5156812" cy="3048681"/>
-          </a:xfrm>
-          <a:prstGeom prst="rect">
-            <a:avLst/>
-          </a:prstGeom>
-        </p:spPr>
-      </p:pic>
-      <p:pic>
-        <p:nvPicPr>
-          <p:cNvPr id="11" name="Picture 10">
-            <a:extLst>
-              <a:ext uri="{FF2B5EF4-FFF2-40B4-BE49-F238E27FC236}">
-                <a16:creationId xmlns:a16="http://schemas.microsoft.com/office/drawing/2014/main" id="{FE44451E-1999-4B42-159D-F53F123ADB76}"/>
-              </a:ext>
-            </a:extLst>
-          </p:cNvPr>
-          <p:cNvPicPr>
-            <a:picLocks noChangeAspect="1"/>
-          </p:cNvPicPr>
-          <p:nvPr/>
-        </p:nvPicPr>
-        <p:blipFill>
-          <a:blip r:embed="rId5"/>
-          <a:stretch>
-            <a:fillRect/>
-          </a:stretch>
-        </p:blipFill>
-        <p:spPr>
-          <a:xfrm>
-            <a:off x="6232760" y="3484645"/>
-            <a:ext cx="3827068" cy="3040573"/>
+            <a:off x="4599272" y="3635484"/>
+            <a:ext cx="3201082" cy="3192568"/>
           </a:xfrm>
           <a:prstGeom prst="rect">
             <a:avLst/>
@@ -3883,7 +6454,7 @@
           <p:cNvPr id="13" name="Picture 12">
             <a:extLst>
               <a:ext uri="{FF2B5EF4-FFF2-40B4-BE49-F238E27FC236}">
-                <a16:creationId xmlns:a16="http://schemas.microsoft.com/office/drawing/2014/main" id="{352B4DC3-470A-393B-019E-67D15CB6BF80}"/>
+                <a16:creationId xmlns:a16="http://schemas.microsoft.com/office/drawing/2014/main" id="{F1E08453-2DB1-70F0-70F3-24879D1B08B8}"/>
               </a:ext>
             </a:extLst>
           </p:cNvPr>
@@ -3893,7 +6464,7 @@
           <p:nvPr/>
         </p:nvPicPr>
         <p:blipFill>
-          <a:blip r:embed="rId6">
+          <a:blip r:embed="rId5">
             <a:extLst>
               <a:ext uri="{28A0092B-C50C-407E-A947-70E740481C1C}">
                 <a14:useLocalDpi xmlns:a14="http://schemas.microsoft.com/office/drawing/2010/main" val="0"/>
@@ -3906,8 +6477,8 @@
         </p:blipFill>
         <p:spPr>
           <a:xfrm>
-            <a:off x="10059828" y="4056638"/>
-            <a:ext cx="1528769" cy="944239"/>
+            <a:off x="8312582" y="528053"/>
+            <a:ext cx="3710538" cy="3064872"/>
           </a:xfrm>
           <a:prstGeom prst="rect">
             <a:avLst/>
@@ -3919,7 +6490,7 @@
           <p:cNvPr id="15" name="Picture 14">
             <a:extLst>
               <a:ext uri="{FF2B5EF4-FFF2-40B4-BE49-F238E27FC236}">
-                <a16:creationId xmlns:a16="http://schemas.microsoft.com/office/drawing/2014/main" id="{79DF37D9-6B24-D8C4-73DE-AF9556578A84}"/>
+                <a16:creationId xmlns:a16="http://schemas.microsoft.com/office/drawing/2014/main" id="{7D73BB7F-CB8D-F223-F181-5931FEDB8DDC}"/>
               </a:ext>
             </a:extLst>
           </p:cNvPr>
@@ -3929,27 +6500,69 @@
           <p:nvPr/>
         </p:nvPicPr>
         <p:blipFill>
-          <a:blip r:embed="rId7"/>
+          <a:blip r:embed="rId6">
+            <a:extLst>
+              <a:ext uri="{28A0092B-C50C-407E-A947-70E740481C1C}">
+                <a14:useLocalDpi xmlns:a14="http://schemas.microsoft.com/office/drawing/2010/main" val="0"/>
+              </a:ext>
+            </a:extLst>
+          </a:blip>
           <a:stretch>
             <a:fillRect/>
           </a:stretch>
         </p:blipFill>
         <p:spPr>
           <a:xfrm>
-            <a:off x="2629638" y="1333810"/>
-            <a:ext cx="876206" cy="603185"/>
+            <a:off x="8312582" y="3656913"/>
+            <a:ext cx="3710538" cy="3122083"/>
           </a:xfrm>
           <a:prstGeom prst="rect">
             <a:avLst/>
           </a:prstGeom>
         </p:spPr>
       </p:pic>
-      <p:sp>
-        <p:nvSpPr>
-          <p:cNvPr id="16" name="TextBox 15">
-            <a:extLst>
-              <a:ext uri="{FF2B5EF4-FFF2-40B4-BE49-F238E27FC236}">
-                <a16:creationId xmlns:a16="http://schemas.microsoft.com/office/drawing/2014/main" id="{837781EF-0CFA-6DAE-A92A-52781E31C183}"/>
+      <p:pic>
+        <p:nvPicPr>
+          <p:cNvPr id="17" name="Picture 16">
+            <a:extLst>
+              <a:ext uri="{FF2B5EF4-FFF2-40B4-BE49-F238E27FC236}">
+                <a16:creationId xmlns:a16="http://schemas.microsoft.com/office/drawing/2014/main" id="{E6EBF698-C36D-0966-4276-4FA31A342BE4}"/>
+              </a:ext>
+            </a:extLst>
+          </p:cNvPr>
+          <p:cNvPicPr>
+            <a:picLocks noChangeAspect="1"/>
+          </p:cNvPicPr>
+          <p:nvPr/>
+        </p:nvPicPr>
+        <p:blipFill>
+          <a:blip r:embed="rId7">
+            <a:extLst>
+              <a:ext uri="{28A0092B-C50C-407E-A947-70E740481C1C}">
+                <a14:useLocalDpi xmlns:a14="http://schemas.microsoft.com/office/drawing/2010/main" val="0"/>
+              </a:ext>
+            </a:extLst>
+          </a:blip>
+          <a:stretch>
+            <a:fillRect/>
+          </a:stretch>
+        </p:blipFill>
+        <p:spPr>
+          <a:xfrm>
+            <a:off x="10717459" y="1468166"/>
+            <a:ext cx="1087005" cy="707298"/>
+          </a:xfrm>
+          <a:prstGeom prst="rect">
+            <a:avLst/>
+          </a:prstGeom>
+        </p:spPr>
+      </p:pic>
+      <p:sp>
+        <p:nvSpPr>
+          <p:cNvPr id="18" name="TextBox 17">
+            <a:extLst>
+              <a:ext uri="{FF2B5EF4-FFF2-40B4-BE49-F238E27FC236}">
+                <a16:creationId xmlns:a16="http://schemas.microsoft.com/office/drawing/2014/main" id="{D93B0C47-4FDD-F189-AA9C-B11660A0DBCF}"/>
               </a:ext>
             </a:extLst>
           </p:cNvPr>
@@ -3958,7 +6571,7 @@
         </p:nvSpPr>
         <p:spPr>
           <a:xfrm>
-            <a:off x="796715" y="9432"/>
+            <a:off x="181518" y="1452979"/>
             <a:ext cx="567890" cy="492443"/>
           </a:xfrm>
           <a:prstGeom prst="rect">
@@ -3981,10 +6594,10 @@
       </p:sp>
       <p:sp>
         <p:nvSpPr>
-          <p:cNvPr id="17" name="TextBox 16">
-            <a:extLst>
-              <a:ext uri="{FF2B5EF4-FFF2-40B4-BE49-F238E27FC236}">
-                <a16:creationId xmlns:a16="http://schemas.microsoft.com/office/drawing/2014/main" id="{BDDCF9E9-4B43-DC4B-1ECD-EE60D96F69F8}"/>
+          <p:cNvPr id="19" name="TextBox 18">
+            <a:extLst>
+              <a:ext uri="{FF2B5EF4-FFF2-40B4-BE49-F238E27FC236}">
+                <a16:creationId xmlns:a16="http://schemas.microsoft.com/office/drawing/2014/main" id="{DB31A267-229D-091B-2B51-F25149A4D4CB}"/>
               </a:ext>
             </a:extLst>
           </p:cNvPr>
@@ -3993,7 +6606,7 @@
         </p:nvSpPr>
         <p:spPr>
           <a:xfrm>
-            <a:off x="6015371" y="9432"/>
+            <a:off x="4430688" y="255654"/>
             <a:ext cx="567890" cy="492443"/>
           </a:xfrm>
           <a:prstGeom prst="rect">
@@ -4016,10 +6629,10 @@
       </p:sp>
       <p:sp>
         <p:nvSpPr>
-          <p:cNvPr id="18" name="TextBox 17">
-            <a:extLst>
-              <a:ext uri="{FF2B5EF4-FFF2-40B4-BE49-F238E27FC236}">
-                <a16:creationId xmlns:a16="http://schemas.microsoft.com/office/drawing/2014/main" id="{27E12E0F-7501-F593-27CE-38FBDE7C6D08}"/>
+          <p:cNvPr id="20" name="TextBox 19">
+            <a:extLst>
+              <a:ext uri="{FF2B5EF4-FFF2-40B4-BE49-F238E27FC236}">
+                <a16:creationId xmlns:a16="http://schemas.microsoft.com/office/drawing/2014/main" id="{9E128429-68B9-FA09-E336-B2219BDA708D}"/>
               </a:ext>
             </a:extLst>
           </p:cNvPr>
@@ -4028,7 +6641,7 @@
         </p:nvSpPr>
         <p:spPr>
           <a:xfrm>
-            <a:off x="725446" y="3182778"/>
+            <a:off x="8163390" y="284529"/>
             <a:ext cx="567890" cy="492443"/>
           </a:xfrm>
           <a:prstGeom prst="rect">
@@ -4051,10 +6664,10 @@
       </p:sp>
       <p:sp>
         <p:nvSpPr>
-          <p:cNvPr id="19" name="TextBox 18">
-            <a:extLst>
-              <a:ext uri="{FF2B5EF4-FFF2-40B4-BE49-F238E27FC236}">
-                <a16:creationId xmlns:a16="http://schemas.microsoft.com/office/drawing/2014/main" id="{A50DB0D8-FCBD-7C9A-29FF-CAC563A48372}"/>
+          <p:cNvPr id="21" name="TextBox 20">
+            <a:extLst>
+              <a:ext uri="{FF2B5EF4-FFF2-40B4-BE49-F238E27FC236}">
+                <a16:creationId xmlns:a16="http://schemas.microsoft.com/office/drawing/2014/main" id="{A7B0393B-CF58-812E-C376-90520257EF51}"/>
               </a:ext>
             </a:extLst>
           </p:cNvPr>
@@ -4063,7 +6676,7 @@
         </p:nvSpPr>
         <p:spPr>
           <a:xfrm>
-            <a:off x="5948815" y="3182778"/>
+            <a:off x="4596064" y="3525382"/>
             <a:ext cx="567890" cy="492443"/>
           </a:xfrm>
           <a:prstGeom prst="rect">
@@ -4084,10 +6697,45 @@
           </a:p>
         </p:txBody>
       </p:sp>
+      <p:sp>
+        <p:nvSpPr>
+          <p:cNvPr id="22" name="TextBox 21">
+            <a:extLst>
+              <a:ext uri="{FF2B5EF4-FFF2-40B4-BE49-F238E27FC236}">
+                <a16:creationId xmlns:a16="http://schemas.microsoft.com/office/drawing/2014/main" id="{DA73AA98-8F04-6D6B-2901-EE4DC54F65E3}"/>
+              </a:ext>
+            </a:extLst>
+          </p:cNvPr>
+          <p:cNvSpPr txBox="1"/>
+          <p:nvPr/>
+        </p:nvSpPr>
+        <p:spPr>
+          <a:xfrm>
+            <a:off x="8168586" y="3525382"/>
+            <a:ext cx="567890" cy="492443"/>
+          </a:xfrm>
+          <a:prstGeom prst="rect">
+            <a:avLst/>
+          </a:prstGeom>
+          <a:noFill/>
+        </p:spPr>
+        <p:txBody>
+          <a:bodyPr wrap="square" rtlCol="0">
+            <a:spAutoFit/>
+          </a:bodyPr>
+          <a:lstStyle/>
+          <a:p>
+            <a:r>
+              <a:rPr lang="en-IN" sz="2600" b="1" dirty="0"/>
+              <a:t>E</a:t>
+            </a:r>
+          </a:p>
+        </p:txBody>
+      </p:sp>
     </p:spTree>
     <p:extLst>
       <p:ext uri="{BB962C8B-B14F-4D97-AF65-F5344CB8AC3E}">
-        <p14:creationId xmlns:p14="http://schemas.microsoft.com/office/powerpoint/2010/main" val="395692544"/>
+        <p14:creationId xmlns:p14="http://schemas.microsoft.com/office/powerpoint/2010/main" val="193745118"/>
       </p:ext>
     </p:extLst>
   </p:cSld>
@@ -4119,7 +6767,7 @@
           <p:cNvPr id="5" name="Picture 4">
             <a:extLst>
               <a:ext uri="{FF2B5EF4-FFF2-40B4-BE49-F238E27FC236}">
-                <a16:creationId xmlns:a16="http://schemas.microsoft.com/office/drawing/2014/main" id="{9359E643-4EA6-481A-0F1B-91090F1C1FB1}"/>
+                <a16:creationId xmlns:a16="http://schemas.microsoft.com/office/drawing/2014/main" id="{A4724826-A41C-5860-D731-EAD4CA21833C}"/>
               </a:ext>
             </a:extLst>
           </p:cNvPr>
@@ -4129,7 +6777,127 @@
           <p:nvPr/>
         </p:nvPicPr>
         <p:blipFill>
-          <a:blip r:embed="rId2">
+          <a:blip r:embed="rId2"/>
+          <a:stretch>
+            <a:fillRect/>
+          </a:stretch>
+        </p:blipFill>
+        <p:spPr>
+          <a:xfrm>
+            <a:off x="875448" y="154997"/>
+            <a:ext cx="4856809" cy="3097331"/>
+          </a:xfrm>
+          <a:prstGeom prst="rect">
+            <a:avLst/>
+          </a:prstGeom>
+        </p:spPr>
+      </p:pic>
+      <p:pic>
+        <p:nvPicPr>
+          <p:cNvPr id="7" name="Picture 6">
+            <a:extLst>
+              <a:ext uri="{FF2B5EF4-FFF2-40B4-BE49-F238E27FC236}">
+                <a16:creationId xmlns:a16="http://schemas.microsoft.com/office/drawing/2014/main" id="{79499538-B5F3-C1AD-C73D-E8639288F0A1}"/>
+              </a:ext>
+            </a:extLst>
+          </p:cNvPr>
+          <p:cNvPicPr>
+            <a:picLocks noChangeAspect="1"/>
+          </p:cNvPicPr>
+          <p:nvPr/>
+        </p:nvPicPr>
+        <p:blipFill>
+          <a:blip r:embed="rId3"/>
+          <a:stretch>
+            <a:fillRect/>
+          </a:stretch>
+        </p:blipFill>
+        <p:spPr>
+          <a:xfrm>
+            <a:off x="6049394" y="211755"/>
+            <a:ext cx="5059513" cy="3040573"/>
+          </a:xfrm>
+          <a:prstGeom prst="rect">
+            <a:avLst/>
+          </a:prstGeom>
+        </p:spPr>
+      </p:pic>
+      <p:pic>
+        <p:nvPicPr>
+          <p:cNvPr id="9" name="Picture 8">
+            <a:extLst>
+              <a:ext uri="{FF2B5EF4-FFF2-40B4-BE49-F238E27FC236}">
+                <a16:creationId xmlns:a16="http://schemas.microsoft.com/office/drawing/2014/main" id="{79A5F526-A5CA-FB59-ED94-3AE5643A1C9D}"/>
+              </a:ext>
+            </a:extLst>
+          </p:cNvPr>
+          <p:cNvPicPr>
+            <a:picLocks noChangeAspect="1"/>
+          </p:cNvPicPr>
+          <p:nvPr/>
+        </p:nvPicPr>
+        <p:blipFill>
+          <a:blip r:embed="rId4"/>
+          <a:stretch>
+            <a:fillRect/>
+          </a:stretch>
+        </p:blipFill>
+        <p:spPr>
+          <a:xfrm>
+            <a:off x="725446" y="3534066"/>
+            <a:ext cx="5156812" cy="3048681"/>
+          </a:xfrm>
+          <a:prstGeom prst="rect">
+            <a:avLst/>
+          </a:prstGeom>
+        </p:spPr>
+      </p:pic>
+      <p:pic>
+        <p:nvPicPr>
+          <p:cNvPr id="11" name="Picture 10">
+            <a:extLst>
+              <a:ext uri="{FF2B5EF4-FFF2-40B4-BE49-F238E27FC236}">
+                <a16:creationId xmlns:a16="http://schemas.microsoft.com/office/drawing/2014/main" id="{FE44451E-1999-4B42-159D-F53F123ADB76}"/>
+              </a:ext>
+            </a:extLst>
+          </p:cNvPr>
+          <p:cNvPicPr>
+            <a:picLocks noChangeAspect="1"/>
+          </p:cNvPicPr>
+          <p:nvPr/>
+        </p:nvPicPr>
+        <p:blipFill>
+          <a:blip r:embed="rId5"/>
+          <a:stretch>
+            <a:fillRect/>
+          </a:stretch>
+        </p:blipFill>
+        <p:spPr>
+          <a:xfrm>
+            <a:off x="6232760" y="3484645"/>
+            <a:ext cx="3827068" cy="3040573"/>
+          </a:xfrm>
+          <a:prstGeom prst="rect">
+            <a:avLst/>
+          </a:prstGeom>
+        </p:spPr>
+      </p:pic>
+      <p:pic>
+        <p:nvPicPr>
+          <p:cNvPr id="13" name="Picture 12">
+            <a:extLst>
+              <a:ext uri="{FF2B5EF4-FFF2-40B4-BE49-F238E27FC236}">
+                <a16:creationId xmlns:a16="http://schemas.microsoft.com/office/drawing/2014/main" id="{352B4DC3-470A-393B-019E-67D15CB6BF80}"/>
+              </a:ext>
+            </a:extLst>
+          </p:cNvPr>
+          <p:cNvPicPr>
+            <a:picLocks noChangeAspect="1"/>
+          </p:cNvPicPr>
+          <p:nvPr/>
+        </p:nvPicPr>
+        <p:blipFill>
+          <a:blip r:embed="rId6">
             <a:extLst>
               <a:ext uri="{28A0092B-C50C-407E-A947-70E740481C1C}">
                 <a14:useLocalDpi xmlns:a14="http://schemas.microsoft.com/office/drawing/2010/main" val="0"/>
@@ -4142,8 +6910,8 @@
         </p:blipFill>
         <p:spPr>
           <a:xfrm>
-            <a:off x="6096000" y="243505"/>
-            <a:ext cx="3484422" cy="3270392"/>
+            <a:off x="10059828" y="4056638"/>
+            <a:ext cx="1528769" cy="944239"/>
           </a:xfrm>
           <a:prstGeom prst="rect">
             <a:avLst/>
@@ -4152,10 +6920,10 @@
       </p:pic>
       <p:pic>
         <p:nvPicPr>
-          <p:cNvPr id="7" name="Picture 6">
-            <a:extLst>
-              <a:ext uri="{FF2B5EF4-FFF2-40B4-BE49-F238E27FC236}">
-                <a16:creationId xmlns:a16="http://schemas.microsoft.com/office/drawing/2014/main" id="{5230933C-6B2C-B237-A33D-6A6900BB6E2B}"/>
+          <p:cNvPr id="15" name="Picture 14">
+            <a:extLst>
+              <a:ext uri="{FF2B5EF4-FFF2-40B4-BE49-F238E27FC236}">
+                <a16:creationId xmlns:a16="http://schemas.microsoft.com/office/drawing/2014/main" id="{79DF37D9-6B24-D8C4-73DE-AF9556578A84}"/>
               </a:ext>
             </a:extLst>
           </p:cNvPr>
@@ -4165,105 +6933,27 @@
           <p:nvPr/>
         </p:nvPicPr>
         <p:blipFill>
-          <a:blip r:embed="rId3">
-            <a:extLst>
-              <a:ext uri="{28A0092B-C50C-407E-A947-70E740481C1C}">
-                <a14:useLocalDpi xmlns:a14="http://schemas.microsoft.com/office/drawing/2010/main" val="0"/>
-              </a:ext>
-            </a:extLst>
-          </a:blip>
+          <a:blip r:embed="rId7"/>
           <a:stretch>
             <a:fillRect/>
           </a:stretch>
         </p:blipFill>
         <p:spPr>
           <a:xfrm>
-            <a:off x="6096000" y="3522147"/>
-            <a:ext cx="3484422" cy="3270392"/>
+            <a:off x="2629638" y="1333810"/>
+            <a:ext cx="876206" cy="603185"/>
           </a:xfrm>
           <a:prstGeom prst="rect">
             <a:avLst/>
           </a:prstGeom>
         </p:spPr>
       </p:pic>
-      <p:pic>
-        <p:nvPicPr>
-          <p:cNvPr id="9" name="Picture 8">
-            <a:extLst>
-              <a:ext uri="{FF2B5EF4-FFF2-40B4-BE49-F238E27FC236}">
-                <a16:creationId xmlns:a16="http://schemas.microsoft.com/office/drawing/2014/main" id="{FE89A01E-F791-4375-1110-38374F34279B}"/>
-              </a:ext>
-            </a:extLst>
-          </p:cNvPr>
-          <p:cNvPicPr>
-            <a:picLocks noChangeAspect="1"/>
-          </p:cNvPicPr>
-          <p:nvPr/>
-        </p:nvPicPr>
-        <p:blipFill>
-          <a:blip r:embed="rId4">
-            <a:extLst>
-              <a:ext uri="{28A0092B-C50C-407E-A947-70E740481C1C}">
-                <a14:useLocalDpi xmlns:a14="http://schemas.microsoft.com/office/drawing/2010/main" val="0"/>
-              </a:ext>
-            </a:extLst>
-          </a:blip>
-          <a:stretch>
-            <a:fillRect/>
-          </a:stretch>
-        </p:blipFill>
-        <p:spPr>
-          <a:xfrm>
-            <a:off x="2611578" y="533598"/>
-            <a:ext cx="2561083" cy="2254137"/>
-          </a:xfrm>
-          <a:prstGeom prst="rect">
-            <a:avLst/>
-          </a:prstGeom>
-        </p:spPr>
-      </p:pic>
-      <p:pic>
-        <p:nvPicPr>
-          <p:cNvPr id="11" name="Picture 10">
-            <a:extLst>
-              <a:ext uri="{FF2B5EF4-FFF2-40B4-BE49-F238E27FC236}">
-                <a16:creationId xmlns:a16="http://schemas.microsoft.com/office/drawing/2014/main" id="{639E4B7E-F0A1-CF6A-D991-B54B191B2C9D}"/>
-              </a:ext>
-            </a:extLst>
-          </p:cNvPr>
-          <p:cNvPicPr>
-            <a:picLocks noChangeAspect="1"/>
-          </p:cNvPicPr>
-          <p:nvPr/>
-        </p:nvPicPr>
-        <p:blipFill>
-          <a:blip r:embed="rId5">
-            <a:extLst>
-              <a:ext uri="{28A0092B-C50C-407E-A947-70E740481C1C}">
-                <a14:useLocalDpi xmlns:a14="http://schemas.microsoft.com/office/drawing/2010/main" val="0"/>
-              </a:ext>
-            </a:extLst>
-          </a:blip>
-          <a:stretch>
-            <a:fillRect/>
-          </a:stretch>
-        </p:blipFill>
-        <p:spPr>
-          <a:xfrm>
-            <a:off x="1918117" y="3429000"/>
-            <a:ext cx="4177883" cy="3210464"/>
-          </a:xfrm>
-          <a:prstGeom prst="rect">
-            <a:avLst/>
-          </a:prstGeom>
-        </p:spPr>
-      </p:pic>
-      <p:sp>
-        <p:nvSpPr>
-          <p:cNvPr id="12" name="TextBox 11">
-            <a:extLst>
-              <a:ext uri="{FF2B5EF4-FFF2-40B4-BE49-F238E27FC236}">
-                <a16:creationId xmlns:a16="http://schemas.microsoft.com/office/drawing/2014/main" id="{D2951D13-D7E6-513F-8CCF-390F30287F98}"/>
+      <p:sp>
+        <p:nvSpPr>
+          <p:cNvPr id="16" name="TextBox 15">
+            <a:extLst>
+              <a:ext uri="{FF2B5EF4-FFF2-40B4-BE49-F238E27FC236}">
+                <a16:creationId xmlns:a16="http://schemas.microsoft.com/office/drawing/2014/main" id="{837781EF-0CFA-6DAE-A92A-52781E31C183}"/>
               </a:ext>
             </a:extLst>
           </p:cNvPr>
@@ -4272,7 +6962,7 @@
         </p:nvSpPr>
         <p:spPr>
           <a:xfrm>
-            <a:off x="1865964" y="472806"/>
+            <a:off x="796715" y="9432"/>
             <a:ext cx="567890" cy="492443"/>
           </a:xfrm>
           <a:prstGeom prst="rect">
@@ -4295,10 +6985,10 @@
       </p:sp>
       <p:sp>
         <p:nvSpPr>
-          <p:cNvPr id="13" name="TextBox 12">
-            <a:extLst>
-              <a:ext uri="{FF2B5EF4-FFF2-40B4-BE49-F238E27FC236}">
-                <a16:creationId xmlns:a16="http://schemas.microsoft.com/office/drawing/2014/main" id="{E1C9750A-6D0B-72D2-1C17-CA5126053141}"/>
+          <p:cNvPr id="17" name="TextBox 16">
+            <a:extLst>
+              <a:ext uri="{FF2B5EF4-FFF2-40B4-BE49-F238E27FC236}">
+                <a16:creationId xmlns:a16="http://schemas.microsoft.com/office/drawing/2014/main" id="{BDDCF9E9-4B43-DC4B-1ECD-EE60D96F69F8}"/>
               </a:ext>
             </a:extLst>
           </p:cNvPr>
@@ -4307,7 +6997,7 @@
         </p:nvSpPr>
         <p:spPr>
           <a:xfrm>
-            <a:off x="5948815" y="514347"/>
+            <a:off x="6015371" y="9432"/>
             <a:ext cx="567890" cy="492443"/>
           </a:xfrm>
           <a:prstGeom prst="rect">
@@ -4330,10 +7020,10 @@
       </p:sp>
       <p:sp>
         <p:nvSpPr>
-          <p:cNvPr id="14" name="TextBox 13">
-            <a:extLst>
-              <a:ext uri="{FF2B5EF4-FFF2-40B4-BE49-F238E27FC236}">
-                <a16:creationId xmlns:a16="http://schemas.microsoft.com/office/drawing/2014/main" id="{A510D92A-89A4-2D37-427D-556741393CFD}"/>
+          <p:cNvPr id="18" name="TextBox 17">
+            <a:extLst>
+              <a:ext uri="{FF2B5EF4-FFF2-40B4-BE49-F238E27FC236}">
+                <a16:creationId xmlns:a16="http://schemas.microsoft.com/office/drawing/2014/main" id="{27E12E0F-7501-F593-27CE-38FBDE7C6D08}"/>
               </a:ext>
             </a:extLst>
           </p:cNvPr>
@@ -4342,7 +7032,7 @@
         </p:nvSpPr>
         <p:spPr>
           <a:xfrm>
-            <a:off x="1865964" y="3182778"/>
+            <a:off x="725446" y="3182778"/>
             <a:ext cx="567890" cy="492443"/>
           </a:xfrm>
           <a:prstGeom prst="rect">
@@ -4365,10 +7055,10 @@
       </p:sp>
       <p:sp>
         <p:nvSpPr>
-          <p:cNvPr id="15" name="TextBox 14">
-            <a:extLst>
-              <a:ext uri="{FF2B5EF4-FFF2-40B4-BE49-F238E27FC236}">
-                <a16:creationId xmlns:a16="http://schemas.microsoft.com/office/drawing/2014/main" id="{9432FA2D-AE87-41A0-AAC1-6C99042110D5}"/>
+          <p:cNvPr id="19" name="TextBox 18">
+            <a:extLst>
+              <a:ext uri="{FF2B5EF4-FFF2-40B4-BE49-F238E27FC236}">
+                <a16:creationId xmlns:a16="http://schemas.microsoft.com/office/drawing/2014/main" id="{A50DB0D8-FCBD-7C9A-29FF-CAC563A48372}"/>
               </a:ext>
             </a:extLst>
           </p:cNvPr>
@@ -4401,7 +7091,7 @@
     </p:spTree>
     <p:extLst>
       <p:ext uri="{BB962C8B-B14F-4D97-AF65-F5344CB8AC3E}">
-        <p14:creationId xmlns:p14="http://schemas.microsoft.com/office/powerpoint/2010/main" val="4244934489"/>
+        <p14:creationId xmlns:p14="http://schemas.microsoft.com/office/powerpoint/2010/main" val="395692544"/>
       </p:ext>
     </p:extLst>
   </p:cSld>
@@ -4433,7 +7123,7 @@
           <p:cNvPr id="5" name="Picture 4">
             <a:extLst>
               <a:ext uri="{FF2B5EF4-FFF2-40B4-BE49-F238E27FC236}">
-                <a16:creationId xmlns:a16="http://schemas.microsoft.com/office/drawing/2014/main" id="{7EC87ACF-C4DB-D72B-45E6-ED0F37AEAC4B}"/>
+                <a16:creationId xmlns:a16="http://schemas.microsoft.com/office/drawing/2014/main" id="{9359E643-4EA6-481A-0F1B-91090F1C1FB1}"/>
               </a:ext>
             </a:extLst>
           </p:cNvPr>
@@ -4456,8 +7146,8 @@
         </p:blipFill>
         <p:spPr>
           <a:xfrm>
-            <a:off x="655110" y="367103"/>
-            <a:ext cx="4101720" cy="3171432"/>
+            <a:off x="6096000" y="243505"/>
+            <a:ext cx="3484422" cy="3270392"/>
           </a:xfrm>
           <a:prstGeom prst="rect">
             <a:avLst/>
@@ -4466,10 +7156,10 @@
       </p:pic>
       <p:pic>
         <p:nvPicPr>
-          <p:cNvPr id="9" name="Picture 8">
-            <a:extLst>
-              <a:ext uri="{FF2B5EF4-FFF2-40B4-BE49-F238E27FC236}">
-                <a16:creationId xmlns:a16="http://schemas.microsoft.com/office/drawing/2014/main" id="{98FF6F08-6C0C-78A3-3419-7E6750A6E5CD}"/>
+          <p:cNvPr id="7" name="Picture 6">
+            <a:extLst>
+              <a:ext uri="{FF2B5EF4-FFF2-40B4-BE49-F238E27FC236}">
+                <a16:creationId xmlns:a16="http://schemas.microsoft.com/office/drawing/2014/main" id="{5230933C-6B2C-B237-A33D-6A6900BB6E2B}"/>
               </a:ext>
             </a:extLst>
           </p:cNvPr>
@@ -4492,8 +7182,8 @@
         </p:blipFill>
         <p:spPr>
           <a:xfrm>
-            <a:off x="6776035" y="274074"/>
-            <a:ext cx="3991776" cy="3357489"/>
+            <a:off x="6096000" y="3522147"/>
+            <a:ext cx="3484422" cy="3270392"/>
           </a:xfrm>
           <a:prstGeom prst="rect">
             <a:avLst/>
@@ -4502,10 +7192,10 @@
       </p:pic>
       <p:pic>
         <p:nvPicPr>
-          <p:cNvPr id="11" name="Picture 10">
-            <a:extLst>
-              <a:ext uri="{FF2B5EF4-FFF2-40B4-BE49-F238E27FC236}">
-                <a16:creationId xmlns:a16="http://schemas.microsoft.com/office/drawing/2014/main" id="{73BAEAD8-A0BD-0FAC-89A5-6BF29BAD1CE9}"/>
+          <p:cNvPr id="9" name="Picture 8">
+            <a:extLst>
+              <a:ext uri="{FF2B5EF4-FFF2-40B4-BE49-F238E27FC236}">
+                <a16:creationId xmlns:a16="http://schemas.microsoft.com/office/drawing/2014/main" id="{FE89A01E-F791-4375-1110-38374F34279B}"/>
               </a:ext>
             </a:extLst>
           </p:cNvPr>
@@ -4528,8 +7218,8 @@
         </p:blipFill>
         <p:spPr>
           <a:xfrm>
-            <a:off x="3657932" y="3641189"/>
-            <a:ext cx="4651434" cy="3171432"/>
+            <a:off x="2611578" y="533598"/>
+            <a:ext cx="2561083" cy="2254137"/>
           </a:xfrm>
           <a:prstGeom prst="rect">
             <a:avLst/>
@@ -4538,10 +7228,10 @@
       </p:pic>
       <p:pic>
         <p:nvPicPr>
-          <p:cNvPr id="13" name="Picture 12">
-            <a:extLst>
-              <a:ext uri="{FF2B5EF4-FFF2-40B4-BE49-F238E27FC236}">
-                <a16:creationId xmlns:a16="http://schemas.microsoft.com/office/drawing/2014/main" id="{746540E9-85BD-FADE-054B-2E91C91DB499}"/>
+          <p:cNvPr id="11" name="Picture 10">
+            <a:extLst>
+              <a:ext uri="{FF2B5EF4-FFF2-40B4-BE49-F238E27FC236}">
+                <a16:creationId xmlns:a16="http://schemas.microsoft.com/office/drawing/2014/main" id="{639E4B7E-F0A1-CF6A-D991-B54B191B2C9D}"/>
               </a:ext>
             </a:extLst>
           </p:cNvPr>
@@ -4564,50 +7254,20 @@
         </p:blipFill>
         <p:spPr>
           <a:xfrm>
-            <a:off x="4670203" y="1184742"/>
-            <a:ext cx="1837623" cy="1010041"/>
+            <a:off x="1918117" y="3429000"/>
+            <a:ext cx="4177883" cy="3210464"/>
           </a:xfrm>
           <a:prstGeom prst="rect">
             <a:avLst/>
           </a:prstGeom>
         </p:spPr>
       </p:pic>
-      <p:pic>
-        <p:nvPicPr>
-          <p:cNvPr id="15" name="Picture 14">
-            <a:extLst>
-              <a:ext uri="{FF2B5EF4-FFF2-40B4-BE49-F238E27FC236}">
-                <a16:creationId xmlns:a16="http://schemas.microsoft.com/office/drawing/2014/main" id="{BFB78F09-3557-DEF2-6AF5-8A8A23FA574C}"/>
-              </a:ext>
-            </a:extLst>
-          </p:cNvPr>
-          <p:cNvPicPr>
-            <a:picLocks noChangeAspect="1"/>
-          </p:cNvPicPr>
-          <p:nvPr/>
-        </p:nvPicPr>
-        <p:blipFill>
-          <a:blip r:embed="rId6"/>
-          <a:stretch>
-            <a:fillRect/>
-          </a:stretch>
-        </p:blipFill>
-        <p:spPr>
-          <a:xfrm>
-            <a:off x="4729294" y="3895878"/>
-            <a:ext cx="1267244" cy="930382"/>
-          </a:xfrm>
-          <a:prstGeom prst="rect">
-            <a:avLst/>
-          </a:prstGeom>
-        </p:spPr>
-      </p:pic>
-      <p:sp>
-        <p:nvSpPr>
-          <p:cNvPr id="16" name="TextBox 15">
-            <a:extLst>
-              <a:ext uri="{FF2B5EF4-FFF2-40B4-BE49-F238E27FC236}">
-                <a16:creationId xmlns:a16="http://schemas.microsoft.com/office/drawing/2014/main" id="{6A565764-E13A-5029-F7D4-F8EE28C39356}"/>
+      <p:sp>
+        <p:nvSpPr>
+          <p:cNvPr id="12" name="TextBox 11">
+            <a:extLst>
+              <a:ext uri="{FF2B5EF4-FFF2-40B4-BE49-F238E27FC236}">
+                <a16:creationId xmlns:a16="http://schemas.microsoft.com/office/drawing/2014/main" id="{D2951D13-D7E6-513F-8CCF-390F30287F98}"/>
               </a:ext>
             </a:extLst>
           </p:cNvPr>
@@ -4616,7 +7276,7 @@
         </p:nvSpPr>
         <p:spPr>
           <a:xfrm>
-            <a:off x="655110" y="120881"/>
+            <a:off x="1865964" y="472806"/>
             <a:ext cx="567890" cy="492443"/>
           </a:xfrm>
           <a:prstGeom prst="rect">
@@ -4639,10 +7299,10 @@
       </p:sp>
       <p:sp>
         <p:nvSpPr>
-          <p:cNvPr id="17" name="TextBox 16">
-            <a:extLst>
-              <a:ext uri="{FF2B5EF4-FFF2-40B4-BE49-F238E27FC236}">
-                <a16:creationId xmlns:a16="http://schemas.microsoft.com/office/drawing/2014/main" id="{E867F6C7-DDEE-DFBD-A05E-F2B3B5D8C0B8}"/>
+          <p:cNvPr id="13" name="TextBox 12">
+            <a:extLst>
+              <a:ext uri="{FF2B5EF4-FFF2-40B4-BE49-F238E27FC236}">
+                <a16:creationId xmlns:a16="http://schemas.microsoft.com/office/drawing/2014/main" id="{E1C9750A-6D0B-72D2-1C17-CA5126053141}"/>
               </a:ext>
             </a:extLst>
           </p:cNvPr>
@@ -4651,7 +7311,7 @@
         </p:nvSpPr>
         <p:spPr>
           <a:xfrm>
-            <a:off x="6416886" y="120881"/>
+            <a:off x="5948815" y="514347"/>
             <a:ext cx="567890" cy="492443"/>
           </a:xfrm>
           <a:prstGeom prst="rect">
@@ -4674,10 +7334,10 @@
       </p:sp>
       <p:sp>
         <p:nvSpPr>
-          <p:cNvPr id="18" name="TextBox 17">
-            <a:extLst>
-              <a:ext uri="{FF2B5EF4-FFF2-40B4-BE49-F238E27FC236}">
-                <a16:creationId xmlns:a16="http://schemas.microsoft.com/office/drawing/2014/main" id="{04DBA29F-C8C6-0E5A-0175-33102EED84FE}"/>
+          <p:cNvPr id="14" name="TextBox 13">
+            <a:extLst>
+              <a:ext uri="{FF2B5EF4-FFF2-40B4-BE49-F238E27FC236}">
+                <a16:creationId xmlns:a16="http://schemas.microsoft.com/office/drawing/2014/main" id="{A510D92A-89A4-2D37-427D-556741393CFD}"/>
               </a:ext>
             </a:extLst>
           </p:cNvPr>
@@ -4686,7 +7346,7 @@
         </p:nvSpPr>
         <p:spPr>
           <a:xfrm>
-            <a:off x="3247264" y="3649656"/>
+            <a:off x="1865964" y="3182778"/>
             <a:ext cx="567890" cy="492443"/>
           </a:xfrm>
           <a:prstGeom prst="rect">
@@ -4707,10 +7367,45 @@
           </a:p>
         </p:txBody>
       </p:sp>
+      <p:sp>
+        <p:nvSpPr>
+          <p:cNvPr id="15" name="TextBox 14">
+            <a:extLst>
+              <a:ext uri="{FF2B5EF4-FFF2-40B4-BE49-F238E27FC236}">
+                <a16:creationId xmlns:a16="http://schemas.microsoft.com/office/drawing/2014/main" id="{9432FA2D-AE87-41A0-AAC1-6C99042110D5}"/>
+              </a:ext>
+            </a:extLst>
+          </p:cNvPr>
+          <p:cNvSpPr txBox="1"/>
+          <p:nvPr/>
+        </p:nvSpPr>
+        <p:spPr>
+          <a:xfrm>
+            <a:off x="5948815" y="3182778"/>
+            <a:ext cx="567890" cy="492443"/>
+          </a:xfrm>
+          <a:prstGeom prst="rect">
+            <a:avLst/>
+          </a:prstGeom>
+          <a:noFill/>
+        </p:spPr>
+        <p:txBody>
+          <a:bodyPr wrap="square" rtlCol="0">
+            <a:spAutoFit/>
+          </a:bodyPr>
+          <a:lstStyle/>
+          <a:p>
+            <a:r>
+              <a:rPr lang="en-IN" sz="2600" b="1" dirty="0"/>
+              <a:t>D</a:t>
+            </a:r>
+          </a:p>
+        </p:txBody>
+      </p:sp>
     </p:spTree>
     <p:extLst>
       <p:ext uri="{BB962C8B-B14F-4D97-AF65-F5344CB8AC3E}">
-        <p14:creationId xmlns:p14="http://schemas.microsoft.com/office/powerpoint/2010/main" val="2953468475"/>
+        <p14:creationId xmlns:p14="http://schemas.microsoft.com/office/powerpoint/2010/main" val="4244934489"/>
       </p:ext>
     </p:extLst>
   </p:cSld>
@@ -4742,7 +7437,7 @@
           <p:cNvPr id="5" name="Picture 4">
             <a:extLst>
               <a:ext uri="{FF2B5EF4-FFF2-40B4-BE49-F238E27FC236}">
-                <a16:creationId xmlns:a16="http://schemas.microsoft.com/office/drawing/2014/main" id="{BB02E594-52EE-F1F2-30CF-293F07ABD3A1}"/>
+                <a16:creationId xmlns:a16="http://schemas.microsoft.com/office/drawing/2014/main" id="{7EC87ACF-C4DB-D72B-45E6-ED0F37AEAC4B}"/>
               </a:ext>
             </a:extLst>
           </p:cNvPr>
@@ -4765,8 +7460,8 @@
         </p:blipFill>
         <p:spPr>
           <a:xfrm>
-            <a:off x="229934" y="243658"/>
-            <a:ext cx="2856169" cy="3197428"/>
+            <a:off x="655110" y="367103"/>
+            <a:ext cx="4101720" cy="3171432"/>
           </a:xfrm>
           <a:prstGeom prst="rect">
             <a:avLst/>
@@ -4775,10 +7470,10 @@
       </p:pic>
       <p:pic>
         <p:nvPicPr>
-          <p:cNvPr id="7" name="Picture 6">
-            <a:extLst>
-              <a:ext uri="{FF2B5EF4-FFF2-40B4-BE49-F238E27FC236}">
-                <a16:creationId xmlns:a16="http://schemas.microsoft.com/office/drawing/2014/main" id="{E2E77763-CCA1-03D2-5469-DD5D076F93C1}"/>
+          <p:cNvPr id="9" name="Picture 8">
+            <a:extLst>
+              <a:ext uri="{FF2B5EF4-FFF2-40B4-BE49-F238E27FC236}">
+                <a16:creationId xmlns:a16="http://schemas.microsoft.com/office/drawing/2014/main" id="{98FF6F08-6C0C-78A3-3419-7E6750A6E5CD}"/>
               </a:ext>
             </a:extLst>
           </p:cNvPr>
@@ -4801,8 +7496,8 @@
         </p:blipFill>
         <p:spPr>
           <a:xfrm>
-            <a:off x="3251136" y="266077"/>
-            <a:ext cx="3926262" cy="3244195"/>
+            <a:off x="6776035" y="274074"/>
+            <a:ext cx="3991776" cy="3357489"/>
           </a:xfrm>
           <a:prstGeom prst="rect">
             <a:avLst/>
@@ -4811,10 +7506,10 @@
       </p:pic>
       <p:pic>
         <p:nvPicPr>
-          <p:cNvPr id="9" name="Picture 8">
-            <a:extLst>
-              <a:ext uri="{FF2B5EF4-FFF2-40B4-BE49-F238E27FC236}">
-                <a16:creationId xmlns:a16="http://schemas.microsoft.com/office/drawing/2014/main" id="{40717933-366E-A242-AEC5-28FC9FCEBFD9}"/>
+          <p:cNvPr id="11" name="Picture 10">
+            <a:extLst>
+              <a:ext uri="{FF2B5EF4-FFF2-40B4-BE49-F238E27FC236}">
+                <a16:creationId xmlns:a16="http://schemas.microsoft.com/office/drawing/2014/main" id="{73BAEAD8-A0BD-0FAC-89A5-6BF29BAD1CE9}"/>
               </a:ext>
             </a:extLst>
           </p:cNvPr>
@@ -4837,8 +7532,8 @@
         </p:blipFill>
         <p:spPr>
           <a:xfrm>
-            <a:off x="7342431" y="269025"/>
-            <a:ext cx="3926262" cy="3244195"/>
+            <a:off x="3657932" y="3641189"/>
+            <a:ext cx="4651434" cy="3171432"/>
           </a:xfrm>
           <a:prstGeom prst="rect">
             <a:avLst/>
@@ -4847,10 +7542,10 @@
       </p:pic>
       <p:pic>
         <p:nvPicPr>
-          <p:cNvPr id="11" name="Picture 10">
-            <a:extLst>
-              <a:ext uri="{FF2B5EF4-FFF2-40B4-BE49-F238E27FC236}">
-                <a16:creationId xmlns:a16="http://schemas.microsoft.com/office/drawing/2014/main" id="{FB7939F9-BDC2-D1FA-49EB-DBD7CFDAC43E}"/>
+          <p:cNvPr id="13" name="Picture 12">
+            <a:extLst>
+              <a:ext uri="{FF2B5EF4-FFF2-40B4-BE49-F238E27FC236}">
+                <a16:creationId xmlns:a16="http://schemas.microsoft.com/office/drawing/2014/main" id="{746540E9-85BD-FADE-054B-2E91C91DB499}"/>
               </a:ext>
             </a:extLst>
           </p:cNvPr>
@@ -4873,8 +7568,8 @@
         </p:blipFill>
         <p:spPr>
           <a:xfrm>
-            <a:off x="10432275" y="1634129"/>
-            <a:ext cx="1117799" cy="867010"/>
+            <a:off x="4670203" y="1184742"/>
+            <a:ext cx="1837623" cy="1010041"/>
           </a:xfrm>
           <a:prstGeom prst="rect">
             <a:avLst/>
@@ -4886,7 +7581,7 @@
           <p:cNvPr id="15" name="Picture 14">
             <a:extLst>
               <a:ext uri="{FF2B5EF4-FFF2-40B4-BE49-F238E27FC236}">
-                <a16:creationId xmlns:a16="http://schemas.microsoft.com/office/drawing/2014/main" id="{F568118C-03E0-54FF-026A-DB1B3CAB1C87}"/>
+                <a16:creationId xmlns:a16="http://schemas.microsoft.com/office/drawing/2014/main" id="{BFB78F09-3557-DEF2-6AF5-8A8A23FA574C}"/>
               </a:ext>
             </a:extLst>
           </p:cNvPr>
@@ -4903,50 +7598,20 @@
         </p:blipFill>
         <p:spPr>
           <a:xfrm>
-            <a:off x="5648094" y="3683988"/>
-            <a:ext cx="5045573" cy="3079766"/>
+            <a:off x="4729294" y="3895878"/>
+            <a:ext cx="1267244" cy="930382"/>
           </a:xfrm>
           <a:prstGeom prst="rect">
             <a:avLst/>
           </a:prstGeom>
         </p:spPr>
       </p:pic>
-      <p:pic>
-        <p:nvPicPr>
-          <p:cNvPr id="17" name="Picture 16">
-            <a:extLst>
-              <a:ext uri="{FF2B5EF4-FFF2-40B4-BE49-F238E27FC236}">
-                <a16:creationId xmlns:a16="http://schemas.microsoft.com/office/drawing/2014/main" id="{0B28A43D-7175-A3BC-62C0-44BED1952FF2}"/>
-              </a:ext>
-            </a:extLst>
-          </p:cNvPr>
-          <p:cNvPicPr>
-            <a:picLocks noChangeAspect="1"/>
-          </p:cNvPicPr>
-          <p:nvPr/>
-        </p:nvPicPr>
-        <p:blipFill>
-          <a:blip r:embed="rId7"/>
-          <a:stretch>
-            <a:fillRect/>
-          </a:stretch>
-        </p:blipFill>
-        <p:spPr>
-          <a:xfrm>
-            <a:off x="1238607" y="3683988"/>
-            <a:ext cx="3718653" cy="3079766"/>
-          </a:xfrm>
-          <a:prstGeom prst="rect">
-            <a:avLst/>
-          </a:prstGeom>
-        </p:spPr>
-      </p:pic>
-      <p:sp>
-        <p:nvSpPr>
-          <p:cNvPr id="18" name="TextBox 17">
-            <a:extLst>
-              <a:ext uri="{FF2B5EF4-FFF2-40B4-BE49-F238E27FC236}">
-                <a16:creationId xmlns:a16="http://schemas.microsoft.com/office/drawing/2014/main" id="{B7949522-0BD1-D54B-A5FC-FDD9FA718377}"/>
+      <p:sp>
+        <p:nvSpPr>
+          <p:cNvPr id="16" name="TextBox 15">
+            <a:extLst>
+              <a:ext uri="{FF2B5EF4-FFF2-40B4-BE49-F238E27FC236}">
+                <a16:creationId xmlns:a16="http://schemas.microsoft.com/office/drawing/2014/main" id="{6A565764-E13A-5029-F7D4-F8EE28C39356}"/>
               </a:ext>
             </a:extLst>
           </p:cNvPr>
@@ -4955,7 +7620,7 @@
         </p:nvSpPr>
         <p:spPr>
           <a:xfrm>
-            <a:off x="335448" y="266077"/>
+            <a:off x="655110" y="120881"/>
             <a:ext cx="567890" cy="492443"/>
           </a:xfrm>
           <a:prstGeom prst="rect">
@@ -4978,10 +7643,10 @@
       </p:sp>
       <p:sp>
         <p:nvSpPr>
-          <p:cNvPr id="19" name="TextBox 18">
-            <a:extLst>
-              <a:ext uri="{FF2B5EF4-FFF2-40B4-BE49-F238E27FC236}">
-                <a16:creationId xmlns:a16="http://schemas.microsoft.com/office/drawing/2014/main" id="{4B3FEF74-A877-3105-C563-FDD2EBE5FBCB}"/>
+          <p:cNvPr id="17" name="TextBox 16">
+            <a:extLst>
+              <a:ext uri="{FF2B5EF4-FFF2-40B4-BE49-F238E27FC236}">
+                <a16:creationId xmlns:a16="http://schemas.microsoft.com/office/drawing/2014/main" id="{E867F6C7-DDEE-DFBD-A05E-F2B3B5D8C0B8}"/>
               </a:ext>
             </a:extLst>
           </p:cNvPr>
@@ -4990,7 +7655,7 @@
         </p:nvSpPr>
         <p:spPr>
           <a:xfrm>
-            <a:off x="3086103" y="243658"/>
+            <a:off x="6416886" y="120881"/>
             <a:ext cx="567890" cy="492443"/>
           </a:xfrm>
           <a:prstGeom prst="rect">
@@ -5013,10 +7678,10 @@
       </p:sp>
       <p:sp>
         <p:nvSpPr>
-          <p:cNvPr id="20" name="TextBox 19">
-            <a:extLst>
-              <a:ext uri="{FF2B5EF4-FFF2-40B4-BE49-F238E27FC236}">
-                <a16:creationId xmlns:a16="http://schemas.microsoft.com/office/drawing/2014/main" id="{1812716A-DD4C-5E2F-A98D-0561841031C3}"/>
+          <p:cNvPr id="18" name="TextBox 17">
+            <a:extLst>
+              <a:ext uri="{FF2B5EF4-FFF2-40B4-BE49-F238E27FC236}">
+                <a16:creationId xmlns:a16="http://schemas.microsoft.com/office/drawing/2014/main" id="{04DBA29F-C8C6-0E5A-0175-33102EED84FE}"/>
               </a:ext>
             </a:extLst>
           </p:cNvPr>
@@ -5025,7 +7690,7 @@
         </p:nvSpPr>
         <p:spPr>
           <a:xfrm>
-            <a:off x="7177398" y="205141"/>
+            <a:off x="3247264" y="3649656"/>
             <a:ext cx="567890" cy="492443"/>
           </a:xfrm>
           <a:prstGeom prst="rect">
@@ -5046,80 +7711,10 @@
           </a:p>
         </p:txBody>
       </p:sp>
-      <p:sp>
-        <p:nvSpPr>
-          <p:cNvPr id="21" name="TextBox 20">
-            <a:extLst>
-              <a:ext uri="{FF2B5EF4-FFF2-40B4-BE49-F238E27FC236}">
-                <a16:creationId xmlns:a16="http://schemas.microsoft.com/office/drawing/2014/main" id="{395D9377-77AD-642E-D041-67AB8CF2B30B}"/>
-              </a:ext>
-            </a:extLst>
-          </p:cNvPr>
-          <p:cNvSpPr txBox="1"/>
-          <p:nvPr/>
-        </p:nvSpPr>
-        <p:spPr>
-          <a:xfrm>
-            <a:off x="903338" y="3593227"/>
-            <a:ext cx="567890" cy="492443"/>
-          </a:xfrm>
-          <a:prstGeom prst="rect">
-            <a:avLst/>
-          </a:prstGeom>
-          <a:noFill/>
-        </p:spPr>
-        <p:txBody>
-          <a:bodyPr wrap="square" rtlCol="0">
-            <a:spAutoFit/>
-          </a:bodyPr>
-          <a:lstStyle/>
-          <a:p>
-            <a:r>
-              <a:rPr lang="en-IN" sz="2600" b="1" dirty="0"/>
-              <a:t>D</a:t>
-            </a:r>
-          </a:p>
-        </p:txBody>
-      </p:sp>
-      <p:sp>
-        <p:nvSpPr>
-          <p:cNvPr id="22" name="TextBox 21">
-            <a:extLst>
-              <a:ext uri="{FF2B5EF4-FFF2-40B4-BE49-F238E27FC236}">
-                <a16:creationId xmlns:a16="http://schemas.microsoft.com/office/drawing/2014/main" id="{3825F0E1-B643-0AF9-0737-574D9E03ACA2}"/>
-              </a:ext>
-            </a:extLst>
-          </p:cNvPr>
-          <p:cNvSpPr txBox="1"/>
-          <p:nvPr/>
-        </p:nvSpPr>
-        <p:spPr>
-          <a:xfrm>
-            <a:off x="5364149" y="3571208"/>
-            <a:ext cx="567890" cy="492443"/>
-          </a:xfrm>
-          <a:prstGeom prst="rect">
-            <a:avLst/>
-          </a:prstGeom>
-          <a:noFill/>
-        </p:spPr>
-        <p:txBody>
-          <a:bodyPr wrap="square" rtlCol="0">
-            <a:spAutoFit/>
-          </a:bodyPr>
-          <a:lstStyle/>
-          <a:p>
-            <a:r>
-              <a:rPr lang="en-IN" sz="2600" b="1" dirty="0"/>
-              <a:t>E</a:t>
-            </a:r>
-          </a:p>
-        </p:txBody>
-      </p:sp>
     </p:spTree>
     <p:extLst>
       <p:ext uri="{BB962C8B-B14F-4D97-AF65-F5344CB8AC3E}">
-        <p14:creationId xmlns:p14="http://schemas.microsoft.com/office/powerpoint/2010/main" val="1042294302"/>
+        <p14:creationId xmlns:p14="http://schemas.microsoft.com/office/powerpoint/2010/main" val="2953468475"/>
       </p:ext>
     </p:extLst>
   </p:cSld>
@@ -5151,7 +7746,7 @@
           <p:cNvPr id="5" name="Picture 4">
             <a:extLst>
               <a:ext uri="{FF2B5EF4-FFF2-40B4-BE49-F238E27FC236}">
-                <a16:creationId xmlns:a16="http://schemas.microsoft.com/office/drawing/2014/main" id="{E37D3DAD-F4A2-3308-0556-21DA0D1EFAD5}"/>
+                <a16:creationId xmlns:a16="http://schemas.microsoft.com/office/drawing/2014/main" id="{BB02E594-52EE-F1F2-30CF-293F07ABD3A1}"/>
               </a:ext>
             </a:extLst>
           </p:cNvPr>
@@ -5174,8 +7769,8 @@
         </p:blipFill>
         <p:spPr>
           <a:xfrm>
-            <a:off x="856968" y="642124"/>
-            <a:ext cx="2916136" cy="2303438"/>
+            <a:off x="229934" y="243658"/>
+            <a:ext cx="2856169" cy="3197428"/>
           </a:xfrm>
           <a:prstGeom prst="rect">
             <a:avLst/>
@@ -5187,7 +7782,7 @@
           <p:cNvPr id="7" name="Picture 6">
             <a:extLst>
               <a:ext uri="{FF2B5EF4-FFF2-40B4-BE49-F238E27FC236}">
-                <a16:creationId xmlns:a16="http://schemas.microsoft.com/office/drawing/2014/main" id="{3808D1B2-6F7E-7FE2-F592-DFC37508B0B1}"/>
+                <a16:creationId xmlns:a16="http://schemas.microsoft.com/office/drawing/2014/main" id="{E2E77763-CCA1-03D2-5469-DD5D076F93C1}"/>
               </a:ext>
             </a:extLst>
           </p:cNvPr>
@@ -5197,15 +7792,21 @@
           <p:nvPr/>
         </p:nvPicPr>
         <p:blipFill>
-          <a:blip r:embed="rId3"/>
+          <a:blip r:embed="rId3">
+            <a:extLst>
+              <a:ext uri="{28A0092B-C50C-407E-A947-70E740481C1C}">
+                <a14:useLocalDpi xmlns:a14="http://schemas.microsoft.com/office/drawing/2010/main" val="0"/>
+              </a:ext>
+            </a:extLst>
+          </a:blip>
           <a:stretch>
             <a:fillRect/>
           </a:stretch>
         </p:blipFill>
         <p:spPr>
           <a:xfrm>
-            <a:off x="3986432" y="506564"/>
-            <a:ext cx="3772791" cy="2872046"/>
+            <a:off x="3251136" y="266077"/>
+            <a:ext cx="3926262" cy="3244195"/>
           </a:xfrm>
           <a:prstGeom prst="rect">
             <a:avLst/>
@@ -5217,7 +7818,7 @@
           <p:cNvPr id="9" name="Picture 8">
             <a:extLst>
               <a:ext uri="{FF2B5EF4-FFF2-40B4-BE49-F238E27FC236}">
-                <a16:creationId xmlns:a16="http://schemas.microsoft.com/office/drawing/2014/main" id="{E22C2591-64B3-5477-9605-3F2F446517A0}"/>
+                <a16:creationId xmlns:a16="http://schemas.microsoft.com/office/drawing/2014/main" id="{40717933-366E-A242-AEC5-28FC9FCEBFD9}"/>
               </a:ext>
             </a:extLst>
           </p:cNvPr>
@@ -5227,15 +7828,21 @@
           <p:nvPr/>
         </p:nvPicPr>
         <p:blipFill>
-          <a:blip r:embed="rId4"/>
+          <a:blip r:embed="rId4">
+            <a:extLst>
+              <a:ext uri="{28A0092B-C50C-407E-A947-70E740481C1C}">
+                <a14:useLocalDpi xmlns:a14="http://schemas.microsoft.com/office/drawing/2010/main" val="0"/>
+              </a:ext>
+            </a:extLst>
+          </a:blip>
           <a:stretch>
             <a:fillRect/>
           </a:stretch>
         </p:blipFill>
         <p:spPr>
           <a:xfrm>
-            <a:off x="8084976" y="565629"/>
-            <a:ext cx="3772791" cy="2812981"/>
+            <a:off x="7342431" y="269025"/>
+            <a:ext cx="3926262" cy="3244195"/>
           </a:xfrm>
           <a:prstGeom prst="rect">
             <a:avLst/>
@@ -5247,7 +7854,7 @@
           <p:cNvPr id="11" name="Picture 10">
             <a:extLst>
               <a:ext uri="{FF2B5EF4-FFF2-40B4-BE49-F238E27FC236}">
-                <a16:creationId xmlns:a16="http://schemas.microsoft.com/office/drawing/2014/main" id="{F0811E01-109B-D41E-2CA1-93FE1E360F63}"/>
+                <a16:creationId xmlns:a16="http://schemas.microsoft.com/office/drawing/2014/main" id="{FB7939F9-BDC2-D1FA-49EB-DBD7CFDAC43E}"/>
               </a:ext>
             </a:extLst>
           </p:cNvPr>
@@ -5257,15 +7864,21 @@
           <p:nvPr/>
         </p:nvPicPr>
         <p:blipFill>
-          <a:blip r:embed="rId5"/>
+          <a:blip r:embed="rId5">
+            <a:extLst>
+              <a:ext uri="{28A0092B-C50C-407E-A947-70E740481C1C}">
+                <a14:useLocalDpi xmlns:a14="http://schemas.microsoft.com/office/drawing/2010/main" val="0"/>
+              </a:ext>
+            </a:extLst>
+          </a:blip>
           <a:stretch>
             <a:fillRect/>
           </a:stretch>
         </p:blipFill>
         <p:spPr>
           <a:xfrm>
-            <a:off x="287887" y="3543795"/>
-            <a:ext cx="3614662" cy="2891729"/>
+            <a:off x="10432275" y="1634129"/>
+            <a:ext cx="1117799" cy="867010"/>
           </a:xfrm>
           <a:prstGeom prst="rect">
             <a:avLst/>
@@ -5274,10 +7887,10 @@
       </p:pic>
       <p:pic>
         <p:nvPicPr>
-          <p:cNvPr id="13" name="Picture 12">
-            <a:extLst>
-              <a:ext uri="{FF2B5EF4-FFF2-40B4-BE49-F238E27FC236}">
-                <a16:creationId xmlns:a16="http://schemas.microsoft.com/office/drawing/2014/main" id="{447980CF-B127-6147-0774-C458009292E4}"/>
+          <p:cNvPr id="15" name="Picture 14">
+            <a:extLst>
+              <a:ext uri="{FF2B5EF4-FFF2-40B4-BE49-F238E27FC236}">
+                <a16:creationId xmlns:a16="http://schemas.microsoft.com/office/drawing/2014/main" id="{F568118C-03E0-54FF-026A-DB1B3CAB1C87}"/>
               </a:ext>
             </a:extLst>
           </p:cNvPr>
@@ -5294,8 +7907,8 @@
         </p:blipFill>
         <p:spPr>
           <a:xfrm>
-            <a:off x="4176005" y="3539030"/>
-            <a:ext cx="3037853" cy="3083998"/>
+            <a:off x="5648094" y="3683988"/>
+            <a:ext cx="5045573" cy="3079766"/>
           </a:xfrm>
           <a:prstGeom prst="rect">
             <a:avLst/>
@@ -5304,10 +7917,10 @@
       </p:pic>
       <p:pic>
         <p:nvPicPr>
-          <p:cNvPr id="15" name="Picture 14">
-            <a:extLst>
-              <a:ext uri="{FF2B5EF4-FFF2-40B4-BE49-F238E27FC236}">
-                <a16:creationId xmlns:a16="http://schemas.microsoft.com/office/drawing/2014/main" id="{BE47B824-A239-1AB3-B0CF-42EF76ADDD5A}"/>
+          <p:cNvPr id="17" name="Picture 16">
+            <a:extLst>
+              <a:ext uri="{FF2B5EF4-FFF2-40B4-BE49-F238E27FC236}">
+                <a16:creationId xmlns:a16="http://schemas.microsoft.com/office/drawing/2014/main" id="{0B28A43D-7175-A3BC-62C0-44BED1952FF2}"/>
               </a:ext>
             </a:extLst>
           </p:cNvPr>
@@ -5324,50 +7937,20 @@
         </p:blipFill>
         <p:spPr>
           <a:xfrm>
-            <a:off x="7454487" y="3700440"/>
-            <a:ext cx="4737513" cy="2907110"/>
+            <a:off x="1238607" y="3683988"/>
+            <a:ext cx="3718653" cy="3079766"/>
           </a:xfrm>
           <a:prstGeom prst="rect">
             <a:avLst/>
           </a:prstGeom>
         </p:spPr>
       </p:pic>
-      <p:pic>
-        <p:nvPicPr>
-          <p:cNvPr id="17" name="Picture 16">
-            <a:extLst>
-              <a:ext uri="{FF2B5EF4-FFF2-40B4-BE49-F238E27FC236}">
-                <a16:creationId xmlns:a16="http://schemas.microsoft.com/office/drawing/2014/main" id="{BA955622-F5D0-F6F3-940E-63E7CDFFE80C}"/>
-              </a:ext>
-            </a:extLst>
-          </p:cNvPr>
-          <p:cNvPicPr>
-            <a:picLocks noChangeAspect="1"/>
-          </p:cNvPicPr>
-          <p:nvPr/>
-        </p:nvPicPr>
-        <p:blipFill>
-          <a:blip r:embed="rId8"/>
-          <a:stretch>
-            <a:fillRect/>
-          </a:stretch>
-        </p:blipFill>
-        <p:spPr>
-          <a:xfrm>
-            <a:off x="1882509" y="3700440"/>
-            <a:ext cx="1454838" cy="705151"/>
-          </a:xfrm>
-          <a:prstGeom prst="rect">
-            <a:avLst/>
-          </a:prstGeom>
-        </p:spPr>
-      </p:pic>
       <p:sp>
         <p:nvSpPr>
           <p:cNvPr id="18" name="TextBox 17">
             <a:extLst>
               <a:ext uri="{FF2B5EF4-FFF2-40B4-BE49-F238E27FC236}">
-                <a16:creationId xmlns:a16="http://schemas.microsoft.com/office/drawing/2014/main" id="{2D0B7C86-5F6E-6F47-77AF-F0AD2D97F44A}"/>
+                <a16:creationId xmlns:a16="http://schemas.microsoft.com/office/drawing/2014/main" id="{B7949522-0BD1-D54B-A5FC-FDD9FA718377}"/>
               </a:ext>
             </a:extLst>
           </p:cNvPr>
@@ -5376,7 +7959,7 @@
         </p:nvSpPr>
         <p:spPr>
           <a:xfrm>
-            <a:off x="1134345" y="456838"/>
+            <a:off x="335448" y="266077"/>
             <a:ext cx="567890" cy="492443"/>
           </a:xfrm>
           <a:prstGeom prst="rect">
@@ -5402,7 +7985,7 @@
           <p:cNvPr id="19" name="TextBox 18">
             <a:extLst>
               <a:ext uri="{FF2B5EF4-FFF2-40B4-BE49-F238E27FC236}">
-                <a16:creationId xmlns:a16="http://schemas.microsoft.com/office/drawing/2014/main" id="{EA2E274B-9205-9247-51AE-A2BA2C4555DC}"/>
+                <a16:creationId xmlns:a16="http://schemas.microsoft.com/office/drawing/2014/main" id="{4B3FEF74-A877-3105-C563-FDD2EBE5FBCB}"/>
               </a:ext>
             </a:extLst>
           </p:cNvPr>
@@ -5411,7 +7994,7 @@
         </p:nvSpPr>
         <p:spPr>
           <a:xfrm>
-            <a:off x="3885000" y="434419"/>
+            <a:off x="3086103" y="243658"/>
             <a:ext cx="567890" cy="492443"/>
           </a:xfrm>
           <a:prstGeom prst="rect">
@@ -5437,7 +8020,7 @@
           <p:cNvPr id="20" name="TextBox 19">
             <a:extLst>
               <a:ext uri="{FF2B5EF4-FFF2-40B4-BE49-F238E27FC236}">
-                <a16:creationId xmlns:a16="http://schemas.microsoft.com/office/drawing/2014/main" id="{8B96AADE-00D6-DCE3-9E4F-F4A14A85D8F9}"/>
+                <a16:creationId xmlns:a16="http://schemas.microsoft.com/office/drawing/2014/main" id="{1812716A-DD4C-5E2F-A98D-0561841031C3}"/>
               </a:ext>
             </a:extLst>
           </p:cNvPr>
@@ -5446,7 +8029,7 @@
         </p:nvSpPr>
         <p:spPr>
           <a:xfrm>
-            <a:off x="7976295" y="395902"/>
+            <a:off x="7177398" y="205141"/>
             <a:ext cx="567890" cy="492443"/>
           </a:xfrm>
           <a:prstGeom prst="rect">
@@ -5472,7 +8055,7 @@
           <p:cNvPr id="21" name="TextBox 20">
             <a:extLst>
               <a:ext uri="{FF2B5EF4-FFF2-40B4-BE49-F238E27FC236}">
-                <a16:creationId xmlns:a16="http://schemas.microsoft.com/office/drawing/2014/main" id="{DEA1920C-C511-9A5F-D822-341D44080287}"/>
+                <a16:creationId xmlns:a16="http://schemas.microsoft.com/office/drawing/2014/main" id="{395D9377-77AD-642E-D041-67AB8CF2B30B}"/>
               </a:ext>
             </a:extLst>
           </p:cNvPr>
@@ -5481,7 +8064,7 @@
         </p:nvSpPr>
         <p:spPr>
           <a:xfrm>
-            <a:off x="334233" y="3314205"/>
+            <a:off x="903338" y="3593227"/>
             <a:ext cx="567890" cy="492443"/>
           </a:xfrm>
           <a:prstGeom prst="rect">
@@ -5507,7 +8090,7 @@
           <p:cNvPr id="22" name="TextBox 21">
             <a:extLst>
               <a:ext uri="{FF2B5EF4-FFF2-40B4-BE49-F238E27FC236}">
-                <a16:creationId xmlns:a16="http://schemas.microsoft.com/office/drawing/2014/main" id="{F9987213-A982-2D1C-4A6D-63A63735CE36}"/>
+                <a16:creationId xmlns:a16="http://schemas.microsoft.com/office/drawing/2014/main" id="{3825F0E1-B643-0AF9-0737-574D9E03ACA2}"/>
               </a:ext>
             </a:extLst>
           </p:cNvPr>
@@ -5516,7 +8099,7 @@
         </p:nvSpPr>
         <p:spPr>
           <a:xfrm>
-            <a:off x="3970473" y="3318970"/>
+            <a:off x="5364149" y="3571208"/>
             <a:ext cx="567890" cy="492443"/>
           </a:xfrm>
           <a:prstGeom prst="rect">
@@ -5537,207 +8120,10 @@
           </a:p>
         </p:txBody>
       </p:sp>
-      <p:sp>
-        <p:nvSpPr>
-          <p:cNvPr id="23" name="TextBox 22">
-            <a:extLst>
-              <a:ext uri="{FF2B5EF4-FFF2-40B4-BE49-F238E27FC236}">
-                <a16:creationId xmlns:a16="http://schemas.microsoft.com/office/drawing/2014/main" id="{309932E3-21E4-2CDE-E891-8B942E1DDC5A}"/>
-              </a:ext>
-            </a:extLst>
-          </p:cNvPr>
-          <p:cNvSpPr txBox="1"/>
-          <p:nvPr/>
-        </p:nvSpPr>
-        <p:spPr>
-          <a:xfrm>
-            <a:off x="7369694" y="3318970"/>
-            <a:ext cx="567890" cy="492443"/>
-          </a:xfrm>
-          <a:prstGeom prst="rect">
-            <a:avLst/>
-          </a:prstGeom>
-          <a:noFill/>
-        </p:spPr>
-        <p:txBody>
-          <a:bodyPr wrap="square" rtlCol="0">
-            <a:spAutoFit/>
-          </a:bodyPr>
-          <a:lstStyle/>
-          <a:p>
-            <a:r>
-              <a:rPr lang="en-IN" sz="2600" b="1" dirty="0"/>
-              <a:t>F</a:t>
-            </a:r>
-          </a:p>
-        </p:txBody>
-      </p:sp>
-      <p:sp>
-        <p:nvSpPr>
-          <p:cNvPr id="24" name="Arc 23">
-            <a:extLst>
-              <a:ext uri="{FF2B5EF4-FFF2-40B4-BE49-F238E27FC236}">
-                <a16:creationId xmlns:a16="http://schemas.microsoft.com/office/drawing/2014/main" id="{F22A6093-4ABE-18E9-F242-75374AA45E08}"/>
-              </a:ext>
-            </a:extLst>
-          </p:cNvPr>
-          <p:cNvSpPr/>
-          <p:nvPr/>
-        </p:nvSpPr>
-        <p:spPr>
-          <a:xfrm>
-            <a:off x="639896" y="1134567"/>
-            <a:ext cx="579686" cy="586200"/>
-          </a:xfrm>
-          <a:prstGeom prst="arc">
-            <a:avLst>
-              <a:gd name="adj1" fmla="val 5907434"/>
-              <a:gd name="adj2" fmla="val 0"/>
-            </a:avLst>
-          </a:prstGeom>
-          <a:ln>
-            <a:solidFill>
-              <a:schemeClr val="tx1"/>
-            </a:solidFill>
-            <a:headEnd type="triangle" w="med" len="lg"/>
-            <a:tailEnd type="none" w="med" len="lg"/>
-          </a:ln>
-        </p:spPr>
-        <p:style>
-          <a:lnRef idx="1">
-            <a:schemeClr val="accent1"/>
-          </a:lnRef>
-          <a:fillRef idx="0">
-            <a:schemeClr val="accent1"/>
-          </a:fillRef>
-          <a:effectRef idx="0">
-            <a:schemeClr val="accent1"/>
-          </a:effectRef>
-          <a:fontRef idx="minor">
-            <a:schemeClr val="tx1"/>
-          </a:fontRef>
-        </p:style>
-        <p:txBody>
-          <a:bodyPr rtlCol="0" anchor="ctr"/>
-          <a:lstStyle/>
-          <a:p>
-            <a:pPr algn="ctr"/>
-            <a:endParaRPr lang="en-IN"/>
-          </a:p>
-        </p:txBody>
-      </p:sp>
-      <p:sp>
-        <p:nvSpPr>
-          <p:cNvPr id="25" name="Arc 24">
-            <a:extLst>
-              <a:ext uri="{FF2B5EF4-FFF2-40B4-BE49-F238E27FC236}">
-                <a16:creationId xmlns:a16="http://schemas.microsoft.com/office/drawing/2014/main" id="{28084B15-759D-243C-BBBC-71E92CC029C4}"/>
-              </a:ext>
-            </a:extLst>
-          </p:cNvPr>
-          <p:cNvSpPr/>
-          <p:nvPr/>
-        </p:nvSpPr>
-        <p:spPr>
-          <a:xfrm rot="14179401">
-            <a:off x="1723048" y="1221921"/>
-            <a:ext cx="532664" cy="529583"/>
-          </a:xfrm>
-          <a:prstGeom prst="arc">
-            <a:avLst>
-              <a:gd name="adj1" fmla="val 6527086"/>
-              <a:gd name="adj2" fmla="val 345073"/>
-            </a:avLst>
-          </a:prstGeom>
-          <a:ln>
-            <a:solidFill>
-              <a:schemeClr val="tx1"/>
-            </a:solidFill>
-            <a:headEnd type="none" w="med" len="lg"/>
-            <a:tailEnd type="triangle" w="med" len="lg"/>
-          </a:ln>
-        </p:spPr>
-        <p:style>
-          <a:lnRef idx="1">
-            <a:schemeClr val="accent1"/>
-          </a:lnRef>
-          <a:fillRef idx="0">
-            <a:schemeClr val="accent1"/>
-          </a:fillRef>
-          <a:effectRef idx="0">
-            <a:schemeClr val="accent1"/>
-          </a:effectRef>
-          <a:fontRef idx="minor">
-            <a:schemeClr val="tx1"/>
-          </a:fontRef>
-        </p:style>
-        <p:txBody>
-          <a:bodyPr rtlCol="0" anchor="ctr"/>
-          <a:lstStyle/>
-          <a:p>
-            <a:pPr algn="ctr"/>
-            <a:endParaRPr lang="en-IN"/>
-          </a:p>
-        </p:txBody>
-      </p:sp>
-      <p:sp>
-        <p:nvSpPr>
-          <p:cNvPr id="26" name="Arc 25">
-            <a:extLst>
-              <a:ext uri="{FF2B5EF4-FFF2-40B4-BE49-F238E27FC236}">
-                <a16:creationId xmlns:a16="http://schemas.microsoft.com/office/drawing/2014/main" id="{B68EFFF2-9C16-2AF3-D8B6-C246D8680D75}"/>
-              </a:ext>
-            </a:extLst>
-          </p:cNvPr>
-          <p:cNvSpPr/>
-          <p:nvPr/>
-        </p:nvSpPr>
-        <p:spPr>
-          <a:xfrm>
-            <a:off x="1477278" y="2552897"/>
-            <a:ext cx="567890" cy="528356"/>
-          </a:xfrm>
-          <a:prstGeom prst="arc">
-            <a:avLst>
-              <a:gd name="adj1" fmla="val 914064"/>
-              <a:gd name="adj2" fmla="val 16183404"/>
-            </a:avLst>
-          </a:prstGeom>
-          <a:ln>
-            <a:solidFill>
-              <a:schemeClr val="tx1"/>
-            </a:solidFill>
-            <a:headEnd type="triangle" w="med" len="lg"/>
-            <a:tailEnd type="none" w="med" len="lg"/>
-          </a:ln>
-        </p:spPr>
-        <p:style>
-          <a:lnRef idx="1">
-            <a:schemeClr val="accent1"/>
-          </a:lnRef>
-          <a:fillRef idx="0">
-            <a:schemeClr val="accent1"/>
-          </a:fillRef>
-          <a:effectRef idx="0">
-            <a:schemeClr val="accent1"/>
-          </a:effectRef>
-          <a:fontRef idx="minor">
-            <a:schemeClr val="tx1"/>
-          </a:fontRef>
-        </p:style>
-        <p:txBody>
-          <a:bodyPr rtlCol="0" anchor="ctr"/>
-          <a:lstStyle/>
-          <a:p>
-            <a:pPr algn="ctr"/>
-            <a:endParaRPr lang="en-IN"/>
-          </a:p>
-        </p:txBody>
-      </p:sp>
     </p:spTree>
     <p:extLst>
       <p:ext uri="{BB962C8B-B14F-4D97-AF65-F5344CB8AC3E}">
-        <p14:creationId xmlns:p14="http://schemas.microsoft.com/office/powerpoint/2010/main" val="1710197227"/>
+        <p14:creationId xmlns:p14="http://schemas.microsoft.com/office/powerpoint/2010/main" val="1042294302"/>
       </p:ext>
     </p:extLst>
   </p:cSld>
@@ -5769,6 +8155,624 @@
           <p:cNvPr id="5" name="Picture 4">
             <a:extLst>
               <a:ext uri="{FF2B5EF4-FFF2-40B4-BE49-F238E27FC236}">
+                <a16:creationId xmlns:a16="http://schemas.microsoft.com/office/drawing/2014/main" id="{E37D3DAD-F4A2-3308-0556-21DA0D1EFAD5}"/>
+              </a:ext>
+            </a:extLst>
+          </p:cNvPr>
+          <p:cNvPicPr>
+            <a:picLocks noChangeAspect="1"/>
+          </p:cNvPicPr>
+          <p:nvPr/>
+        </p:nvPicPr>
+        <p:blipFill>
+          <a:blip r:embed="rId2">
+            <a:extLst>
+              <a:ext uri="{28A0092B-C50C-407E-A947-70E740481C1C}">
+                <a14:useLocalDpi xmlns:a14="http://schemas.microsoft.com/office/drawing/2010/main" val="0"/>
+              </a:ext>
+            </a:extLst>
+          </a:blip>
+          <a:stretch>
+            <a:fillRect/>
+          </a:stretch>
+        </p:blipFill>
+        <p:spPr>
+          <a:xfrm>
+            <a:off x="856968" y="642124"/>
+            <a:ext cx="2916136" cy="2303438"/>
+          </a:xfrm>
+          <a:prstGeom prst="rect">
+            <a:avLst/>
+          </a:prstGeom>
+        </p:spPr>
+      </p:pic>
+      <p:pic>
+        <p:nvPicPr>
+          <p:cNvPr id="7" name="Picture 6">
+            <a:extLst>
+              <a:ext uri="{FF2B5EF4-FFF2-40B4-BE49-F238E27FC236}">
+                <a16:creationId xmlns:a16="http://schemas.microsoft.com/office/drawing/2014/main" id="{3808D1B2-6F7E-7FE2-F592-DFC37508B0B1}"/>
+              </a:ext>
+            </a:extLst>
+          </p:cNvPr>
+          <p:cNvPicPr>
+            <a:picLocks noChangeAspect="1"/>
+          </p:cNvPicPr>
+          <p:nvPr/>
+        </p:nvPicPr>
+        <p:blipFill>
+          <a:blip r:embed="rId3"/>
+          <a:stretch>
+            <a:fillRect/>
+          </a:stretch>
+        </p:blipFill>
+        <p:spPr>
+          <a:xfrm>
+            <a:off x="3986432" y="506564"/>
+            <a:ext cx="3772791" cy="2872046"/>
+          </a:xfrm>
+          <a:prstGeom prst="rect">
+            <a:avLst/>
+          </a:prstGeom>
+        </p:spPr>
+      </p:pic>
+      <p:pic>
+        <p:nvPicPr>
+          <p:cNvPr id="9" name="Picture 8">
+            <a:extLst>
+              <a:ext uri="{FF2B5EF4-FFF2-40B4-BE49-F238E27FC236}">
+                <a16:creationId xmlns:a16="http://schemas.microsoft.com/office/drawing/2014/main" id="{E22C2591-64B3-5477-9605-3F2F446517A0}"/>
+              </a:ext>
+            </a:extLst>
+          </p:cNvPr>
+          <p:cNvPicPr>
+            <a:picLocks noChangeAspect="1"/>
+          </p:cNvPicPr>
+          <p:nvPr/>
+        </p:nvPicPr>
+        <p:blipFill>
+          <a:blip r:embed="rId4"/>
+          <a:stretch>
+            <a:fillRect/>
+          </a:stretch>
+        </p:blipFill>
+        <p:spPr>
+          <a:xfrm>
+            <a:off x="8084976" y="565629"/>
+            <a:ext cx="3772791" cy="2812981"/>
+          </a:xfrm>
+          <a:prstGeom prst="rect">
+            <a:avLst/>
+          </a:prstGeom>
+        </p:spPr>
+      </p:pic>
+      <p:pic>
+        <p:nvPicPr>
+          <p:cNvPr id="11" name="Picture 10">
+            <a:extLst>
+              <a:ext uri="{FF2B5EF4-FFF2-40B4-BE49-F238E27FC236}">
+                <a16:creationId xmlns:a16="http://schemas.microsoft.com/office/drawing/2014/main" id="{F0811E01-109B-D41E-2CA1-93FE1E360F63}"/>
+              </a:ext>
+            </a:extLst>
+          </p:cNvPr>
+          <p:cNvPicPr>
+            <a:picLocks noChangeAspect="1"/>
+          </p:cNvPicPr>
+          <p:nvPr/>
+        </p:nvPicPr>
+        <p:blipFill>
+          <a:blip r:embed="rId5"/>
+          <a:stretch>
+            <a:fillRect/>
+          </a:stretch>
+        </p:blipFill>
+        <p:spPr>
+          <a:xfrm>
+            <a:off x="287887" y="3543795"/>
+            <a:ext cx="3614662" cy="2891729"/>
+          </a:xfrm>
+          <a:prstGeom prst="rect">
+            <a:avLst/>
+          </a:prstGeom>
+        </p:spPr>
+      </p:pic>
+      <p:pic>
+        <p:nvPicPr>
+          <p:cNvPr id="13" name="Picture 12">
+            <a:extLst>
+              <a:ext uri="{FF2B5EF4-FFF2-40B4-BE49-F238E27FC236}">
+                <a16:creationId xmlns:a16="http://schemas.microsoft.com/office/drawing/2014/main" id="{447980CF-B127-6147-0774-C458009292E4}"/>
+              </a:ext>
+            </a:extLst>
+          </p:cNvPr>
+          <p:cNvPicPr>
+            <a:picLocks noChangeAspect="1"/>
+          </p:cNvPicPr>
+          <p:nvPr/>
+        </p:nvPicPr>
+        <p:blipFill>
+          <a:blip r:embed="rId6"/>
+          <a:stretch>
+            <a:fillRect/>
+          </a:stretch>
+        </p:blipFill>
+        <p:spPr>
+          <a:xfrm>
+            <a:off x="4176005" y="3539030"/>
+            <a:ext cx="3037853" cy="3083998"/>
+          </a:xfrm>
+          <a:prstGeom prst="rect">
+            <a:avLst/>
+          </a:prstGeom>
+        </p:spPr>
+      </p:pic>
+      <p:pic>
+        <p:nvPicPr>
+          <p:cNvPr id="15" name="Picture 14">
+            <a:extLst>
+              <a:ext uri="{FF2B5EF4-FFF2-40B4-BE49-F238E27FC236}">
+                <a16:creationId xmlns:a16="http://schemas.microsoft.com/office/drawing/2014/main" id="{BE47B824-A239-1AB3-B0CF-42EF76ADDD5A}"/>
+              </a:ext>
+            </a:extLst>
+          </p:cNvPr>
+          <p:cNvPicPr>
+            <a:picLocks noChangeAspect="1"/>
+          </p:cNvPicPr>
+          <p:nvPr/>
+        </p:nvPicPr>
+        <p:blipFill>
+          <a:blip r:embed="rId7"/>
+          <a:stretch>
+            <a:fillRect/>
+          </a:stretch>
+        </p:blipFill>
+        <p:spPr>
+          <a:xfrm>
+            <a:off x="7454487" y="3700440"/>
+            <a:ext cx="4737513" cy="2907110"/>
+          </a:xfrm>
+          <a:prstGeom prst="rect">
+            <a:avLst/>
+          </a:prstGeom>
+        </p:spPr>
+      </p:pic>
+      <p:pic>
+        <p:nvPicPr>
+          <p:cNvPr id="17" name="Picture 16">
+            <a:extLst>
+              <a:ext uri="{FF2B5EF4-FFF2-40B4-BE49-F238E27FC236}">
+                <a16:creationId xmlns:a16="http://schemas.microsoft.com/office/drawing/2014/main" id="{BA955622-F5D0-F6F3-940E-63E7CDFFE80C}"/>
+              </a:ext>
+            </a:extLst>
+          </p:cNvPr>
+          <p:cNvPicPr>
+            <a:picLocks noChangeAspect="1"/>
+          </p:cNvPicPr>
+          <p:nvPr/>
+        </p:nvPicPr>
+        <p:blipFill>
+          <a:blip r:embed="rId8"/>
+          <a:stretch>
+            <a:fillRect/>
+          </a:stretch>
+        </p:blipFill>
+        <p:spPr>
+          <a:xfrm>
+            <a:off x="1882509" y="3700440"/>
+            <a:ext cx="1454838" cy="705151"/>
+          </a:xfrm>
+          <a:prstGeom prst="rect">
+            <a:avLst/>
+          </a:prstGeom>
+        </p:spPr>
+      </p:pic>
+      <p:sp>
+        <p:nvSpPr>
+          <p:cNvPr id="18" name="TextBox 17">
+            <a:extLst>
+              <a:ext uri="{FF2B5EF4-FFF2-40B4-BE49-F238E27FC236}">
+                <a16:creationId xmlns:a16="http://schemas.microsoft.com/office/drawing/2014/main" id="{2D0B7C86-5F6E-6F47-77AF-F0AD2D97F44A}"/>
+              </a:ext>
+            </a:extLst>
+          </p:cNvPr>
+          <p:cNvSpPr txBox="1"/>
+          <p:nvPr/>
+        </p:nvSpPr>
+        <p:spPr>
+          <a:xfrm>
+            <a:off x="1134345" y="456838"/>
+            <a:ext cx="567890" cy="492443"/>
+          </a:xfrm>
+          <a:prstGeom prst="rect">
+            <a:avLst/>
+          </a:prstGeom>
+          <a:noFill/>
+        </p:spPr>
+        <p:txBody>
+          <a:bodyPr wrap="square" rtlCol="0">
+            <a:spAutoFit/>
+          </a:bodyPr>
+          <a:lstStyle/>
+          <a:p>
+            <a:r>
+              <a:rPr lang="en-IN" sz="2600" b="1" dirty="0"/>
+              <a:t>A</a:t>
+            </a:r>
+          </a:p>
+        </p:txBody>
+      </p:sp>
+      <p:sp>
+        <p:nvSpPr>
+          <p:cNvPr id="19" name="TextBox 18">
+            <a:extLst>
+              <a:ext uri="{FF2B5EF4-FFF2-40B4-BE49-F238E27FC236}">
+                <a16:creationId xmlns:a16="http://schemas.microsoft.com/office/drawing/2014/main" id="{EA2E274B-9205-9247-51AE-A2BA2C4555DC}"/>
+              </a:ext>
+            </a:extLst>
+          </p:cNvPr>
+          <p:cNvSpPr txBox="1"/>
+          <p:nvPr/>
+        </p:nvSpPr>
+        <p:spPr>
+          <a:xfrm>
+            <a:off x="3885000" y="434419"/>
+            <a:ext cx="567890" cy="492443"/>
+          </a:xfrm>
+          <a:prstGeom prst="rect">
+            <a:avLst/>
+          </a:prstGeom>
+          <a:noFill/>
+        </p:spPr>
+        <p:txBody>
+          <a:bodyPr wrap="square" rtlCol="0">
+            <a:spAutoFit/>
+          </a:bodyPr>
+          <a:lstStyle/>
+          <a:p>
+            <a:r>
+              <a:rPr lang="en-IN" sz="2600" b="1" dirty="0"/>
+              <a:t>B</a:t>
+            </a:r>
+          </a:p>
+        </p:txBody>
+      </p:sp>
+      <p:sp>
+        <p:nvSpPr>
+          <p:cNvPr id="20" name="TextBox 19">
+            <a:extLst>
+              <a:ext uri="{FF2B5EF4-FFF2-40B4-BE49-F238E27FC236}">
+                <a16:creationId xmlns:a16="http://schemas.microsoft.com/office/drawing/2014/main" id="{8B96AADE-00D6-DCE3-9E4F-F4A14A85D8F9}"/>
+              </a:ext>
+            </a:extLst>
+          </p:cNvPr>
+          <p:cNvSpPr txBox="1"/>
+          <p:nvPr/>
+        </p:nvSpPr>
+        <p:spPr>
+          <a:xfrm>
+            <a:off x="7976295" y="395902"/>
+            <a:ext cx="567890" cy="492443"/>
+          </a:xfrm>
+          <a:prstGeom prst="rect">
+            <a:avLst/>
+          </a:prstGeom>
+          <a:noFill/>
+        </p:spPr>
+        <p:txBody>
+          <a:bodyPr wrap="square" rtlCol="0">
+            <a:spAutoFit/>
+          </a:bodyPr>
+          <a:lstStyle/>
+          <a:p>
+            <a:r>
+              <a:rPr lang="en-IN" sz="2600" b="1" dirty="0"/>
+              <a:t>C</a:t>
+            </a:r>
+          </a:p>
+        </p:txBody>
+      </p:sp>
+      <p:sp>
+        <p:nvSpPr>
+          <p:cNvPr id="21" name="TextBox 20">
+            <a:extLst>
+              <a:ext uri="{FF2B5EF4-FFF2-40B4-BE49-F238E27FC236}">
+                <a16:creationId xmlns:a16="http://schemas.microsoft.com/office/drawing/2014/main" id="{DEA1920C-C511-9A5F-D822-341D44080287}"/>
+              </a:ext>
+            </a:extLst>
+          </p:cNvPr>
+          <p:cNvSpPr txBox="1"/>
+          <p:nvPr/>
+        </p:nvSpPr>
+        <p:spPr>
+          <a:xfrm>
+            <a:off x="334233" y="3314205"/>
+            <a:ext cx="567890" cy="492443"/>
+          </a:xfrm>
+          <a:prstGeom prst="rect">
+            <a:avLst/>
+          </a:prstGeom>
+          <a:noFill/>
+        </p:spPr>
+        <p:txBody>
+          <a:bodyPr wrap="square" rtlCol="0">
+            <a:spAutoFit/>
+          </a:bodyPr>
+          <a:lstStyle/>
+          <a:p>
+            <a:r>
+              <a:rPr lang="en-IN" sz="2600" b="1" dirty="0"/>
+              <a:t>D</a:t>
+            </a:r>
+          </a:p>
+        </p:txBody>
+      </p:sp>
+      <p:sp>
+        <p:nvSpPr>
+          <p:cNvPr id="22" name="TextBox 21">
+            <a:extLst>
+              <a:ext uri="{FF2B5EF4-FFF2-40B4-BE49-F238E27FC236}">
+                <a16:creationId xmlns:a16="http://schemas.microsoft.com/office/drawing/2014/main" id="{F9987213-A982-2D1C-4A6D-63A63735CE36}"/>
+              </a:ext>
+            </a:extLst>
+          </p:cNvPr>
+          <p:cNvSpPr txBox="1"/>
+          <p:nvPr/>
+        </p:nvSpPr>
+        <p:spPr>
+          <a:xfrm>
+            <a:off x="3970473" y="3318970"/>
+            <a:ext cx="567890" cy="492443"/>
+          </a:xfrm>
+          <a:prstGeom prst="rect">
+            <a:avLst/>
+          </a:prstGeom>
+          <a:noFill/>
+        </p:spPr>
+        <p:txBody>
+          <a:bodyPr wrap="square" rtlCol="0">
+            <a:spAutoFit/>
+          </a:bodyPr>
+          <a:lstStyle/>
+          <a:p>
+            <a:r>
+              <a:rPr lang="en-IN" sz="2600" b="1" dirty="0"/>
+              <a:t>E</a:t>
+            </a:r>
+          </a:p>
+        </p:txBody>
+      </p:sp>
+      <p:sp>
+        <p:nvSpPr>
+          <p:cNvPr id="23" name="TextBox 22">
+            <a:extLst>
+              <a:ext uri="{FF2B5EF4-FFF2-40B4-BE49-F238E27FC236}">
+                <a16:creationId xmlns:a16="http://schemas.microsoft.com/office/drawing/2014/main" id="{309932E3-21E4-2CDE-E891-8B942E1DDC5A}"/>
+              </a:ext>
+            </a:extLst>
+          </p:cNvPr>
+          <p:cNvSpPr txBox="1"/>
+          <p:nvPr/>
+        </p:nvSpPr>
+        <p:spPr>
+          <a:xfrm>
+            <a:off x="7369694" y="3318970"/>
+            <a:ext cx="567890" cy="492443"/>
+          </a:xfrm>
+          <a:prstGeom prst="rect">
+            <a:avLst/>
+          </a:prstGeom>
+          <a:noFill/>
+        </p:spPr>
+        <p:txBody>
+          <a:bodyPr wrap="square" rtlCol="0">
+            <a:spAutoFit/>
+          </a:bodyPr>
+          <a:lstStyle/>
+          <a:p>
+            <a:r>
+              <a:rPr lang="en-IN" sz="2600" b="1" dirty="0"/>
+              <a:t>F</a:t>
+            </a:r>
+          </a:p>
+        </p:txBody>
+      </p:sp>
+      <p:sp>
+        <p:nvSpPr>
+          <p:cNvPr id="24" name="Arc 23">
+            <a:extLst>
+              <a:ext uri="{FF2B5EF4-FFF2-40B4-BE49-F238E27FC236}">
+                <a16:creationId xmlns:a16="http://schemas.microsoft.com/office/drawing/2014/main" id="{F22A6093-4ABE-18E9-F242-75374AA45E08}"/>
+              </a:ext>
+            </a:extLst>
+          </p:cNvPr>
+          <p:cNvSpPr/>
+          <p:nvPr/>
+        </p:nvSpPr>
+        <p:spPr>
+          <a:xfrm>
+            <a:off x="639896" y="1134567"/>
+            <a:ext cx="579686" cy="586200"/>
+          </a:xfrm>
+          <a:prstGeom prst="arc">
+            <a:avLst>
+              <a:gd name="adj1" fmla="val 5907434"/>
+              <a:gd name="adj2" fmla="val 0"/>
+            </a:avLst>
+          </a:prstGeom>
+          <a:ln>
+            <a:solidFill>
+              <a:schemeClr val="tx1"/>
+            </a:solidFill>
+            <a:headEnd type="triangle" w="med" len="lg"/>
+            <a:tailEnd type="none" w="med" len="lg"/>
+          </a:ln>
+        </p:spPr>
+        <p:style>
+          <a:lnRef idx="1">
+            <a:schemeClr val="accent1"/>
+          </a:lnRef>
+          <a:fillRef idx="0">
+            <a:schemeClr val="accent1"/>
+          </a:fillRef>
+          <a:effectRef idx="0">
+            <a:schemeClr val="accent1"/>
+          </a:effectRef>
+          <a:fontRef idx="minor">
+            <a:schemeClr val="tx1"/>
+          </a:fontRef>
+        </p:style>
+        <p:txBody>
+          <a:bodyPr rtlCol="0" anchor="ctr"/>
+          <a:lstStyle/>
+          <a:p>
+            <a:pPr algn="ctr"/>
+            <a:endParaRPr lang="en-IN"/>
+          </a:p>
+        </p:txBody>
+      </p:sp>
+      <p:sp>
+        <p:nvSpPr>
+          <p:cNvPr id="25" name="Arc 24">
+            <a:extLst>
+              <a:ext uri="{FF2B5EF4-FFF2-40B4-BE49-F238E27FC236}">
+                <a16:creationId xmlns:a16="http://schemas.microsoft.com/office/drawing/2014/main" id="{28084B15-759D-243C-BBBC-71E92CC029C4}"/>
+              </a:ext>
+            </a:extLst>
+          </p:cNvPr>
+          <p:cNvSpPr/>
+          <p:nvPr/>
+        </p:nvSpPr>
+        <p:spPr>
+          <a:xfrm rot="14179401">
+            <a:off x="1723048" y="1221921"/>
+            <a:ext cx="532664" cy="529583"/>
+          </a:xfrm>
+          <a:prstGeom prst="arc">
+            <a:avLst>
+              <a:gd name="adj1" fmla="val 6527086"/>
+              <a:gd name="adj2" fmla="val 345073"/>
+            </a:avLst>
+          </a:prstGeom>
+          <a:ln>
+            <a:solidFill>
+              <a:schemeClr val="tx1"/>
+            </a:solidFill>
+            <a:headEnd type="none" w="med" len="lg"/>
+            <a:tailEnd type="triangle" w="med" len="lg"/>
+          </a:ln>
+        </p:spPr>
+        <p:style>
+          <a:lnRef idx="1">
+            <a:schemeClr val="accent1"/>
+          </a:lnRef>
+          <a:fillRef idx="0">
+            <a:schemeClr val="accent1"/>
+          </a:fillRef>
+          <a:effectRef idx="0">
+            <a:schemeClr val="accent1"/>
+          </a:effectRef>
+          <a:fontRef idx="minor">
+            <a:schemeClr val="tx1"/>
+          </a:fontRef>
+        </p:style>
+        <p:txBody>
+          <a:bodyPr rtlCol="0" anchor="ctr"/>
+          <a:lstStyle/>
+          <a:p>
+            <a:pPr algn="ctr"/>
+            <a:endParaRPr lang="en-IN"/>
+          </a:p>
+        </p:txBody>
+      </p:sp>
+      <p:sp>
+        <p:nvSpPr>
+          <p:cNvPr id="26" name="Arc 25">
+            <a:extLst>
+              <a:ext uri="{FF2B5EF4-FFF2-40B4-BE49-F238E27FC236}">
+                <a16:creationId xmlns:a16="http://schemas.microsoft.com/office/drawing/2014/main" id="{B68EFFF2-9C16-2AF3-D8B6-C246D8680D75}"/>
+              </a:ext>
+            </a:extLst>
+          </p:cNvPr>
+          <p:cNvSpPr/>
+          <p:nvPr/>
+        </p:nvSpPr>
+        <p:spPr>
+          <a:xfrm>
+            <a:off x="1477278" y="2552897"/>
+            <a:ext cx="567890" cy="528356"/>
+          </a:xfrm>
+          <a:prstGeom prst="arc">
+            <a:avLst>
+              <a:gd name="adj1" fmla="val 914064"/>
+              <a:gd name="adj2" fmla="val 16183404"/>
+            </a:avLst>
+          </a:prstGeom>
+          <a:ln>
+            <a:solidFill>
+              <a:schemeClr val="tx1"/>
+            </a:solidFill>
+            <a:headEnd type="triangle" w="med" len="lg"/>
+            <a:tailEnd type="none" w="med" len="lg"/>
+          </a:ln>
+        </p:spPr>
+        <p:style>
+          <a:lnRef idx="1">
+            <a:schemeClr val="accent1"/>
+          </a:lnRef>
+          <a:fillRef idx="0">
+            <a:schemeClr val="accent1"/>
+          </a:fillRef>
+          <a:effectRef idx="0">
+            <a:schemeClr val="accent1"/>
+          </a:effectRef>
+          <a:fontRef idx="minor">
+            <a:schemeClr val="tx1"/>
+          </a:fontRef>
+        </p:style>
+        <p:txBody>
+          <a:bodyPr rtlCol="0" anchor="ctr"/>
+          <a:lstStyle/>
+          <a:p>
+            <a:pPr algn="ctr"/>
+            <a:endParaRPr lang="en-IN"/>
+          </a:p>
+        </p:txBody>
+      </p:sp>
+    </p:spTree>
+    <p:extLst>
+      <p:ext uri="{BB962C8B-B14F-4D97-AF65-F5344CB8AC3E}">
+        <p14:creationId xmlns:p14="http://schemas.microsoft.com/office/powerpoint/2010/main" val="1710197227"/>
+      </p:ext>
+    </p:extLst>
+  </p:cSld>
+  <p:clrMapOvr>
+    <a:masterClrMapping/>
+  </p:clrMapOvr>
+</p:sld>
+</file>
+
+<file path=ppt/slides/slide8.xml><?xml version="1.0" encoding="utf-8"?>
+<p:sld xmlns:a="http://schemas.openxmlformats.org/drawingml/2006/main" xmlns:r="http://schemas.openxmlformats.org/officeDocument/2006/relationships" xmlns:p="http://schemas.openxmlformats.org/presentationml/2006/main">
+  <p:cSld>
+    <p:spTree>
+      <p:nvGrpSpPr>
+        <p:cNvPr id="1" name=""/>
+        <p:cNvGrpSpPr/>
+        <p:nvPr/>
+      </p:nvGrpSpPr>
+      <p:grpSpPr>
+        <a:xfrm>
+          <a:off x="0" y="0"/>
+          <a:ext cx="0" cy="0"/>
+          <a:chOff x="0" y="0"/>
+          <a:chExt cx="0" cy="0"/>
+        </a:xfrm>
+      </p:grpSpPr>
+      <p:pic>
+        <p:nvPicPr>
+          <p:cNvPr id="5" name="Picture 4">
+            <a:extLst>
+              <a:ext uri="{FF2B5EF4-FFF2-40B4-BE49-F238E27FC236}">
                 <a16:creationId xmlns:a16="http://schemas.microsoft.com/office/drawing/2014/main" id="{4366B4C5-EFD8-B467-741F-113ECB981AF4}"/>
               </a:ext>
             </a:extLst>
@@ -6008,7 +9012,7 @@
 </p:sld>
 </file>
 
-<file path=ppt/slides/slide8.xml><?xml version="1.0" encoding="utf-8"?>
+<file path=ppt/slides/slide9.xml><?xml version="1.0" encoding="utf-8"?>
 <p:sld xmlns:a="http://schemas.openxmlformats.org/drawingml/2006/main" xmlns:r="http://schemas.openxmlformats.org/officeDocument/2006/relationships" xmlns:p="http://schemas.openxmlformats.org/presentationml/2006/main">
   <p:cSld>
     <p:spTree>

--- a/writing/figures_thesis/figures_all.pptx
+++ b/writing/figures_thesis/figures_all.pptx
@@ -6411,7 +6411,7 @@
         </p:blipFill>
         <p:spPr>
           <a:xfrm>
-            <a:off x="4446872" y="442916"/>
+            <a:off x="4531164" y="3621670"/>
             <a:ext cx="3337298" cy="3192568"/>
           </a:xfrm>
           <a:prstGeom prst="rect">
@@ -6441,7 +6441,7 @@
         </p:blipFill>
         <p:spPr>
           <a:xfrm>
-            <a:off x="4599272" y="3635484"/>
+            <a:off x="4667380" y="380958"/>
             <a:ext cx="3201082" cy="3192568"/>
           </a:xfrm>
           <a:prstGeom prst="rect">

--- a/writing/figures_thesis/figures_all.pptx
+++ b/writing/figures_thesis/figures_all.pptx
@@ -269,7 +269,7 @@
           <a:p>
             <a:fld id="{A4473EAB-BD50-4422-9832-0AC149E5474B}" type="datetimeFigureOut">
               <a:rPr lang="en-IN" smtClean="0"/>
-              <a:t>27-09-2023</a:t>
+              <a:t>30-09-2023</a:t>
             </a:fld>
             <a:endParaRPr lang="en-IN"/>
           </a:p>
@@ -469,7 +469,7 @@
           <a:p>
             <a:fld id="{A4473EAB-BD50-4422-9832-0AC149E5474B}" type="datetimeFigureOut">
               <a:rPr lang="en-IN" smtClean="0"/>
-              <a:t>27-09-2023</a:t>
+              <a:t>30-09-2023</a:t>
             </a:fld>
             <a:endParaRPr lang="en-IN"/>
           </a:p>
@@ -679,7 +679,7 @@
           <a:p>
             <a:fld id="{A4473EAB-BD50-4422-9832-0AC149E5474B}" type="datetimeFigureOut">
               <a:rPr lang="en-IN" smtClean="0"/>
-              <a:t>27-09-2023</a:t>
+              <a:t>30-09-2023</a:t>
             </a:fld>
             <a:endParaRPr lang="en-IN"/>
           </a:p>
@@ -879,7 +879,7 @@
           <a:p>
             <a:fld id="{A4473EAB-BD50-4422-9832-0AC149E5474B}" type="datetimeFigureOut">
               <a:rPr lang="en-IN" smtClean="0"/>
-              <a:t>27-09-2023</a:t>
+              <a:t>30-09-2023</a:t>
             </a:fld>
             <a:endParaRPr lang="en-IN"/>
           </a:p>
@@ -1155,7 +1155,7 @@
           <a:p>
             <a:fld id="{A4473EAB-BD50-4422-9832-0AC149E5474B}" type="datetimeFigureOut">
               <a:rPr lang="en-IN" smtClean="0"/>
-              <a:t>27-09-2023</a:t>
+              <a:t>30-09-2023</a:t>
             </a:fld>
             <a:endParaRPr lang="en-IN"/>
           </a:p>
@@ -1423,7 +1423,7 @@
           <a:p>
             <a:fld id="{A4473EAB-BD50-4422-9832-0AC149E5474B}" type="datetimeFigureOut">
               <a:rPr lang="en-IN" smtClean="0"/>
-              <a:t>27-09-2023</a:t>
+              <a:t>30-09-2023</a:t>
             </a:fld>
             <a:endParaRPr lang="en-IN"/>
           </a:p>
@@ -1838,7 +1838,7 @@
           <a:p>
             <a:fld id="{A4473EAB-BD50-4422-9832-0AC149E5474B}" type="datetimeFigureOut">
               <a:rPr lang="en-IN" smtClean="0"/>
-              <a:t>27-09-2023</a:t>
+              <a:t>30-09-2023</a:t>
             </a:fld>
             <a:endParaRPr lang="en-IN"/>
           </a:p>
@@ -1980,7 +1980,7 @@
           <a:p>
             <a:fld id="{A4473EAB-BD50-4422-9832-0AC149E5474B}" type="datetimeFigureOut">
               <a:rPr lang="en-IN" smtClean="0"/>
-              <a:t>27-09-2023</a:t>
+              <a:t>30-09-2023</a:t>
             </a:fld>
             <a:endParaRPr lang="en-IN"/>
           </a:p>
@@ -2093,7 +2093,7 @@
           <a:p>
             <a:fld id="{A4473EAB-BD50-4422-9832-0AC149E5474B}" type="datetimeFigureOut">
               <a:rPr lang="en-IN" smtClean="0"/>
-              <a:t>27-09-2023</a:t>
+              <a:t>30-09-2023</a:t>
             </a:fld>
             <a:endParaRPr lang="en-IN"/>
           </a:p>
@@ -2406,7 +2406,7 @@
           <a:p>
             <a:fld id="{A4473EAB-BD50-4422-9832-0AC149E5474B}" type="datetimeFigureOut">
               <a:rPr lang="en-IN" smtClean="0"/>
-              <a:t>27-09-2023</a:t>
+              <a:t>30-09-2023</a:t>
             </a:fld>
             <a:endParaRPr lang="en-IN"/>
           </a:p>
@@ -2695,7 +2695,7 @@
           <a:p>
             <a:fld id="{A4473EAB-BD50-4422-9832-0AC149E5474B}" type="datetimeFigureOut">
               <a:rPr lang="en-IN" smtClean="0"/>
-              <a:t>27-09-2023</a:t>
+              <a:t>30-09-2023</a:t>
             </a:fld>
             <a:endParaRPr lang="en-IN"/>
           </a:p>
@@ -2938,7 +2938,7 @@
           <a:p>
             <a:fld id="{A4473EAB-BD50-4422-9832-0AC149E5474B}" type="datetimeFigureOut">
               <a:rPr lang="en-IN" smtClean="0"/>
-              <a:t>27-09-2023</a:t>
+              <a:t>30-09-2023</a:t>
             </a:fld>
             <a:endParaRPr lang="en-IN"/>
           </a:p>
@@ -3601,13 +3601,13 @@
         </p:nvSpPr>
         <p:spPr>
           <a:xfrm flipH="1">
-            <a:off x="4324392" y="678316"/>
-            <a:ext cx="4519243" cy="5456484"/>
+            <a:off x="4292746" y="1649132"/>
+            <a:ext cx="1225085" cy="4663393"/>
           </a:xfrm>
           <a:prstGeom prst="arc">
             <a:avLst>
-              <a:gd name="adj1" fmla="val 15089974"/>
-              <a:gd name="adj2" fmla="val 16135"/>
+              <a:gd name="adj1" fmla="val 15502861"/>
+              <a:gd name="adj2" fmla="val 18896988"/>
             </a:avLst>
           </a:prstGeom>
           <a:ln>
@@ -4135,13 +4135,13 @@
         </p:nvSpPr>
         <p:spPr>
           <a:xfrm flipH="1">
-            <a:off x="3646535" y="561662"/>
-            <a:ext cx="4845624" cy="4263186"/>
+            <a:off x="3510903" y="463120"/>
+            <a:ext cx="5702487" cy="3678722"/>
           </a:xfrm>
           <a:prstGeom prst="arc">
             <a:avLst>
-              <a:gd name="adj1" fmla="val 14880195"/>
-              <a:gd name="adj2" fmla="val 21042826"/>
+              <a:gd name="adj1" fmla="val 13366435"/>
+              <a:gd name="adj2" fmla="val 21438333"/>
             </a:avLst>
           </a:prstGeom>
           <a:ln>
@@ -4149,7 +4149,7 @@
               <a:schemeClr val="tx1"/>
             </a:solidFill>
             <a:prstDash val="solid"/>
-            <a:headEnd type="none" w="lg" len="lg"/>
+            <a:headEnd type="triangle" w="lg" len="lg"/>
             <a:tailEnd type="none" w="lg" len="lg"/>
           </a:ln>
         </p:spPr>
